--- a/iPoint.io Presentation.pptx
+++ b/iPoint.io Presentation.pptx
@@ -1,12 +1,15 @@
 
 <file path=ppt/presentation.xml><?xml version="1.0" encoding="utf-8"?>
-<p:presentation xmlns:a="http://schemas.openxmlformats.org/drawingml/2006/main" xmlns:r="http://schemas.openxmlformats.org/officeDocument/2006/relationships" xmlns:p="http://schemas.openxmlformats.org/presentationml/2006/main" saveSubsetFonts="1">
+<p:presentation xmlns:a="http://schemas.openxmlformats.org/drawingml/2006/main" xmlns:r="http://schemas.openxmlformats.org/officeDocument/2006/relationships" xmlns:p="http://schemas.openxmlformats.org/presentationml/2006/main" showSpecialPlsOnTitleSld="0" saveSubsetFonts="1">
   <p:sldMasterIdLst>
     <p:sldMasterId id="2147483756" r:id="rId1"/>
   </p:sldMasterIdLst>
   <p:notesMasterIdLst>
     <p:notesMasterId r:id="rId12"/>
   </p:notesMasterIdLst>
+  <p:handoutMasterIdLst>
+    <p:handoutMasterId r:id="rId13"/>
+  </p:handoutMasterIdLst>
   <p:sldIdLst>
     <p:sldId id="256" r:id="rId2"/>
     <p:sldId id="257" r:id="rId3"/>
@@ -119,6 +122,172 @@
 </p:presentation>
 </file>
 
+<file path=ppt/handoutMasters/handoutMaster1.xml><?xml version="1.0" encoding="utf-8"?>
+<p:handoutMaster xmlns:a="http://schemas.openxmlformats.org/drawingml/2006/main" xmlns:r="http://schemas.openxmlformats.org/officeDocument/2006/relationships" xmlns:p="http://schemas.openxmlformats.org/presentationml/2006/main">
+  <p:cSld>
+    <p:bg>
+      <p:bgRef idx="1001">
+        <a:schemeClr val="bg1"/>
+      </p:bgRef>
+    </p:bg>
+    <p:spTree>
+      <p:nvGrpSpPr>
+        <p:cNvPr id="1" name=""/>
+        <p:cNvGrpSpPr/>
+        <p:nvPr/>
+      </p:nvGrpSpPr>
+      <p:grpSpPr>
+        <a:xfrm>
+          <a:off x="0" y="0"/>
+          <a:ext cx="0" cy="0"/>
+          <a:chOff x="0" y="0"/>
+          <a:chExt cx="0" cy="0"/>
+        </a:xfrm>
+      </p:grpSpPr>
+      <p:sp>
+        <p:nvSpPr>
+          <p:cNvPr id="2" name="Верхний колонтитул 1"/>
+          <p:cNvSpPr>
+            <a:spLocks noGrp="1"/>
+          </p:cNvSpPr>
+          <p:nvPr>
+            <p:ph type="hdr" sz="quarter"/>
+          </p:nvPr>
+        </p:nvSpPr>
+        <p:spPr>
+          <a:xfrm>
+            <a:off x="0" y="0"/>
+            <a:ext cx="2971800" cy="457200"/>
+          </a:xfrm>
+          <a:prstGeom prst="rect">
+            <a:avLst/>
+          </a:prstGeom>
+        </p:spPr>
+        <p:txBody>
+          <a:bodyPr vert="horz" lIns="91440" tIns="45720" rIns="91440" bIns="45720" rtlCol="0"/>
+          <a:lstStyle>
+            <a:lvl1pPr algn="l">
+              <a:defRPr sz="1200"/>
+            </a:lvl1pPr>
+          </a:lstStyle>
+          <a:p>
+            <a:endParaRPr lang="ru-RU"/>
+          </a:p>
+        </p:txBody>
+      </p:sp>
+      <p:sp>
+        <p:nvSpPr>
+          <p:cNvPr id="3" name="Дата 2"/>
+          <p:cNvSpPr>
+            <a:spLocks noGrp="1"/>
+          </p:cNvSpPr>
+          <p:nvPr>
+            <p:ph type="dt" sz="quarter" idx="1"/>
+          </p:nvPr>
+        </p:nvSpPr>
+        <p:spPr>
+          <a:xfrm>
+            <a:off x="3884613" y="0"/>
+            <a:ext cx="2971800" cy="457200"/>
+          </a:xfrm>
+          <a:prstGeom prst="rect">
+            <a:avLst/>
+          </a:prstGeom>
+        </p:spPr>
+        <p:txBody>
+          <a:bodyPr vert="horz" lIns="91440" tIns="45720" rIns="91440" bIns="45720" rtlCol="0"/>
+          <a:lstStyle>
+            <a:lvl1pPr algn="r">
+              <a:defRPr sz="1200"/>
+            </a:lvl1pPr>
+          </a:lstStyle>
+          <a:p>
+            <a:fld id="{55883053-48F4-468F-984C-A8FB39511B3F}" type="datetimeFigureOut">
+              <a:rPr lang="ru-RU" smtClean="0"/>
+              <a:t>02.08.2018</a:t>
+            </a:fld>
+            <a:endParaRPr lang="ru-RU"/>
+          </a:p>
+        </p:txBody>
+      </p:sp>
+      <p:sp>
+        <p:nvSpPr>
+          <p:cNvPr id="4" name="Нижний колонтитул 3"/>
+          <p:cNvSpPr>
+            <a:spLocks noGrp="1"/>
+          </p:cNvSpPr>
+          <p:nvPr>
+            <p:ph type="ftr" sz="quarter" idx="2"/>
+          </p:nvPr>
+        </p:nvSpPr>
+        <p:spPr>
+          <a:xfrm>
+            <a:off x="0" y="8685213"/>
+            <a:ext cx="2971800" cy="457200"/>
+          </a:xfrm>
+          <a:prstGeom prst="rect">
+            <a:avLst/>
+          </a:prstGeom>
+        </p:spPr>
+        <p:txBody>
+          <a:bodyPr vert="horz" lIns="91440" tIns="45720" rIns="91440" bIns="45720" rtlCol="0" anchor="b"/>
+          <a:lstStyle>
+            <a:lvl1pPr algn="l">
+              <a:defRPr sz="1200"/>
+            </a:lvl1pPr>
+          </a:lstStyle>
+          <a:p>
+            <a:endParaRPr lang="ru-RU"/>
+          </a:p>
+        </p:txBody>
+      </p:sp>
+      <p:sp>
+        <p:nvSpPr>
+          <p:cNvPr id="5" name="Номер слайда 4"/>
+          <p:cNvSpPr>
+            <a:spLocks noGrp="1"/>
+          </p:cNvSpPr>
+          <p:nvPr>
+            <p:ph type="sldNum" sz="quarter" idx="3"/>
+          </p:nvPr>
+        </p:nvSpPr>
+        <p:spPr>
+          <a:xfrm>
+            <a:off x="3884613" y="8685213"/>
+            <a:ext cx="2971800" cy="457200"/>
+          </a:xfrm>
+          <a:prstGeom prst="rect">
+            <a:avLst/>
+          </a:prstGeom>
+        </p:spPr>
+        <p:txBody>
+          <a:bodyPr vert="horz" lIns="91440" tIns="45720" rIns="91440" bIns="45720" rtlCol="0" anchor="b"/>
+          <a:lstStyle>
+            <a:lvl1pPr algn="r">
+              <a:defRPr sz="1200"/>
+            </a:lvl1pPr>
+          </a:lstStyle>
+          <a:p>
+            <a:fld id="{ECAFAE13-8391-4FDD-B7B1-8A70F021B52D}" type="slidenum">
+              <a:rPr lang="ru-RU" smtClean="0"/>
+              <a:t>‹#›</a:t>
+            </a:fld>
+            <a:endParaRPr lang="ru-RU"/>
+          </a:p>
+        </p:txBody>
+      </p:sp>
+    </p:spTree>
+    <p:extLst>
+      <p:ext uri="{BB962C8B-B14F-4D97-AF65-F5344CB8AC3E}">
+        <p14:creationId xmlns:p14="http://schemas.microsoft.com/office/powerpoint/2010/main" val="145634942"/>
+      </p:ext>
+    </p:extLst>
+  </p:cSld>
+  <p:clrMap bg1="lt1" tx1="dk1" bg2="lt2" tx2="dk2" accent1="accent1" accent2="accent2" accent3="accent3" accent4="accent4" accent5="accent5" accent6="accent6" hlink="hlink" folHlink="folHlink"/>
+  <p:hf hdr="0" dt="0"/>
+</p:handoutMaster>
+</file>
+
 <file path=ppt/notesMasters/notesMaster1.xml><?xml version="1.0" encoding="utf-8"?>
 <p:notesMaster xmlns:a="http://schemas.openxmlformats.org/drawingml/2006/main" xmlns:r="http://schemas.openxmlformats.org/officeDocument/2006/relationships" xmlns:p="http://schemas.openxmlformats.org/presentationml/2006/main">
   <p:cSld>
@@ -374,6 +543,7 @@
     </p:extLst>
   </p:cSld>
   <p:clrMap bg1="lt1" tx1="dk1" bg2="lt2" tx2="dk2" accent1="accent1" accent2="accent2" accent3="accent3" accent4="accent4" accent5="accent5" accent6="accent6" hlink="hlink" folHlink="folHlink"/>
+  <p:hf hdr="0" dt="0"/>
   <p:notesStyle>
     <a:lvl1pPr marL="0" algn="l" defTabSz="914400" rtl="0" eaLnBrk="1" latinLnBrk="0" hangingPunct="1">
       <a:defRPr sz="1200" kern="1200">
@@ -513,7 +683,7 @@
           <a:bodyPr/>
           <a:lstStyle/>
           <a:p>
-            <a:endParaRPr lang="ru-RU" dirty="0"/>
+            <a:endParaRPr lang="ru-RU"/>
           </a:p>
         </p:txBody>
       </p:sp>
@@ -534,8 +704,233 @@
           <a:p>
             <a:fld id="{034C9990-6AF0-4861-8939-49F2C28A7EBE}" type="slidenum">
               <a:rPr lang="ru-RU" smtClean="0"/>
+              <a:t>1</a:t>
+            </a:fld>
+            <a:endParaRPr lang="ru-RU"/>
+          </a:p>
+        </p:txBody>
+      </p:sp>
+      <p:sp>
+        <p:nvSpPr>
+          <p:cNvPr id="5" name="Нижний колонтитул 4"/>
+          <p:cNvSpPr>
+            <a:spLocks noGrp="1"/>
+          </p:cNvSpPr>
+          <p:nvPr>
+            <p:ph type="ftr" sz="quarter" idx="11"/>
+          </p:nvPr>
+        </p:nvSpPr>
+        <p:spPr/>
+        <p:txBody>
+          <a:bodyPr/>
+          <a:lstStyle/>
+          <a:p>
+            <a:endParaRPr lang="ru-RU"/>
+          </a:p>
+        </p:txBody>
+      </p:sp>
+    </p:spTree>
+    <p:extLst>
+      <p:ext uri="{BB962C8B-B14F-4D97-AF65-F5344CB8AC3E}">
+        <p14:creationId xmlns:p14="http://schemas.microsoft.com/office/powerpoint/2010/main" val="1263246784"/>
+      </p:ext>
+    </p:extLst>
+  </p:cSld>
+  <p:clrMapOvr>
+    <a:masterClrMapping/>
+  </p:clrMapOvr>
+</p:notes>
+</file>
+
+<file path=ppt/notesSlides/notesSlide2.xml><?xml version="1.0" encoding="utf-8"?>
+<p:notes xmlns:a="http://schemas.openxmlformats.org/drawingml/2006/main" xmlns:r="http://schemas.openxmlformats.org/officeDocument/2006/relationships" xmlns:p="http://schemas.openxmlformats.org/presentationml/2006/main">
+  <p:cSld>
+    <p:spTree>
+      <p:nvGrpSpPr>
+        <p:cNvPr id="1" name=""/>
+        <p:cNvGrpSpPr/>
+        <p:nvPr/>
+      </p:nvGrpSpPr>
+      <p:grpSpPr>
+        <a:xfrm>
+          <a:off x="0" y="0"/>
+          <a:ext cx="0" cy="0"/>
+          <a:chOff x="0" y="0"/>
+          <a:chExt cx="0" cy="0"/>
+        </a:xfrm>
+      </p:grpSpPr>
+      <p:sp>
+        <p:nvSpPr>
+          <p:cNvPr id="2" name="Образ слайда 1"/>
+          <p:cNvSpPr>
+            <a:spLocks noGrp="1" noRot="1" noChangeAspect="1"/>
+          </p:cNvSpPr>
+          <p:nvPr>
+            <p:ph type="sldImg"/>
+          </p:nvPr>
+        </p:nvSpPr>
+        <p:spPr/>
+      </p:sp>
+      <p:sp>
+        <p:nvSpPr>
+          <p:cNvPr id="3" name="Заметки 2"/>
+          <p:cNvSpPr>
+            <a:spLocks noGrp="1"/>
+          </p:cNvSpPr>
+          <p:nvPr>
+            <p:ph type="body" idx="1"/>
+          </p:nvPr>
+        </p:nvSpPr>
+        <p:spPr/>
+        <p:txBody>
+          <a:bodyPr/>
+          <a:lstStyle/>
+          <a:p>
+            <a:endParaRPr lang="ru-RU"/>
+          </a:p>
+        </p:txBody>
+      </p:sp>
+      <p:sp>
+        <p:nvSpPr>
+          <p:cNvPr id="4" name="Нижний колонтитул 3"/>
+          <p:cNvSpPr>
+            <a:spLocks noGrp="1"/>
+          </p:cNvSpPr>
+          <p:nvPr>
+            <p:ph type="ftr" sz="quarter" idx="10"/>
+          </p:nvPr>
+        </p:nvSpPr>
+        <p:spPr/>
+        <p:txBody>
+          <a:bodyPr/>
+          <a:lstStyle/>
+          <a:p>
+            <a:endParaRPr lang="ru-RU"/>
+          </a:p>
+        </p:txBody>
+      </p:sp>
+      <p:sp>
+        <p:nvSpPr>
+          <p:cNvPr id="5" name="Номер слайда 4"/>
+          <p:cNvSpPr>
+            <a:spLocks noGrp="1"/>
+          </p:cNvSpPr>
+          <p:nvPr>
+            <p:ph type="sldNum" sz="quarter" idx="11"/>
+          </p:nvPr>
+        </p:nvSpPr>
+        <p:spPr/>
+        <p:txBody>
+          <a:bodyPr/>
+          <a:lstStyle/>
+          <a:p>
+            <a:fld id="{034C9990-6AF0-4861-8939-49F2C28A7EBE}" type="slidenum">
+              <a:rPr lang="ru-RU" smtClean="0"/>
+              <a:t>2</a:t>
+            </a:fld>
+            <a:endParaRPr lang="ru-RU"/>
+          </a:p>
+        </p:txBody>
+      </p:sp>
+    </p:spTree>
+    <p:extLst>
+      <p:ext uri="{BB962C8B-B14F-4D97-AF65-F5344CB8AC3E}">
+        <p14:creationId xmlns:p14="http://schemas.microsoft.com/office/powerpoint/2010/main" val="2583644955"/>
+      </p:ext>
+    </p:extLst>
+  </p:cSld>
+  <p:clrMapOvr>
+    <a:masterClrMapping/>
+  </p:clrMapOvr>
+</p:notes>
+</file>
+
+<file path=ppt/notesSlides/notesSlide3.xml><?xml version="1.0" encoding="utf-8"?>
+<p:notes xmlns:a="http://schemas.openxmlformats.org/drawingml/2006/main" xmlns:r="http://schemas.openxmlformats.org/officeDocument/2006/relationships" xmlns:p="http://schemas.openxmlformats.org/presentationml/2006/main">
+  <p:cSld>
+    <p:spTree>
+      <p:nvGrpSpPr>
+        <p:cNvPr id="1" name=""/>
+        <p:cNvGrpSpPr/>
+        <p:nvPr/>
+      </p:nvGrpSpPr>
+      <p:grpSpPr>
+        <a:xfrm>
+          <a:off x="0" y="0"/>
+          <a:ext cx="0" cy="0"/>
+          <a:chOff x="0" y="0"/>
+          <a:chExt cx="0" cy="0"/>
+        </a:xfrm>
+      </p:grpSpPr>
+      <p:sp>
+        <p:nvSpPr>
+          <p:cNvPr id="2" name="Образ слайда 1"/>
+          <p:cNvSpPr>
+            <a:spLocks noGrp="1" noRot="1" noChangeAspect="1"/>
+          </p:cNvSpPr>
+          <p:nvPr>
+            <p:ph type="sldImg"/>
+          </p:nvPr>
+        </p:nvSpPr>
+        <p:spPr/>
+      </p:sp>
+      <p:sp>
+        <p:nvSpPr>
+          <p:cNvPr id="3" name="Заметки 2"/>
+          <p:cNvSpPr>
+            <a:spLocks noGrp="1"/>
+          </p:cNvSpPr>
+          <p:nvPr>
+            <p:ph type="body" idx="1"/>
+          </p:nvPr>
+        </p:nvSpPr>
+        <p:spPr/>
+        <p:txBody>
+          <a:bodyPr/>
+          <a:lstStyle/>
+          <a:p>
+            <a:endParaRPr lang="ru-RU" dirty="0"/>
+          </a:p>
+        </p:txBody>
+      </p:sp>
+      <p:sp>
+        <p:nvSpPr>
+          <p:cNvPr id="4" name="Номер слайда 3"/>
+          <p:cNvSpPr>
+            <a:spLocks noGrp="1"/>
+          </p:cNvSpPr>
+          <p:nvPr>
+            <p:ph type="sldNum" sz="quarter" idx="10"/>
+          </p:nvPr>
+        </p:nvSpPr>
+        <p:spPr/>
+        <p:txBody>
+          <a:bodyPr/>
+          <a:lstStyle/>
+          <a:p>
+            <a:fld id="{034C9990-6AF0-4861-8939-49F2C28A7EBE}" type="slidenum">
+              <a:rPr lang="ru-RU" smtClean="0"/>
               <a:t>10</a:t>
             </a:fld>
+            <a:endParaRPr lang="ru-RU"/>
+          </a:p>
+        </p:txBody>
+      </p:sp>
+      <p:sp>
+        <p:nvSpPr>
+          <p:cNvPr id="5" name="Нижний колонтитул 4"/>
+          <p:cNvSpPr>
+            <a:spLocks noGrp="1"/>
+          </p:cNvSpPr>
+          <p:nvPr>
+            <p:ph type="ftr" sz="quarter" idx="11"/>
+          </p:nvPr>
+        </p:nvSpPr>
+        <p:spPr/>
+        <p:txBody>
+          <a:bodyPr/>
+          <a:lstStyle/>
+          <a:p>
             <a:endParaRPr lang="ru-RU"/>
           </a:p>
         </p:txBody>
@@ -960,7 +1355,7 @@
           <a:bodyPr/>
           <a:lstStyle/>
           <a:p>
-            <a:fld id="{B90B4D43-B3AE-49D7-9864-B201DDB89DC0}" type="datetimeFigureOut">
+            <a:fld id="{EA7650BD-CD5D-409E-9035-4A1330DA15DE}" type="datetime1">
               <a:rPr lang="ru-RU" smtClean="0"/>
               <a:t>02.08.2018</a:t>
             </a:fld>
@@ -1294,7 +1689,7 @@
           <a:bodyPr/>
           <a:lstStyle/>
           <a:p>
-            <a:fld id="{B90B4D43-B3AE-49D7-9864-B201DDB89DC0}" type="datetimeFigureOut">
+            <a:fld id="{A8A7CBB5-09C2-4381-B26E-691190494D57}" type="datetime1">
               <a:rPr lang="ru-RU" smtClean="0"/>
               <a:t>02.08.2018</a:t>
             </a:fld>
@@ -1684,7 +2079,7 @@
           <a:bodyPr/>
           <a:lstStyle/>
           <a:p>
-            <a:fld id="{B90B4D43-B3AE-49D7-9864-B201DDB89DC0}" type="datetimeFigureOut">
+            <a:fld id="{8D7297B6-3E1B-4625-892F-EBC125FB2D0F}" type="datetime1">
               <a:rPr lang="ru-RU" smtClean="0"/>
               <a:t>02.08.2018</a:t>
             </a:fld>
@@ -2120,7 +2515,7 @@
           <a:bodyPr/>
           <a:lstStyle/>
           <a:p>
-            <a:fld id="{B90B4D43-B3AE-49D7-9864-B201DDB89DC0}" type="datetimeFigureOut">
+            <a:fld id="{B53FA94E-3DB5-490C-8720-D72C2253B89D}" type="datetime1">
               <a:rPr lang="ru-RU" smtClean="0"/>
               <a:t>02.08.2018</a:t>
             </a:fld>
@@ -2553,7 +2948,7 @@
           <a:bodyPr/>
           <a:lstStyle/>
           <a:p>
-            <a:fld id="{B90B4D43-B3AE-49D7-9864-B201DDB89DC0}" type="datetimeFigureOut">
+            <a:fld id="{C620F282-0A4D-47C0-A625-8D017E9BB050}" type="datetime1">
               <a:rPr lang="ru-RU" smtClean="0"/>
               <a:t>02.08.2018</a:t>
             </a:fld>
@@ -3037,7 +3432,7 @@
           <a:bodyPr/>
           <a:lstStyle/>
           <a:p>
-            <a:fld id="{B90B4D43-B3AE-49D7-9864-B201DDB89DC0}" type="datetimeFigureOut">
+            <a:fld id="{5D70866F-1972-4250-8505-973463C64CCE}" type="datetime1">
               <a:rPr lang="ru-RU" smtClean="0"/>
               <a:t>02.08.2018</a:t>
             </a:fld>
@@ -3623,7 +4018,7 @@
           <a:bodyPr/>
           <a:lstStyle/>
           <a:p>
-            <a:fld id="{B90B4D43-B3AE-49D7-9864-B201DDB89DC0}" type="datetimeFigureOut">
+            <a:fld id="{3F39AF19-3E1A-4ADA-9741-DBE45889413B}" type="datetime1">
               <a:rPr lang="ru-RU" smtClean="0"/>
               <a:t>02.08.2018</a:t>
             </a:fld>
@@ -3951,7 +4346,7 @@
           <a:bodyPr/>
           <a:lstStyle/>
           <a:p>
-            <a:fld id="{B90B4D43-B3AE-49D7-9864-B201DDB89DC0}" type="datetimeFigureOut">
+            <a:fld id="{85F35A55-4704-4065-98D9-B503A8B83583}" type="datetime1">
               <a:rPr lang="ru-RU" smtClean="0"/>
               <a:t>02.08.2018</a:t>
             </a:fld>
@@ -4200,7 +4595,7 @@
           <a:bodyPr/>
           <a:lstStyle/>
           <a:p>
-            <a:fld id="{B90B4D43-B3AE-49D7-9864-B201DDB89DC0}" type="datetimeFigureOut">
+            <a:fld id="{0665AC6F-86AA-4CA0-B162-28D167D3E592}" type="datetime1">
               <a:rPr lang="ru-RU" smtClean="0"/>
               <a:t>02.08.2018</a:t>
             </a:fld>
@@ -4704,7 +5099,7 @@
           <a:bodyPr/>
           <a:lstStyle/>
           <a:p>
-            <a:fld id="{B90B4D43-B3AE-49D7-9864-B201DDB89DC0}" type="datetimeFigureOut">
+            <a:fld id="{E584B8A2-446B-45D0-84AE-03D5FED51ECE}" type="datetime1">
               <a:rPr lang="ru-RU" smtClean="0"/>
               <a:t>02.08.2018</a:t>
             </a:fld>
@@ -5155,7 +5550,7 @@
           <a:bodyPr/>
           <a:lstStyle/>
           <a:p>
-            <a:fld id="{B90B4D43-B3AE-49D7-9864-B201DDB89DC0}" type="datetimeFigureOut">
+            <a:fld id="{2A2499FE-234C-4A72-BE8B-B59C53ECAACF}" type="datetime1">
               <a:rPr lang="ru-RU" smtClean="0"/>
               <a:t>02.08.2018</a:t>
             </a:fld>
@@ -5557,7 +5952,7 @@
             </a:lvl1pPr>
           </a:lstStyle>
           <a:p>
-            <a:fld id="{B90B4D43-B3AE-49D7-9864-B201DDB89DC0}" type="datetimeFigureOut">
+            <a:fld id="{00182CFF-DA8A-481E-91A1-1F9BBA61E218}" type="datetime1">
               <a:rPr lang="ru-RU" smtClean="0"/>
               <a:t>02.08.2018</a:t>
             </a:fld>
@@ -5655,6 +6050,7 @@
     <p:sldLayoutId id="2147483766" r:id="rId10"/>
     <p:sldLayoutId id="2147483767" r:id="rId11"/>
   </p:sldLayoutIdLst>
+  <p:hf hdr="0" ftr="0" dt="0"/>
   <p:txStyles>
     <p:titleStyle>
       <a:lvl1pPr algn="l" defTabSz="914400" rtl="0" eaLnBrk="1" latinLnBrk="0" hangingPunct="1">
@@ -6477,6 +6873,38 @@
           </a:p>
         </p:txBody>
       </p:sp>
+      <p:sp>
+        <p:nvSpPr>
+          <p:cNvPr id="5" name="Номер слайда 4"/>
+          <p:cNvSpPr>
+            <a:spLocks noGrp="1"/>
+          </p:cNvSpPr>
+          <p:nvPr>
+            <p:ph type="sldNum" sz="quarter" idx="11"/>
+          </p:nvPr>
+        </p:nvSpPr>
+        <p:spPr>
+          <a:xfrm>
+            <a:off x="8676456" y="6629400"/>
+            <a:ext cx="467544" cy="228600"/>
+          </a:xfrm>
+        </p:spPr>
+        <p:txBody>
+          <a:bodyPr/>
+          <a:lstStyle/>
+          <a:p>
+            <a:fld id="{E5EB9E86-ACFD-4C4E-B1EE-231635812284}" type="slidenum">
+              <a:rPr lang="ru-RU" smtClean="0"/>
+              <a:t>10</a:t>
+            </a:fld>
+            <a:r>
+              <a:rPr lang="en-US" dirty="0" smtClean="0"/>
+              <a:t>/10</a:t>
+            </a:r>
+            <a:endParaRPr lang="ru-RU" dirty="0"/>
+          </a:p>
+        </p:txBody>
+      </p:sp>
     </p:spTree>
     <p:extLst>
       <p:ext uri="{BB962C8B-B14F-4D97-AF65-F5344CB8AC3E}">
@@ -6601,13 +7029,6 @@
               </a:rPr>
               <a:t>, просто расширенный на огромное количество игроков</a:t>
             </a:r>
-            <a:r>
-              <a:rPr lang="ru-RU" sz="2800" dirty="0">
-                <a:latin typeface="Arial" pitchFamily="34" charset="0"/>
-                <a:cs typeface="Arial" pitchFamily="34" charset="0"/>
-              </a:rPr>
-              <a:t/>
-            </a:r>
             <a:br>
               <a:rPr lang="ru-RU" sz="2800" dirty="0">
                 <a:latin typeface="Arial" pitchFamily="34" charset="0"/>
@@ -6635,6 +7056,38 @@
               <a:latin typeface="Arial" pitchFamily="34" charset="0"/>
               <a:cs typeface="Arial" pitchFamily="34" charset="0"/>
             </a:endParaRPr>
+          </a:p>
+        </p:txBody>
+      </p:sp>
+      <p:sp>
+        <p:nvSpPr>
+          <p:cNvPr id="5" name="Номер слайда 4"/>
+          <p:cNvSpPr>
+            <a:spLocks noGrp="1"/>
+          </p:cNvSpPr>
+          <p:nvPr>
+            <p:ph type="sldNum" sz="quarter" idx="11"/>
+          </p:nvPr>
+        </p:nvSpPr>
+        <p:spPr>
+          <a:xfrm>
+            <a:off x="8676456" y="6629400"/>
+            <a:ext cx="467544" cy="228600"/>
+          </a:xfrm>
+        </p:spPr>
+        <p:txBody>
+          <a:bodyPr/>
+          <a:lstStyle/>
+          <a:p>
+            <a:fld id="{E5EB9E86-ACFD-4C4E-B1EE-231635812284}" type="slidenum">
+              <a:rPr lang="ru-RU" smtClean="0"/>
+              <a:t>2</a:t>
+            </a:fld>
+            <a:r>
+              <a:rPr lang="en-US" dirty="0" smtClean="0"/>
+              <a:t>/10</a:t>
+            </a:r>
+            <a:endParaRPr lang="ru-RU" dirty="0"/>
           </a:p>
         </p:txBody>
       </p:sp>
@@ -6763,6 +7216,34 @@
           </a:p>
         </p:txBody>
       </p:sp>
+      <p:sp>
+        <p:nvSpPr>
+          <p:cNvPr id="7" name="Номер слайда 4"/>
+          <p:cNvSpPr>
+            <a:spLocks noGrp="1"/>
+          </p:cNvSpPr>
+          <p:nvPr>
+            <p:ph type="sldNum" sz="quarter" idx="11"/>
+          </p:nvPr>
+        </p:nvSpPr>
+        <p:spPr>
+          <a:xfrm>
+            <a:off x="8676456" y="6629400"/>
+            <a:ext cx="467544" cy="228600"/>
+          </a:xfrm>
+        </p:spPr>
+        <p:txBody>
+          <a:bodyPr/>
+          <a:lstStyle/>
+          <a:p>
+            <a:r>
+              <a:rPr lang="en-US" dirty="0" smtClean="0"/>
+              <a:t>3/10</a:t>
+            </a:r>
+            <a:endParaRPr lang="ru-RU" dirty="0"/>
+          </a:p>
+        </p:txBody>
+      </p:sp>
     </p:spTree>
     <p:extLst>
       <p:ext uri="{BB962C8B-B14F-4D97-AF65-F5344CB8AC3E}">
@@ -6886,6 +7367,34 @@
           </a:p>
         </p:txBody>
       </p:sp>
+      <p:sp>
+        <p:nvSpPr>
+          <p:cNvPr id="6" name="Номер слайда 4"/>
+          <p:cNvSpPr>
+            <a:spLocks noGrp="1"/>
+          </p:cNvSpPr>
+          <p:nvPr>
+            <p:ph type="sldNum" sz="quarter" idx="11"/>
+          </p:nvPr>
+        </p:nvSpPr>
+        <p:spPr>
+          <a:xfrm>
+            <a:off x="8676456" y="6610350"/>
+            <a:ext cx="447224" cy="228600"/>
+          </a:xfrm>
+        </p:spPr>
+        <p:txBody>
+          <a:bodyPr/>
+          <a:lstStyle/>
+          <a:p>
+            <a:r>
+              <a:rPr lang="en-US" dirty="0" smtClean="0"/>
+              <a:t>4/10</a:t>
+            </a:r>
+            <a:endParaRPr lang="ru-RU" dirty="0"/>
+          </a:p>
+        </p:txBody>
+      </p:sp>
     </p:spTree>
     <p:extLst>
       <p:ext uri="{BB962C8B-B14F-4D97-AF65-F5344CB8AC3E}">
@@ -7052,6 +7561,34 @@
           </a:p>
         </p:txBody>
       </p:sp>
+      <p:sp>
+        <p:nvSpPr>
+          <p:cNvPr id="6" name="Номер слайда 4"/>
+          <p:cNvSpPr>
+            <a:spLocks noGrp="1"/>
+          </p:cNvSpPr>
+          <p:nvPr>
+            <p:ph type="sldNum" sz="quarter" idx="11"/>
+          </p:nvPr>
+        </p:nvSpPr>
+        <p:spPr>
+          <a:xfrm>
+            <a:off x="8676456" y="6629400"/>
+            <a:ext cx="467544" cy="228600"/>
+          </a:xfrm>
+        </p:spPr>
+        <p:txBody>
+          <a:bodyPr/>
+          <a:lstStyle/>
+          <a:p>
+            <a:r>
+              <a:rPr lang="en-US" dirty="0" smtClean="0"/>
+              <a:t>5/10</a:t>
+            </a:r>
+            <a:endParaRPr lang="ru-RU" dirty="0"/>
+          </a:p>
+        </p:txBody>
+      </p:sp>
     </p:spTree>
     <p:extLst>
       <p:ext uri="{BB962C8B-B14F-4D97-AF65-F5344CB8AC3E}">
@@ -7131,6 +7668,34 @@
           </a:p>
         </p:txBody>
       </p:sp>
+      <p:sp>
+        <p:nvSpPr>
+          <p:cNvPr id="6" name="Номер слайда 4"/>
+          <p:cNvSpPr>
+            <a:spLocks noGrp="1"/>
+          </p:cNvSpPr>
+          <p:nvPr>
+            <p:ph type="sldNum" sz="quarter" idx="11"/>
+          </p:nvPr>
+        </p:nvSpPr>
+        <p:spPr>
+          <a:xfrm>
+            <a:off x="8676456" y="6629400"/>
+            <a:ext cx="467544" cy="228600"/>
+          </a:xfrm>
+        </p:spPr>
+        <p:txBody>
+          <a:bodyPr/>
+          <a:lstStyle/>
+          <a:p>
+            <a:r>
+              <a:rPr lang="en-US" dirty="0" smtClean="0"/>
+              <a:t>6/10</a:t>
+            </a:r>
+            <a:endParaRPr lang="ru-RU" dirty="0"/>
+          </a:p>
+        </p:txBody>
+      </p:sp>
     </p:spTree>
     <p:extLst>
       <p:ext uri="{BB962C8B-B14F-4D97-AF65-F5344CB8AC3E}">
@@ -7210,6 +7775,38 @@
           </a:p>
         </p:txBody>
       </p:sp>
+      <p:sp>
+        <p:nvSpPr>
+          <p:cNvPr id="6" name="Номер слайда 4"/>
+          <p:cNvSpPr>
+            <a:spLocks noGrp="1"/>
+          </p:cNvSpPr>
+          <p:nvPr>
+            <p:ph type="sldNum" sz="quarter" idx="11"/>
+          </p:nvPr>
+        </p:nvSpPr>
+        <p:spPr>
+          <a:xfrm>
+            <a:off x="8676456" y="6629400"/>
+            <a:ext cx="467544" cy="228600"/>
+          </a:xfrm>
+        </p:spPr>
+        <p:txBody>
+          <a:bodyPr/>
+          <a:lstStyle/>
+          <a:p>
+            <a:fld id="{E5EB9E86-ACFD-4C4E-B1EE-231635812284}" type="slidenum">
+              <a:rPr lang="ru-RU" smtClean="0"/>
+              <a:t>7</a:t>
+            </a:fld>
+            <a:r>
+              <a:rPr lang="en-US" dirty="0" smtClean="0"/>
+              <a:t>/10</a:t>
+            </a:r>
+            <a:endParaRPr lang="ru-RU" dirty="0"/>
+          </a:p>
+        </p:txBody>
+      </p:sp>
     </p:spTree>
     <p:extLst>
       <p:ext uri="{BB962C8B-B14F-4D97-AF65-F5344CB8AC3E}">
@@ -7289,6 +7886,38 @@
           </a:p>
         </p:txBody>
       </p:sp>
+      <p:sp>
+        <p:nvSpPr>
+          <p:cNvPr id="6" name="Номер слайда 4"/>
+          <p:cNvSpPr>
+            <a:spLocks noGrp="1"/>
+          </p:cNvSpPr>
+          <p:nvPr>
+            <p:ph type="sldNum" sz="quarter" idx="11"/>
+          </p:nvPr>
+        </p:nvSpPr>
+        <p:spPr>
+          <a:xfrm>
+            <a:off x="8676456" y="6629400"/>
+            <a:ext cx="467544" cy="228600"/>
+          </a:xfrm>
+        </p:spPr>
+        <p:txBody>
+          <a:bodyPr/>
+          <a:lstStyle/>
+          <a:p>
+            <a:fld id="{E5EB9E86-ACFD-4C4E-B1EE-231635812284}" type="slidenum">
+              <a:rPr lang="ru-RU" smtClean="0"/>
+              <a:t>8</a:t>
+            </a:fld>
+            <a:r>
+              <a:rPr lang="en-US" dirty="0" smtClean="0"/>
+              <a:t>/10</a:t>
+            </a:r>
+            <a:endParaRPr lang="ru-RU" dirty="0"/>
+          </a:p>
+        </p:txBody>
+      </p:sp>
     </p:spTree>
     <p:extLst>
       <p:ext uri="{BB962C8B-B14F-4D97-AF65-F5344CB8AC3E}">
@@ -7423,6 +8052,38 @@
               <a:t> , создатель игрового меню  </a:t>
             </a:r>
             <a:endParaRPr lang="ru-RU" sz="2800" dirty="0"/>
+          </a:p>
+        </p:txBody>
+      </p:sp>
+      <p:sp>
+        <p:nvSpPr>
+          <p:cNvPr id="6" name="Номер слайда 4"/>
+          <p:cNvSpPr>
+            <a:spLocks noGrp="1"/>
+          </p:cNvSpPr>
+          <p:nvPr>
+            <p:ph type="sldNum" sz="quarter" idx="11"/>
+          </p:nvPr>
+        </p:nvSpPr>
+        <p:spPr>
+          <a:xfrm>
+            <a:off x="8676456" y="6629400"/>
+            <a:ext cx="467544" cy="228600"/>
+          </a:xfrm>
+        </p:spPr>
+        <p:txBody>
+          <a:bodyPr/>
+          <a:lstStyle/>
+          <a:p>
+            <a:fld id="{E5EB9E86-ACFD-4C4E-B1EE-231635812284}" type="slidenum">
+              <a:rPr lang="ru-RU" smtClean="0"/>
+              <a:t>9</a:t>
+            </a:fld>
+            <a:r>
+              <a:rPr lang="en-US" dirty="0" smtClean="0"/>
+              <a:t>/10</a:t>
+            </a:r>
+            <a:endParaRPr lang="ru-RU" dirty="0"/>
           </a:p>
         </p:txBody>
       </p:sp>
@@ -8028,4 +8689,289 @@
   <a:objectDefaults/>
   <a:extraClrSchemeLst/>
 </a:theme>
+</file>
+
+<file path=ppt/theme/theme3.xml><?xml version="1.0" encoding="utf-8"?>
+<a:theme xmlns:a="http://schemas.openxmlformats.org/drawingml/2006/main" name="Тема Office">
+  <a:themeElements>
+    <a:clrScheme name="Стандартная">
+      <a:dk1>
+        <a:sysClr val="windowText" lastClr="000000"/>
+      </a:dk1>
+      <a:lt1>
+        <a:sysClr val="window" lastClr="FFFFFF"/>
+      </a:lt1>
+      <a:dk2>
+        <a:srgbClr val="1F497D"/>
+      </a:dk2>
+      <a:lt2>
+        <a:srgbClr val="EEECE1"/>
+      </a:lt2>
+      <a:accent1>
+        <a:srgbClr val="4F81BD"/>
+      </a:accent1>
+      <a:accent2>
+        <a:srgbClr val="C0504D"/>
+      </a:accent2>
+      <a:accent3>
+        <a:srgbClr val="9BBB59"/>
+      </a:accent3>
+      <a:accent4>
+        <a:srgbClr val="8064A2"/>
+      </a:accent4>
+      <a:accent5>
+        <a:srgbClr val="4BACC6"/>
+      </a:accent5>
+      <a:accent6>
+        <a:srgbClr val="F79646"/>
+      </a:accent6>
+      <a:hlink>
+        <a:srgbClr val="0000FF"/>
+      </a:hlink>
+      <a:folHlink>
+        <a:srgbClr val="800080"/>
+      </a:folHlink>
+    </a:clrScheme>
+    <a:fontScheme name="Стандартная">
+      <a:majorFont>
+        <a:latin typeface="Calibri"/>
+        <a:ea typeface=""/>
+        <a:cs typeface=""/>
+        <a:font script="Jpan" typeface="ＭＳ Ｐゴシック"/>
+        <a:font script="Hang" typeface="맑은 고딕"/>
+        <a:font script="Hans" typeface="宋体"/>
+        <a:font script="Hant" typeface="新細明體"/>
+        <a:font script="Arab" typeface="Times New Roman"/>
+        <a:font script="Hebr" typeface="Times New Roman"/>
+        <a:font script="Thai" typeface="Angsana New"/>
+        <a:font script="Ethi" typeface="Nyala"/>
+        <a:font script="Beng" typeface="Vrinda"/>
+        <a:font script="Gujr" typeface="Shruti"/>
+        <a:font script="Khmr" typeface="MoolBoran"/>
+        <a:font script="Knda" typeface="Tunga"/>
+        <a:font script="Guru" typeface="Raavi"/>
+        <a:font script="Cans" typeface="Euphemia"/>
+        <a:font script="Cher" typeface="Plantagenet Cherokee"/>
+        <a:font script="Yiii" typeface="Microsoft Yi Baiti"/>
+        <a:font script="Tibt" typeface="Microsoft Himalaya"/>
+        <a:font script="Thaa" typeface="MV Boli"/>
+        <a:font script="Deva" typeface="Mangal"/>
+        <a:font script="Telu" typeface="Gautami"/>
+        <a:font script="Taml" typeface="Latha"/>
+        <a:font script="Syrc" typeface="Estrangelo Edessa"/>
+        <a:font script="Orya" typeface="Kalinga"/>
+        <a:font script="Mlym" typeface="Kartika"/>
+        <a:font script="Laoo" typeface="DokChampa"/>
+        <a:font script="Sinh" typeface="Iskoola Pota"/>
+        <a:font script="Mong" typeface="Mongolian Baiti"/>
+        <a:font script="Viet" typeface="Times New Roman"/>
+        <a:font script="Uigh" typeface="Microsoft Uighur"/>
+        <a:font script="Geor" typeface="Sylfaen"/>
+      </a:majorFont>
+      <a:minorFont>
+        <a:latin typeface="Calibri"/>
+        <a:ea typeface=""/>
+        <a:cs typeface=""/>
+        <a:font script="Jpan" typeface="ＭＳ Ｐゴシック"/>
+        <a:font script="Hang" typeface="맑은 고딕"/>
+        <a:font script="Hans" typeface="宋体"/>
+        <a:font script="Hant" typeface="新細明體"/>
+        <a:font script="Arab" typeface="Arial"/>
+        <a:font script="Hebr" typeface="Arial"/>
+        <a:font script="Thai" typeface="Cordia New"/>
+        <a:font script="Ethi" typeface="Nyala"/>
+        <a:font script="Beng" typeface="Vrinda"/>
+        <a:font script="Gujr" typeface="Shruti"/>
+        <a:font script="Khmr" typeface="DaunPenh"/>
+        <a:font script="Knda" typeface="Tunga"/>
+        <a:font script="Guru" typeface="Raavi"/>
+        <a:font script="Cans" typeface="Euphemia"/>
+        <a:font script="Cher" typeface="Plantagenet Cherokee"/>
+        <a:font script="Yiii" typeface="Microsoft Yi Baiti"/>
+        <a:font script="Tibt" typeface="Microsoft Himalaya"/>
+        <a:font script="Thaa" typeface="MV Boli"/>
+        <a:font script="Deva" typeface="Mangal"/>
+        <a:font script="Telu" typeface="Gautami"/>
+        <a:font script="Taml" typeface="Latha"/>
+        <a:font script="Syrc" typeface="Estrangelo Edessa"/>
+        <a:font script="Orya" typeface="Kalinga"/>
+        <a:font script="Mlym" typeface="Kartika"/>
+        <a:font script="Laoo" typeface="DokChampa"/>
+        <a:font script="Sinh" typeface="Iskoola Pota"/>
+        <a:font script="Mong" typeface="Mongolian Baiti"/>
+        <a:font script="Viet" typeface="Arial"/>
+        <a:font script="Uigh" typeface="Microsoft Uighur"/>
+        <a:font script="Geor" typeface="Sylfaen"/>
+      </a:minorFont>
+    </a:fontScheme>
+    <a:fmtScheme name="Стандартная">
+      <a:fillStyleLst>
+        <a:solidFill>
+          <a:schemeClr val="phClr"/>
+        </a:solidFill>
+        <a:gradFill rotWithShape="1">
+          <a:gsLst>
+            <a:gs pos="0">
+              <a:schemeClr val="phClr">
+                <a:tint val="50000"/>
+                <a:satMod val="300000"/>
+              </a:schemeClr>
+            </a:gs>
+            <a:gs pos="35000">
+              <a:schemeClr val="phClr">
+                <a:tint val="37000"/>
+                <a:satMod val="300000"/>
+              </a:schemeClr>
+            </a:gs>
+            <a:gs pos="100000">
+              <a:schemeClr val="phClr">
+                <a:tint val="15000"/>
+                <a:satMod val="350000"/>
+              </a:schemeClr>
+            </a:gs>
+          </a:gsLst>
+          <a:lin ang="16200000" scaled="1"/>
+        </a:gradFill>
+        <a:gradFill rotWithShape="1">
+          <a:gsLst>
+            <a:gs pos="0">
+              <a:schemeClr val="phClr">
+                <a:shade val="51000"/>
+                <a:satMod val="130000"/>
+              </a:schemeClr>
+            </a:gs>
+            <a:gs pos="80000">
+              <a:schemeClr val="phClr">
+                <a:shade val="93000"/>
+                <a:satMod val="130000"/>
+              </a:schemeClr>
+            </a:gs>
+            <a:gs pos="100000">
+              <a:schemeClr val="phClr">
+                <a:shade val="94000"/>
+                <a:satMod val="135000"/>
+              </a:schemeClr>
+            </a:gs>
+          </a:gsLst>
+          <a:lin ang="16200000" scaled="0"/>
+        </a:gradFill>
+      </a:fillStyleLst>
+      <a:lnStyleLst>
+        <a:ln w="9525" cap="flat" cmpd="sng" algn="ctr">
+          <a:solidFill>
+            <a:schemeClr val="phClr">
+              <a:shade val="95000"/>
+              <a:satMod val="105000"/>
+            </a:schemeClr>
+          </a:solidFill>
+          <a:prstDash val="solid"/>
+        </a:ln>
+        <a:ln w="25400" cap="flat" cmpd="sng" algn="ctr">
+          <a:solidFill>
+            <a:schemeClr val="phClr"/>
+          </a:solidFill>
+          <a:prstDash val="solid"/>
+        </a:ln>
+        <a:ln w="38100" cap="flat" cmpd="sng" algn="ctr">
+          <a:solidFill>
+            <a:schemeClr val="phClr"/>
+          </a:solidFill>
+          <a:prstDash val="solid"/>
+        </a:ln>
+      </a:lnStyleLst>
+      <a:effectStyleLst>
+        <a:effectStyle>
+          <a:effectLst>
+            <a:outerShdw blurRad="40000" dist="20000" dir="5400000" rotWithShape="0">
+              <a:srgbClr val="000000">
+                <a:alpha val="38000"/>
+              </a:srgbClr>
+            </a:outerShdw>
+          </a:effectLst>
+        </a:effectStyle>
+        <a:effectStyle>
+          <a:effectLst>
+            <a:outerShdw blurRad="40000" dist="23000" dir="5400000" rotWithShape="0">
+              <a:srgbClr val="000000">
+                <a:alpha val="35000"/>
+              </a:srgbClr>
+            </a:outerShdw>
+          </a:effectLst>
+        </a:effectStyle>
+        <a:effectStyle>
+          <a:effectLst>
+            <a:outerShdw blurRad="40000" dist="23000" dir="5400000" rotWithShape="0">
+              <a:srgbClr val="000000">
+                <a:alpha val="35000"/>
+              </a:srgbClr>
+            </a:outerShdw>
+          </a:effectLst>
+          <a:scene3d>
+            <a:camera prst="orthographicFront">
+              <a:rot lat="0" lon="0" rev="0"/>
+            </a:camera>
+            <a:lightRig rig="threePt" dir="t">
+              <a:rot lat="0" lon="0" rev="1200000"/>
+            </a:lightRig>
+          </a:scene3d>
+          <a:sp3d>
+            <a:bevelT w="63500" h="25400"/>
+          </a:sp3d>
+        </a:effectStyle>
+      </a:effectStyleLst>
+      <a:bgFillStyleLst>
+        <a:solidFill>
+          <a:schemeClr val="phClr"/>
+        </a:solidFill>
+        <a:gradFill rotWithShape="1">
+          <a:gsLst>
+            <a:gs pos="0">
+              <a:schemeClr val="phClr">
+                <a:tint val="40000"/>
+                <a:satMod val="350000"/>
+              </a:schemeClr>
+            </a:gs>
+            <a:gs pos="40000">
+              <a:schemeClr val="phClr">
+                <a:tint val="45000"/>
+                <a:shade val="99000"/>
+                <a:satMod val="350000"/>
+              </a:schemeClr>
+            </a:gs>
+            <a:gs pos="100000">
+              <a:schemeClr val="phClr">
+                <a:shade val="20000"/>
+                <a:satMod val="255000"/>
+              </a:schemeClr>
+            </a:gs>
+          </a:gsLst>
+          <a:path path="circle">
+            <a:fillToRect l="50000" t="-80000" r="50000" b="180000"/>
+          </a:path>
+        </a:gradFill>
+        <a:gradFill rotWithShape="1">
+          <a:gsLst>
+            <a:gs pos="0">
+              <a:schemeClr val="phClr">
+                <a:tint val="80000"/>
+                <a:satMod val="300000"/>
+              </a:schemeClr>
+            </a:gs>
+            <a:gs pos="100000">
+              <a:schemeClr val="phClr">
+                <a:shade val="30000"/>
+                <a:satMod val="200000"/>
+              </a:schemeClr>
+            </a:gs>
+          </a:gsLst>
+          <a:path path="circle">
+            <a:fillToRect l="50000" t="50000" r="50000" b="50000"/>
+          </a:path>
+        </a:gradFill>
+      </a:bgFillStyleLst>
+    </a:fmtScheme>
+  </a:themeElements>
+  <a:objectDefaults/>
+  <a:extraClrSchemeLst/>
+</a:theme>
 </file>
--- a/iPoint.io Presentation.pptx
+++ b/iPoint.io Presentation.pptx
@@ -5,10 +5,10 @@
     <p:sldMasterId id="2147483756" r:id="rId1"/>
   </p:sldMasterIdLst>
   <p:notesMasterIdLst>
-    <p:notesMasterId r:id="rId12"/>
+    <p:notesMasterId r:id="rId13"/>
   </p:notesMasterIdLst>
   <p:handoutMasterIdLst>
-    <p:handoutMasterId r:id="rId13"/>
+    <p:handoutMasterId r:id="rId14"/>
   </p:handoutMasterIdLst>
   <p:sldIdLst>
     <p:sldId id="256" r:id="rId2"/>
@@ -17,10 +17,11 @@
     <p:sldId id="260" r:id="rId5"/>
     <p:sldId id="258" r:id="rId6"/>
     <p:sldId id="261" r:id="rId7"/>
-    <p:sldId id="262" r:id="rId8"/>
-    <p:sldId id="263" r:id="rId9"/>
-    <p:sldId id="264" r:id="rId10"/>
-    <p:sldId id="265" r:id="rId11"/>
+    <p:sldId id="266" r:id="rId8"/>
+    <p:sldId id="262" r:id="rId9"/>
+    <p:sldId id="263" r:id="rId10"/>
+    <p:sldId id="264" r:id="rId11"/>
+    <p:sldId id="265" r:id="rId12"/>
   </p:sldIdLst>
   <p:sldSz cx="9144000" cy="6858000" type="screen4x3"/>
   <p:notesSz cx="6858000" cy="9144000"/>
@@ -204,7 +205,7 @@
           <a:p>
             <a:fld id="{55883053-48F4-468F-984C-A8FB39511B3F}" type="datetimeFigureOut">
               <a:rPr lang="ru-RU" smtClean="0"/>
-              <a:t>02.08.2018</a:t>
+              <a:t>03.08.2018</a:t>
             </a:fld>
             <a:endParaRPr lang="ru-RU"/>
           </a:p>
@@ -370,7 +371,7 @@
           <a:p>
             <a:fld id="{DE9D4D2D-16F2-471C-8162-F4AA43FD9C5E}" type="datetimeFigureOut">
               <a:rPr lang="ru-RU" smtClean="0"/>
-              <a:t>02.08.2018</a:t>
+              <a:t>03.08.2018</a:t>
             </a:fld>
             <a:endParaRPr lang="ru-RU"/>
           </a:p>
@@ -910,7 +911,7 @@
           <a:p>
             <a:fld id="{034C9990-6AF0-4861-8939-49F2C28A7EBE}" type="slidenum">
               <a:rPr lang="ru-RU" smtClean="0"/>
-              <a:t>10</a:t>
+              <a:t>11</a:t>
             </a:fld>
             <a:endParaRPr lang="ru-RU"/>
           </a:p>
@@ -1357,7 +1358,7 @@
           <a:p>
             <a:fld id="{EA7650BD-CD5D-409E-9035-4A1330DA15DE}" type="datetime1">
               <a:rPr lang="ru-RU" smtClean="0"/>
-              <a:t>02.08.2018</a:t>
+              <a:t>03.08.2018</a:t>
             </a:fld>
             <a:endParaRPr lang="ru-RU"/>
           </a:p>
@@ -1691,7 +1692,7 @@
           <a:p>
             <a:fld id="{A8A7CBB5-09C2-4381-B26E-691190494D57}" type="datetime1">
               <a:rPr lang="ru-RU" smtClean="0"/>
-              <a:t>02.08.2018</a:t>
+              <a:t>03.08.2018</a:t>
             </a:fld>
             <a:endParaRPr lang="ru-RU"/>
           </a:p>
@@ -2081,7 +2082,7 @@
           <a:p>
             <a:fld id="{8D7297B6-3E1B-4625-892F-EBC125FB2D0F}" type="datetime1">
               <a:rPr lang="ru-RU" smtClean="0"/>
-              <a:t>02.08.2018</a:t>
+              <a:t>03.08.2018</a:t>
             </a:fld>
             <a:endParaRPr lang="ru-RU"/>
           </a:p>
@@ -2517,7 +2518,7 @@
           <a:p>
             <a:fld id="{B53FA94E-3DB5-490C-8720-D72C2253B89D}" type="datetime1">
               <a:rPr lang="ru-RU" smtClean="0"/>
-              <a:t>02.08.2018</a:t>
+              <a:t>03.08.2018</a:t>
             </a:fld>
             <a:endParaRPr lang="ru-RU"/>
           </a:p>
@@ -2950,7 +2951,7 @@
           <a:p>
             <a:fld id="{C620F282-0A4D-47C0-A625-8D017E9BB050}" type="datetime1">
               <a:rPr lang="ru-RU" smtClean="0"/>
-              <a:t>02.08.2018</a:t>
+              <a:t>03.08.2018</a:t>
             </a:fld>
             <a:endParaRPr lang="ru-RU"/>
           </a:p>
@@ -3434,7 +3435,7 @@
           <a:p>
             <a:fld id="{5D70866F-1972-4250-8505-973463C64CCE}" type="datetime1">
               <a:rPr lang="ru-RU" smtClean="0"/>
-              <a:t>02.08.2018</a:t>
+              <a:t>03.08.2018</a:t>
             </a:fld>
             <a:endParaRPr lang="ru-RU"/>
           </a:p>
@@ -4020,7 +4021,7 @@
           <a:p>
             <a:fld id="{3F39AF19-3E1A-4ADA-9741-DBE45889413B}" type="datetime1">
               <a:rPr lang="ru-RU" smtClean="0"/>
-              <a:t>02.08.2018</a:t>
+              <a:t>03.08.2018</a:t>
             </a:fld>
             <a:endParaRPr lang="ru-RU"/>
           </a:p>
@@ -4348,7 +4349,7 @@
           <a:p>
             <a:fld id="{85F35A55-4704-4065-98D9-B503A8B83583}" type="datetime1">
               <a:rPr lang="ru-RU" smtClean="0"/>
-              <a:t>02.08.2018</a:t>
+              <a:t>03.08.2018</a:t>
             </a:fld>
             <a:endParaRPr lang="ru-RU"/>
           </a:p>
@@ -4597,7 +4598,7 @@
           <a:p>
             <a:fld id="{0665AC6F-86AA-4CA0-B162-28D167D3E592}" type="datetime1">
               <a:rPr lang="ru-RU" smtClean="0"/>
-              <a:t>02.08.2018</a:t>
+              <a:t>03.08.2018</a:t>
             </a:fld>
             <a:endParaRPr lang="ru-RU"/>
           </a:p>
@@ -5101,7 +5102,7 @@
           <a:p>
             <a:fld id="{E584B8A2-446B-45D0-84AE-03D5FED51ECE}" type="datetime1">
               <a:rPr lang="ru-RU" smtClean="0"/>
-              <a:t>02.08.2018</a:t>
+              <a:t>03.08.2018</a:t>
             </a:fld>
             <a:endParaRPr lang="ru-RU"/>
           </a:p>
@@ -5552,7 +5553,7 @@
           <a:p>
             <a:fld id="{2A2499FE-234C-4A72-BE8B-B59C53ECAACF}" type="datetime1">
               <a:rPr lang="ru-RU" smtClean="0"/>
-              <a:t>02.08.2018</a:t>
+              <a:t>03.08.2018</a:t>
             </a:fld>
             <a:endParaRPr lang="ru-RU"/>
           </a:p>
@@ -5954,7 +5955,7 @@
           <a:p>
             <a:fld id="{00182CFF-DA8A-481E-91A1-1F9BBA61E218}" type="datetime1">
               <a:rPr lang="ru-RU" smtClean="0"/>
-              <a:t>02.08.2018</a:t>
+              <a:t>03.08.2018</a:t>
             </a:fld>
             <a:endParaRPr lang="ru-RU"/>
           </a:p>
@@ -6809,6 +6810,175 @@
       </p:grpSpPr>
       <p:sp>
         <p:nvSpPr>
+          <p:cNvPr id="2" name="Заголовок 1"/>
+          <p:cNvSpPr>
+            <a:spLocks noGrp="1"/>
+          </p:cNvSpPr>
+          <p:nvPr>
+            <p:ph type="title"/>
+          </p:nvPr>
+        </p:nvSpPr>
+        <p:spPr/>
+        <p:txBody>
+          <a:bodyPr/>
+          <a:lstStyle/>
+          <a:p>
+            <a:r>
+              <a:rPr lang="ru-RU" dirty="0" smtClean="0"/>
+              <a:t>Роли в команде </a:t>
+            </a:r>
+            <a:endParaRPr lang="ru-RU" dirty="0"/>
+          </a:p>
+        </p:txBody>
+      </p:sp>
+      <p:sp>
+        <p:nvSpPr>
+          <p:cNvPr id="3" name="Объект 2"/>
+          <p:cNvSpPr>
+            <a:spLocks noGrp="1"/>
+          </p:cNvSpPr>
+          <p:nvPr>
+            <p:ph idx="1"/>
+          </p:nvPr>
+        </p:nvSpPr>
+        <p:spPr/>
+        <p:txBody>
+          <a:bodyPr>
+            <a:normAutofit/>
+          </a:bodyPr>
+          <a:lstStyle/>
+          <a:p>
+            <a:pPr>
+              <a:buFont typeface="Wingdings" pitchFamily="2" charset="2"/>
+              <a:buChar char="Ø"/>
+            </a:pPr>
+            <a:r>
+              <a:rPr lang="ru-RU" sz="2800" dirty="0" err="1" smtClean="0"/>
+              <a:t>Лямаев</a:t>
+            </a:r>
+            <a:r>
+              <a:rPr lang="ru-RU" sz="2800" dirty="0" smtClean="0"/>
+              <a:t> Михаил Сергеевич – создатель игрового движка , программист</a:t>
+            </a:r>
+          </a:p>
+          <a:p>
+            <a:pPr marL="0" indent="0">
+              <a:buNone/>
+            </a:pPr>
+            <a:endParaRPr lang="ru-RU" sz="2800" dirty="0" smtClean="0"/>
+          </a:p>
+          <a:p>
+            <a:pPr>
+              <a:buFont typeface="Wingdings" pitchFamily="2" charset="2"/>
+              <a:buChar char="Ø"/>
+            </a:pPr>
+            <a:r>
+              <a:rPr lang="ru-RU" sz="2800" dirty="0" err="1" smtClean="0"/>
+              <a:t>Юсифзаде</a:t>
+            </a:r>
+            <a:r>
+              <a:rPr lang="ru-RU" sz="2800" dirty="0" smtClean="0"/>
+              <a:t> Али </a:t>
+            </a:r>
+            <a:r>
+              <a:rPr lang="ru-RU" sz="2800" dirty="0" err="1" smtClean="0"/>
+              <a:t>Мансыр</a:t>
+            </a:r>
+            <a:r>
+              <a:rPr lang="ru-RU" sz="2800" dirty="0" smtClean="0"/>
+              <a:t> </a:t>
+            </a:r>
+            <a:r>
+              <a:rPr lang="ru-RU" sz="2800" dirty="0" err="1" smtClean="0"/>
+              <a:t>оглы</a:t>
+            </a:r>
+            <a:r>
+              <a:rPr lang="ru-RU" sz="2800" dirty="0" smtClean="0"/>
+              <a:t> – </a:t>
+            </a:r>
+            <a:r>
+              <a:rPr lang="ru-RU" sz="2800" dirty="0" err="1" smtClean="0"/>
+              <a:t>геймдизайнер</a:t>
+            </a:r>
+            <a:r>
+              <a:rPr lang="ru-RU" sz="2800" dirty="0" smtClean="0"/>
+              <a:t> , создатель игрового меню  </a:t>
+            </a:r>
+            <a:endParaRPr lang="ru-RU" sz="2800" dirty="0"/>
+          </a:p>
+        </p:txBody>
+      </p:sp>
+      <p:sp>
+        <p:nvSpPr>
+          <p:cNvPr id="6" name="Номер слайда 4"/>
+          <p:cNvSpPr>
+            <a:spLocks noGrp="1"/>
+          </p:cNvSpPr>
+          <p:nvPr>
+            <p:ph type="sldNum" sz="quarter" idx="11"/>
+          </p:nvPr>
+        </p:nvSpPr>
+        <p:spPr>
+          <a:xfrm>
+            <a:off x="8676456" y="6629400"/>
+            <a:ext cx="467544" cy="228600"/>
+          </a:xfrm>
+        </p:spPr>
+        <p:txBody>
+          <a:bodyPr/>
+          <a:lstStyle/>
+          <a:p>
+            <a:fld id="{E5EB9E86-ACFD-4C4E-B1EE-231635812284}" type="slidenum">
+              <a:rPr lang="ru-RU" smtClean="0"/>
+              <a:t>10</a:t>
+            </a:fld>
+            <a:r>
+              <a:rPr lang="en-US" dirty="0" smtClean="0"/>
+              <a:t>/10</a:t>
+            </a:r>
+            <a:endParaRPr lang="ru-RU" dirty="0"/>
+          </a:p>
+        </p:txBody>
+      </p:sp>
+    </p:spTree>
+    <p:extLst>
+      <p:ext uri="{BB962C8B-B14F-4D97-AF65-F5344CB8AC3E}">
+        <p14:creationId xmlns:p14="http://schemas.microsoft.com/office/powerpoint/2010/main" val="476988758"/>
+      </p:ext>
+    </p:extLst>
+  </p:cSld>
+  <p:clrMapOvr>
+    <a:masterClrMapping/>
+  </p:clrMapOvr>
+  <p:timing>
+    <p:tnLst>
+      <p:par>
+        <p:cTn id="1" dur="indefinite" restart="never" nodeType="tmRoot"/>
+      </p:par>
+    </p:tnLst>
+  </p:timing>
+</p:sld>
+</file>
+
+<file path=ppt/slides/slide11.xml><?xml version="1.0" encoding="utf-8"?>
+<p:sld xmlns:a="http://schemas.openxmlformats.org/drawingml/2006/main" xmlns:r="http://schemas.openxmlformats.org/officeDocument/2006/relationships" xmlns:p="http://schemas.openxmlformats.org/presentationml/2006/main">
+  <p:cSld>
+    <p:spTree>
+      <p:nvGrpSpPr>
+        <p:cNvPr id="1" name=""/>
+        <p:cNvGrpSpPr/>
+        <p:nvPr/>
+      </p:nvGrpSpPr>
+      <p:grpSpPr>
+        <a:xfrm>
+          <a:off x="0" y="0"/>
+          <a:ext cx="0" cy="0"/>
+          <a:chOff x="0" y="0"/>
+          <a:chExt cx="0" cy="0"/>
+        </a:xfrm>
+      </p:grpSpPr>
+      <p:sp>
+        <p:nvSpPr>
           <p:cNvPr id="3" name="Объект 2"/>
           <p:cNvSpPr>
             <a:spLocks noGrp="1"/>
@@ -6895,7 +7065,7 @@
           <a:p>
             <a:fld id="{E5EB9E86-ACFD-4C4E-B1EE-231635812284}" type="slidenum">
               <a:rPr lang="ru-RU" smtClean="0"/>
-              <a:t>10</a:t>
+              <a:t>11</a:t>
             </a:fld>
             <a:r>
               <a:rPr lang="en-US" dirty="0" smtClean="0"/>
@@ -7006,14 +7176,7 @@
                 <a:latin typeface="Arial" pitchFamily="34" charset="0"/>
                 <a:cs typeface="Arial" pitchFamily="34" charset="0"/>
               </a:rPr>
-              <a:t>это </a:t>
-            </a:r>
-            <a:r>
-              <a:rPr lang="ru-RU" sz="2800" dirty="0">
-                <a:latin typeface="Arial" pitchFamily="34" charset="0"/>
-                <a:cs typeface="Arial" pitchFamily="34" charset="0"/>
-              </a:rPr>
-              <a:t>подход казуального </a:t>
+              <a:t>казуального </a:t>
             </a:r>
             <a:r>
               <a:rPr lang="ru-RU" sz="2800" dirty="0" err="1">
@@ -7643,27 +7806,8 @@
           <a:p>
             <a:r>
               <a:rPr lang="ru-RU" dirty="0" smtClean="0"/>
-              <a:t>Скриншоты</a:t>
-            </a:r>
-            <a:endParaRPr lang="ru-RU" dirty="0"/>
-          </a:p>
-        </p:txBody>
-      </p:sp>
-      <p:sp>
-        <p:nvSpPr>
-          <p:cNvPr id="3" name="Объект 2"/>
-          <p:cNvSpPr>
-            <a:spLocks noGrp="1"/>
-          </p:cNvSpPr>
-          <p:nvPr>
-            <p:ph idx="1"/>
-          </p:nvPr>
-        </p:nvSpPr>
-        <p:spPr/>
-        <p:txBody>
-          <a:bodyPr/>
-          <a:lstStyle/>
-          <a:p>
+              <a:t>Стартовый экран</a:t>
+            </a:r>
             <a:endParaRPr lang="ru-RU" dirty="0"/>
           </a:p>
         </p:txBody>
@@ -7696,6 +7840,47 @@
           </a:p>
         </p:txBody>
       </p:sp>
+      <p:pic>
+        <p:nvPicPr>
+          <p:cNvPr id="1028" name="Picture 4" descr="C:\Users\iusifzade.am\Desktop\Безымянный.png"/>
+          <p:cNvPicPr>
+            <a:picLocks noChangeAspect="1" noChangeArrowheads="1"/>
+          </p:cNvPicPr>
+          <p:nvPr/>
+        </p:nvPicPr>
+        <p:blipFill>
+          <a:blip r:embed="rId2">
+            <a:extLst>
+              <a:ext uri="{28A0092B-C50C-407E-A947-70E740481C1C}">
+                <a14:useLocalDpi xmlns:a14="http://schemas.microsoft.com/office/drawing/2010/main" val="0"/>
+              </a:ext>
+            </a:extLst>
+          </a:blip>
+          <a:srcRect/>
+          <a:stretch>
+            <a:fillRect/>
+          </a:stretch>
+        </p:blipFill>
+        <p:spPr bwMode="auto">
+          <a:xfrm>
+            <a:off x="539552" y="2119511"/>
+            <a:ext cx="8161554" cy="4146699"/>
+          </a:xfrm>
+          <a:prstGeom prst="rect">
+            <a:avLst/>
+          </a:prstGeom>
+          <a:noFill/>
+          <a:extLst>
+            <a:ext uri="{909E8E84-426E-40DD-AFC4-6F175D3DCCD1}">
+              <a14:hiddenFill xmlns:a14="http://schemas.microsoft.com/office/drawing/2010/main">
+                <a:solidFill>
+                  <a:srgbClr val="FFFFFF"/>
+                </a:solidFill>
+              </a14:hiddenFill>
+            </a:ext>
+          </a:extLst>
+        </p:spPr>
+      </p:pic>
     </p:spTree>
     <p:extLst>
       <p:ext uri="{BB962C8B-B14F-4D97-AF65-F5344CB8AC3E}">
@@ -7748,11 +7933,7 @@
           <a:bodyPr/>
           <a:lstStyle/>
           <a:p>
-            <a:r>
-              <a:rPr lang="ru-RU" dirty="0" smtClean="0"/>
-              <a:t>Диаграмма классов </a:t>
-            </a:r>
-            <a:endParaRPr lang="ru-RU" dirty="0"/>
+            <a:endParaRPr lang="ru-RU"/>
           </a:p>
         </p:txBody>
       </p:sp>
@@ -7777,7 +7958,7 @@
       </p:sp>
       <p:sp>
         <p:nvSpPr>
-          <p:cNvPr id="6" name="Номер слайда 4"/>
+          <p:cNvPr id="4" name="Номер слайда 3"/>
           <p:cNvSpPr>
             <a:spLocks noGrp="1"/>
           </p:cNvSpPr>
@@ -7785,12 +7966,7 @@
             <p:ph type="sldNum" sz="quarter" idx="11"/>
           </p:nvPr>
         </p:nvSpPr>
-        <p:spPr>
-          <a:xfrm>
-            <a:off x="8676456" y="6629400"/>
-            <a:ext cx="467544" cy="228600"/>
-          </a:xfrm>
-        </p:spPr>
+        <p:spPr/>
         <p:txBody>
           <a:bodyPr/>
           <a:lstStyle/>
@@ -7799,31 +7975,20 @@
               <a:rPr lang="ru-RU" smtClean="0"/>
               <a:t>7</a:t>
             </a:fld>
-            <a:r>
-              <a:rPr lang="en-US" dirty="0" smtClean="0"/>
-              <a:t>/10</a:t>
-            </a:r>
-            <a:endParaRPr lang="ru-RU" dirty="0"/>
+            <a:endParaRPr lang="ru-RU"/>
           </a:p>
         </p:txBody>
       </p:sp>
     </p:spTree>
     <p:extLst>
       <p:ext uri="{BB962C8B-B14F-4D97-AF65-F5344CB8AC3E}">
-        <p14:creationId xmlns:p14="http://schemas.microsoft.com/office/powerpoint/2010/main" val="1567286518"/>
+        <p14:creationId xmlns:p14="http://schemas.microsoft.com/office/powerpoint/2010/main" val="1996078508"/>
       </p:ext>
     </p:extLst>
   </p:cSld>
   <p:clrMapOvr>
     <a:masterClrMapping/>
   </p:clrMapOvr>
-  <p:timing>
-    <p:tnLst>
-      <p:par>
-        <p:cTn id="1" dur="indefinite" restart="never" nodeType="tmRoot"/>
-      </p:par>
-    </p:tnLst>
-  </p:timing>
 </p:sld>
 </file>
 
@@ -7861,7 +8026,7 @@
           <a:p>
             <a:r>
               <a:rPr lang="ru-RU" dirty="0" smtClean="0"/>
-              <a:t>Статистика </a:t>
+              <a:t>Диаграмма классов </a:t>
             </a:r>
             <a:endParaRPr lang="ru-RU" dirty="0"/>
           </a:p>
@@ -7921,7 +8086,7 @@
     </p:spTree>
     <p:extLst>
       <p:ext uri="{BB962C8B-B14F-4D97-AF65-F5344CB8AC3E}">
-        <p14:creationId xmlns:p14="http://schemas.microsoft.com/office/powerpoint/2010/main" val="2338778032"/>
+        <p14:creationId xmlns:p14="http://schemas.microsoft.com/office/powerpoint/2010/main" val="1567286518"/>
       </p:ext>
     </p:extLst>
   </p:cSld>
@@ -7972,7 +8137,7 @@
           <a:p>
             <a:r>
               <a:rPr lang="ru-RU" dirty="0" smtClean="0"/>
-              <a:t>Роли в команде </a:t>
+              <a:t>Статистика </a:t>
             </a:r>
             <a:endParaRPr lang="ru-RU" dirty="0"/>
           </a:p>
@@ -7990,68 +8155,10 @@
         </p:nvSpPr>
         <p:spPr/>
         <p:txBody>
-          <a:bodyPr>
-            <a:normAutofit/>
-          </a:bodyPr>
-          <a:lstStyle/>
-          <a:p>
-            <a:pPr>
-              <a:buFont typeface="Wingdings" pitchFamily="2" charset="2"/>
-              <a:buChar char="Ø"/>
-            </a:pPr>
-            <a:r>
-              <a:rPr lang="ru-RU" sz="2800" dirty="0" err="1" smtClean="0"/>
-              <a:t>Лямаев</a:t>
-            </a:r>
-            <a:r>
-              <a:rPr lang="ru-RU" sz="2800" dirty="0" smtClean="0"/>
-              <a:t> Михаил Сергеевич – создатель игрового движка , программист</a:t>
-            </a:r>
-          </a:p>
-          <a:p>
-            <a:pPr marL="0" indent="0">
-              <a:buNone/>
-            </a:pPr>
-            <a:endParaRPr lang="ru-RU" sz="2800" dirty="0" smtClean="0"/>
-          </a:p>
-          <a:p>
-            <a:pPr>
-              <a:buFont typeface="Wingdings" pitchFamily="2" charset="2"/>
-              <a:buChar char="Ø"/>
-            </a:pPr>
-            <a:r>
-              <a:rPr lang="ru-RU" sz="2800" dirty="0" err="1" smtClean="0"/>
-              <a:t>Юсифзаде</a:t>
-            </a:r>
-            <a:r>
-              <a:rPr lang="ru-RU" sz="2800" dirty="0" smtClean="0"/>
-              <a:t> Али </a:t>
-            </a:r>
-            <a:r>
-              <a:rPr lang="ru-RU" sz="2800" dirty="0" err="1" smtClean="0"/>
-              <a:t>Мансыр</a:t>
-            </a:r>
-            <a:r>
-              <a:rPr lang="ru-RU" sz="2800" dirty="0" smtClean="0"/>
-              <a:t> </a:t>
-            </a:r>
-            <a:r>
-              <a:rPr lang="ru-RU" sz="2800" dirty="0" err="1" smtClean="0"/>
-              <a:t>оглы</a:t>
-            </a:r>
-            <a:r>
-              <a:rPr lang="ru-RU" sz="2800" dirty="0" smtClean="0"/>
-              <a:t> – </a:t>
-            </a:r>
-            <a:r>
-              <a:rPr lang="ru-RU" sz="2800" dirty="0" err="1" smtClean="0"/>
-              <a:t>геймдизайнер</a:t>
-            </a:r>
-            <a:r>
-              <a:rPr lang="ru-RU" sz="2800" dirty="0" smtClean="0"/>
-              <a:t> , создатель игрового меню  </a:t>
-            </a:r>
-            <a:endParaRPr lang="ru-RU" sz="2800" dirty="0"/>
+          <a:bodyPr/>
+          <a:lstStyle/>
+          <a:p>
+            <a:endParaRPr lang="ru-RU"/>
           </a:p>
         </p:txBody>
       </p:sp>
@@ -8090,7 +8197,7 @@
     </p:spTree>
     <p:extLst>
       <p:ext uri="{BB962C8B-B14F-4D97-AF65-F5344CB8AC3E}">
-        <p14:creationId xmlns:p14="http://schemas.microsoft.com/office/powerpoint/2010/main" val="476988758"/>
+        <p14:creationId xmlns:p14="http://schemas.microsoft.com/office/powerpoint/2010/main" val="2338778032"/>
       </p:ext>
     </p:extLst>
   </p:cSld>

--- a/iPoint.io Presentation.pptx
+++ b/iPoint.io Presentation.pptx
@@ -12,12 +12,12 @@
   </p:handoutMasterIdLst>
   <p:sldIdLst>
     <p:sldId id="256" r:id="rId2"/>
-    <p:sldId id="257" r:id="rId3"/>
-    <p:sldId id="259" r:id="rId4"/>
-    <p:sldId id="260" r:id="rId5"/>
-    <p:sldId id="258" r:id="rId6"/>
-    <p:sldId id="261" r:id="rId7"/>
-    <p:sldId id="266" r:id="rId8"/>
+    <p:sldId id="261" r:id="rId3"/>
+    <p:sldId id="266" r:id="rId4"/>
+    <p:sldId id="267" r:id="rId5"/>
+    <p:sldId id="257" r:id="rId6"/>
+    <p:sldId id="260" r:id="rId7"/>
+    <p:sldId id="258" r:id="rId8"/>
     <p:sldId id="262" r:id="rId9"/>
     <p:sldId id="263" r:id="rId10"/>
     <p:sldId id="264" r:id="rId11"/>
@@ -120,6 +120,22 @@
       </a:defRPr>
     </a:lvl9pPr>
   </p:defaultTextStyle>
+  <p:extLst>
+    <p:ext uri="{EFAFB233-063F-42B5-8137-9DF3F51BA10A}">
+      <p15:sldGuideLst xmlns:p15="http://schemas.microsoft.com/office/powerpoint/2012/main">
+        <p15:guide id="1" orient="horz" pos="2160">
+          <p15:clr>
+            <a:srgbClr val="A4A3A4"/>
+          </p15:clr>
+        </p15:guide>
+        <p15:guide id="2" pos="2880">
+          <p15:clr>
+            <a:srgbClr val="A4A3A4"/>
+          </p15:clr>
+        </p15:guide>
+      </p15:sldGuideLst>
+    </p:ext>
+  </p:extLst>
 </p:presentation>
 </file>
 
@@ -435,38 +451,37 @@
           <a:p>
             <a:pPr lvl="0"/>
             <a:r>
-              <a:rPr lang="ru-RU" smtClean="0"/>
+              <a:rPr lang="ru-RU"/>
               <a:t>Образец текста</a:t>
             </a:r>
           </a:p>
           <a:p>
             <a:pPr lvl="1"/>
             <a:r>
-              <a:rPr lang="ru-RU" smtClean="0"/>
+              <a:rPr lang="ru-RU"/>
               <a:t>Второй уровень</a:t>
             </a:r>
           </a:p>
           <a:p>
             <a:pPr lvl="2"/>
             <a:r>
-              <a:rPr lang="ru-RU" smtClean="0"/>
+              <a:rPr lang="ru-RU"/>
               <a:t>Третий уровень</a:t>
             </a:r>
           </a:p>
           <a:p>
             <a:pPr lvl="3"/>
             <a:r>
-              <a:rPr lang="ru-RU" smtClean="0"/>
+              <a:rPr lang="ru-RU"/>
               <a:t>Четвертый уровень</a:t>
             </a:r>
           </a:p>
           <a:p>
             <a:pPr lvl="4"/>
             <a:r>
-              <a:rPr lang="ru-RU" smtClean="0"/>
+              <a:rPr lang="ru-RU"/>
               <a:t>Пятый уровень</a:t>
             </a:r>
-            <a:endParaRPr lang="ru-RU"/>
           </a:p>
         </p:txBody>
       </p:sp>
@@ -827,7 +842,7 @@
           <a:p>
             <a:fld id="{034C9990-6AF0-4861-8939-49F2C28A7EBE}" type="slidenum">
               <a:rPr lang="ru-RU" smtClean="0"/>
-              <a:t>2</a:t>
+              <a:t>5</a:t>
             </a:fld>
             <a:endParaRPr lang="ru-RU"/>
           </a:p>
@@ -1208,7 +1223,7 @@
           </a:lstStyle>
           <a:p>
             <a:r>
-              <a:rPr lang="ru-RU" smtClean="0"/>
+              <a:rPr lang="ru-RU"/>
               <a:t>Образец заголовка</a:t>
             </a:r>
             <a:endParaRPr lang="en-US" dirty="0"/>
@@ -1329,7 +1344,7 @@
           </a:lstStyle>
           <a:p>
             <a:r>
-              <a:rPr lang="ru-RU" smtClean="0"/>
+              <a:rPr lang="ru-RU"/>
               <a:t>Образец подзаголовка</a:t>
             </a:r>
             <a:endParaRPr lang="en-US" dirty="0"/>
@@ -1457,7 +1472,7 @@
           <a:lstStyle/>
           <a:p>
             <a:r>
-              <a:rPr lang="ru-RU" smtClean="0"/>
+              <a:rPr lang="ru-RU"/>
               <a:t>Образец заголовка</a:t>
             </a:r>
             <a:endParaRPr lang="en-US"/>
@@ -1481,35 +1496,35 @@
           <a:p>
             <a:pPr lvl="0"/>
             <a:r>
-              <a:rPr lang="ru-RU" smtClean="0"/>
+              <a:rPr lang="ru-RU"/>
               <a:t>Образец текста</a:t>
             </a:r>
           </a:p>
           <a:p>
             <a:pPr lvl="1"/>
             <a:r>
-              <a:rPr lang="ru-RU" smtClean="0"/>
+              <a:rPr lang="ru-RU"/>
               <a:t>Второй уровень</a:t>
             </a:r>
           </a:p>
           <a:p>
             <a:pPr lvl="2"/>
             <a:r>
-              <a:rPr lang="ru-RU" smtClean="0"/>
+              <a:rPr lang="ru-RU"/>
               <a:t>Третий уровень</a:t>
             </a:r>
           </a:p>
           <a:p>
             <a:pPr lvl="3"/>
             <a:r>
-              <a:rPr lang="ru-RU" smtClean="0"/>
+              <a:rPr lang="ru-RU"/>
               <a:t>Четвертый уровень</a:t>
             </a:r>
           </a:p>
           <a:p>
             <a:pPr lvl="4"/>
             <a:r>
-              <a:rPr lang="ru-RU" smtClean="0"/>
+              <a:rPr lang="ru-RU"/>
               <a:t>Пятый уровень</a:t>
             </a:r>
             <a:endParaRPr lang="en-US"/>
@@ -1842,7 +1857,7 @@
           <a:lstStyle/>
           <a:p>
             <a:r>
-              <a:rPr lang="ru-RU" smtClean="0"/>
+              <a:rPr lang="ru-RU"/>
               <a:t>Образец заголовка</a:t>
             </a:r>
             <a:endParaRPr lang="en-US" dirty="0"/>
@@ -1871,35 +1886,35 @@
           <a:p>
             <a:pPr lvl="0"/>
             <a:r>
-              <a:rPr lang="ru-RU" smtClean="0"/>
+              <a:rPr lang="ru-RU"/>
               <a:t>Образец текста</a:t>
             </a:r>
           </a:p>
           <a:p>
             <a:pPr lvl="1"/>
             <a:r>
-              <a:rPr lang="ru-RU" smtClean="0"/>
+              <a:rPr lang="ru-RU"/>
               <a:t>Второй уровень</a:t>
             </a:r>
           </a:p>
           <a:p>
             <a:pPr lvl="2"/>
             <a:r>
-              <a:rPr lang="ru-RU" smtClean="0"/>
+              <a:rPr lang="ru-RU"/>
               <a:t>Третий уровень</a:t>
             </a:r>
           </a:p>
           <a:p>
             <a:pPr lvl="3"/>
             <a:r>
-              <a:rPr lang="ru-RU" smtClean="0"/>
+              <a:rPr lang="ru-RU"/>
               <a:t>Четвертый уровень</a:t>
             </a:r>
           </a:p>
           <a:p>
             <a:pPr lvl="4"/>
             <a:r>
-              <a:rPr lang="ru-RU" smtClean="0"/>
+              <a:rPr lang="ru-RU"/>
               <a:t>Пятый уровень</a:t>
             </a:r>
             <a:endParaRPr lang="en-US" dirty="0"/>
@@ -2442,7 +2457,7 @@
           <a:lstStyle/>
           <a:p>
             <a:r>
-              <a:rPr lang="ru-RU" smtClean="0"/>
+              <a:rPr lang="ru-RU"/>
               <a:t>Образец заголовка</a:t>
             </a:r>
             <a:endParaRPr lang="en-US"/>
@@ -2466,35 +2481,35 @@
           <a:p>
             <a:pPr lvl="0"/>
             <a:r>
-              <a:rPr lang="ru-RU" smtClean="0"/>
+              <a:rPr lang="ru-RU"/>
               <a:t>Образец текста</a:t>
             </a:r>
           </a:p>
           <a:p>
             <a:pPr lvl="1"/>
             <a:r>
-              <a:rPr lang="ru-RU" smtClean="0"/>
+              <a:rPr lang="ru-RU"/>
               <a:t>Второй уровень</a:t>
             </a:r>
           </a:p>
           <a:p>
             <a:pPr lvl="2"/>
             <a:r>
-              <a:rPr lang="ru-RU" smtClean="0"/>
+              <a:rPr lang="ru-RU"/>
               <a:t>Третий уровень</a:t>
             </a:r>
           </a:p>
           <a:p>
             <a:pPr lvl="3"/>
             <a:r>
-              <a:rPr lang="ru-RU" smtClean="0"/>
+              <a:rPr lang="ru-RU"/>
               <a:t>Четвертый уровень</a:t>
             </a:r>
           </a:p>
           <a:p>
             <a:pPr lvl="4"/>
             <a:r>
-              <a:rPr lang="ru-RU" smtClean="0"/>
+              <a:rPr lang="ru-RU"/>
               <a:t>Пятый уровень</a:t>
             </a:r>
             <a:endParaRPr lang="en-US"/>
@@ -2777,7 +2792,7 @@
           </a:lstStyle>
           <a:p>
             <a:r>
-              <a:rPr lang="ru-RU" smtClean="0"/>
+              <a:rPr lang="ru-RU"/>
               <a:t>Образец заголовка</a:t>
             </a:r>
             <a:endParaRPr lang="en-US" dirty="0"/>
@@ -2899,7 +2914,7 @@
           <a:p>
             <a:pPr lvl="0"/>
             <a:r>
-              <a:rPr lang="ru-RU" smtClean="0"/>
+              <a:rPr lang="ru-RU"/>
               <a:t>Образец текста</a:t>
             </a:r>
           </a:p>
@@ -3114,7 +3129,7 @@
           <a:lstStyle/>
           <a:p>
             <a:r>
-              <a:rPr lang="ru-RU" smtClean="0"/>
+              <a:rPr lang="ru-RU"/>
               <a:t>Образец заголовка</a:t>
             </a:r>
             <a:endParaRPr lang="en-US"/>
@@ -3167,35 +3182,35 @@
           <a:p>
             <a:pPr lvl="0"/>
             <a:r>
-              <a:rPr lang="ru-RU" smtClean="0"/>
+              <a:rPr lang="ru-RU"/>
               <a:t>Образец текста</a:t>
             </a:r>
           </a:p>
           <a:p>
             <a:pPr lvl="1"/>
             <a:r>
-              <a:rPr lang="ru-RU" smtClean="0"/>
+              <a:rPr lang="ru-RU"/>
               <a:t>Второй уровень</a:t>
             </a:r>
           </a:p>
           <a:p>
             <a:pPr lvl="2"/>
             <a:r>
-              <a:rPr lang="ru-RU" smtClean="0"/>
+              <a:rPr lang="ru-RU"/>
               <a:t>Третий уровень</a:t>
             </a:r>
           </a:p>
           <a:p>
             <a:pPr lvl="3"/>
             <a:r>
-              <a:rPr lang="ru-RU" smtClean="0"/>
+              <a:rPr lang="ru-RU"/>
               <a:t>Четвертый уровень</a:t>
             </a:r>
           </a:p>
           <a:p>
             <a:pPr lvl="4"/>
             <a:r>
-              <a:rPr lang="ru-RU" smtClean="0"/>
+              <a:rPr lang="ru-RU"/>
               <a:t>Пятый уровень</a:t>
             </a:r>
             <a:endParaRPr lang="en-US"/>
@@ -3224,35 +3239,35 @@
           <a:p>
             <a:pPr lvl="0"/>
             <a:r>
-              <a:rPr lang="ru-RU" smtClean="0"/>
+              <a:rPr lang="ru-RU"/>
               <a:t>Образец текста</a:t>
             </a:r>
           </a:p>
           <a:p>
             <a:pPr lvl="1"/>
             <a:r>
-              <a:rPr lang="ru-RU" smtClean="0"/>
+              <a:rPr lang="ru-RU"/>
               <a:t>Второй уровень</a:t>
             </a:r>
           </a:p>
           <a:p>
             <a:pPr lvl="2"/>
             <a:r>
-              <a:rPr lang="ru-RU" smtClean="0"/>
+              <a:rPr lang="ru-RU"/>
               <a:t>Третий уровень</a:t>
             </a:r>
           </a:p>
           <a:p>
             <a:pPr lvl="3"/>
             <a:r>
-              <a:rPr lang="ru-RU" smtClean="0"/>
+              <a:rPr lang="ru-RU"/>
               <a:t>Четвертый уровень</a:t>
             </a:r>
           </a:p>
           <a:p>
             <a:pPr lvl="4"/>
             <a:r>
-              <a:rPr lang="ru-RU" smtClean="0"/>
+              <a:rPr lang="ru-RU"/>
               <a:t>Пятый уровень</a:t>
             </a:r>
             <a:endParaRPr lang="en-US"/>
@@ -3528,7 +3543,7 @@
           </a:lstStyle>
           <a:p>
             <a:r>
-              <a:rPr lang="ru-RU" smtClean="0"/>
+              <a:rPr lang="ru-RU"/>
               <a:t>Образец заголовка</a:t>
             </a:r>
             <a:endParaRPr lang="en-US"/>
@@ -3599,7 +3614,7 @@
           <a:p>
             <a:pPr lvl="0"/>
             <a:r>
-              <a:rPr lang="ru-RU" smtClean="0"/>
+              <a:rPr lang="ru-RU"/>
               <a:t>Образец текста</a:t>
             </a:r>
           </a:p>
@@ -3693,7 +3708,7 @@
           <a:p>
             <a:pPr lvl="0"/>
             <a:r>
-              <a:rPr lang="ru-RU" smtClean="0"/>
+              <a:rPr lang="ru-RU"/>
               <a:t>Образец текста</a:t>
             </a:r>
           </a:p>
@@ -3721,35 +3736,35 @@
           <a:p>
             <a:pPr lvl="0"/>
             <a:r>
-              <a:rPr lang="ru-RU" smtClean="0"/>
+              <a:rPr lang="ru-RU"/>
               <a:t>Образец текста</a:t>
             </a:r>
           </a:p>
           <a:p>
             <a:pPr lvl="1"/>
             <a:r>
-              <a:rPr lang="ru-RU" smtClean="0"/>
+              <a:rPr lang="ru-RU"/>
               <a:t>Второй уровень</a:t>
             </a:r>
           </a:p>
           <a:p>
             <a:pPr lvl="2"/>
             <a:r>
-              <a:rPr lang="ru-RU" smtClean="0"/>
+              <a:rPr lang="ru-RU"/>
               <a:t>Третий уровень</a:t>
             </a:r>
           </a:p>
           <a:p>
             <a:pPr lvl="3"/>
             <a:r>
-              <a:rPr lang="ru-RU" smtClean="0"/>
+              <a:rPr lang="ru-RU"/>
               <a:t>Четвертый уровень</a:t>
             </a:r>
           </a:p>
           <a:p>
             <a:pPr lvl="4"/>
             <a:r>
-              <a:rPr lang="ru-RU" smtClean="0"/>
+              <a:rPr lang="ru-RU"/>
               <a:t>Пятый уровень</a:t>
             </a:r>
             <a:endParaRPr lang="en-US"/>
@@ -3778,35 +3793,35 @@
           <a:p>
             <a:pPr lvl="0"/>
             <a:r>
-              <a:rPr lang="ru-RU" smtClean="0"/>
+              <a:rPr lang="ru-RU"/>
               <a:t>Образец текста</a:t>
             </a:r>
           </a:p>
           <a:p>
             <a:pPr lvl="1"/>
             <a:r>
-              <a:rPr lang="ru-RU" smtClean="0"/>
+              <a:rPr lang="ru-RU"/>
               <a:t>Второй уровень</a:t>
             </a:r>
           </a:p>
           <a:p>
             <a:pPr lvl="2"/>
             <a:r>
-              <a:rPr lang="ru-RU" smtClean="0"/>
+              <a:rPr lang="ru-RU"/>
               <a:t>Третий уровень</a:t>
             </a:r>
           </a:p>
           <a:p>
             <a:pPr lvl="3"/>
             <a:r>
-              <a:rPr lang="ru-RU" smtClean="0"/>
+              <a:rPr lang="ru-RU"/>
               <a:t>Четвертый уровень</a:t>
             </a:r>
           </a:p>
           <a:p>
             <a:pPr lvl="4"/>
             <a:r>
-              <a:rPr lang="ru-RU" smtClean="0"/>
+              <a:rPr lang="ru-RU"/>
               <a:t>Пятый уровень</a:t>
             </a:r>
             <a:endParaRPr lang="en-US" dirty="0"/>
@@ -4110,7 +4125,7 @@
           <a:lstStyle/>
           <a:p>
             <a:r>
-              <a:rPr lang="ru-RU" smtClean="0"/>
+              <a:rPr lang="ru-RU"/>
               <a:t>Образец заголовка</a:t>
             </a:r>
             <a:endParaRPr lang="en-US"/>
@@ -4759,10 +4774,10 @@
           <a:p>
             <a:pPr lvl="0"/>
             <a:r>
-              <a:rPr lang="ru-RU" smtClean="0"/>
+              <a:rPr lang="ru-RU"/>
               <a:t>Образец заголовка</a:t>
             </a:r>
-            <a:endParaRPr lang="en-US" smtClean="0"/>
+            <a:endParaRPr lang="en-US"/>
           </a:p>
         </p:txBody>
       </p:sp>
@@ -4788,35 +4803,35 @@
           <a:p>
             <a:pPr lvl="0"/>
             <a:r>
-              <a:rPr lang="ru-RU" smtClean="0"/>
+              <a:rPr lang="ru-RU"/>
               <a:t>Образец текста</a:t>
             </a:r>
           </a:p>
           <a:p>
             <a:pPr lvl="1"/>
             <a:r>
-              <a:rPr lang="ru-RU" smtClean="0"/>
+              <a:rPr lang="ru-RU"/>
               <a:t>Второй уровень</a:t>
             </a:r>
           </a:p>
           <a:p>
             <a:pPr lvl="2"/>
             <a:r>
-              <a:rPr lang="ru-RU" smtClean="0"/>
+              <a:rPr lang="ru-RU"/>
               <a:t>Третий уровень</a:t>
             </a:r>
           </a:p>
           <a:p>
             <a:pPr lvl="3"/>
             <a:r>
-              <a:rPr lang="ru-RU" smtClean="0"/>
+              <a:rPr lang="ru-RU"/>
               <a:t>Четвертый уровень</a:t>
             </a:r>
           </a:p>
           <a:p>
             <a:pPr lvl="4"/>
             <a:r>
-              <a:rPr lang="ru-RU" smtClean="0"/>
+              <a:rPr lang="ru-RU"/>
               <a:t>Пятый уровень</a:t>
             </a:r>
             <a:endParaRPr lang="en-US"/>
@@ -4888,7 +4903,7 @@
           <a:p>
             <a:pPr lvl="0"/>
             <a:r>
-              <a:rPr lang="ru-RU" smtClean="0"/>
+              <a:rPr lang="ru-RU"/>
               <a:t>Образец текста</a:t>
             </a:r>
           </a:p>
@@ -5381,7 +5396,7 @@
               <a:buNone/>
             </a:pPr>
             <a:r>
-              <a:rPr lang="ru-RU" smtClean="0"/>
+              <a:rPr lang="ru-RU"/>
               <a:t>Образец заголовка</a:t>
             </a:r>
             <a:endParaRPr lang="en-US" dirty="0"/>
@@ -5451,7 +5466,7 @@
           </a:lstStyle>
           <a:p>
             <a:r>
-              <a:rPr lang="ru-RU" smtClean="0"/>
+              <a:rPr lang="ru-RU"/>
               <a:t>Вставка рисунка</a:t>
             </a:r>
             <a:endParaRPr lang="en-US" dirty="0"/>
@@ -5530,7 +5545,7 @@
           <a:p>
             <a:pPr lvl="0"/>
             <a:r>
-              <a:rPr lang="ru-RU" smtClean="0"/>
+              <a:rPr lang="ru-RU"/>
               <a:t>Образец текста</a:t>
             </a:r>
           </a:p>
@@ -5853,7 +5868,7 @@
           <a:lstStyle/>
           <a:p>
             <a:r>
-              <a:rPr lang="ru-RU" smtClean="0"/>
+              <a:rPr lang="ru-RU"/>
               <a:t>Образец заголовка</a:t>
             </a:r>
             <a:endParaRPr lang="en-US" dirty="0"/>
@@ -5887,35 +5902,35 @@
           <a:p>
             <a:pPr lvl="0"/>
             <a:r>
-              <a:rPr lang="ru-RU" smtClean="0"/>
+              <a:rPr lang="ru-RU"/>
               <a:t>Образец текста</a:t>
             </a:r>
           </a:p>
           <a:p>
             <a:pPr lvl="1"/>
             <a:r>
-              <a:rPr lang="ru-RU" smtClean="0"/>
+              <a:rPr lang="ru-RU"/>
               <a:t>Второй уровень</a:t>
             </a:r>
           </a:p>
           <a:p>
             <a:pPr lvl="2"/>
             <a:r>
-              <a:rPr lang="ru-RU" smtClean="0"/>
+              <a:rPr lang="ru-RU"/>
               <a:t>Третий уровень</a:t>
             </a:r>
           </a:p>
           <a:p>
             <a:pPr lvl="3"/>
             <a:r>
-              <a:rPr lang="ru-RU" smtClean="0"/>
+              <a:rPr lang="ru-RU"/>
               <a:t>Четвертый уровень</a:t>
             </a:r>
           </a:p>
           <a:p>
             <a:pPr lvl="4"/>
             <a:r>
-              <a:rPr lang="ru-RU" smtClean="0"/>
+              <a:rPr lang="ru-RU"/>
               <a:t>Пятый уровень</a:t>
             </a:r>
             <a:endParaRPr lang="en-US" dirty="0"/>
@@ -6472,44 +6487,11 @@
           <a:p>
             <a:pPr algn="ctr"/>
             <a:r>
-              <a:rPr lang="ru-RU" sz="1800" dirty="0" smtClean="0">
+              <a:rPr lang="ru-RU" sz="1800" dirty="0">
                 <a:latin typeface="Arial" pitchFamily="34" charset="0"/>
                 <a:cs typeface="Arial" pitchFamily="34" charset="0"/>
               </a:rPr>
               <a:t>Дальневосточный федеральный университет </a:t>
-            </a:r>
-            <a:br>
-              <a:rPr lang="ru-RU" sz="1800" dirty="0" smtClean="0">
-                <a:latin typeface="Arial" pitchFamily="34" charset="0"/>
-                <a:cs typeface="Arial" pitchFamily="34" charset="0"/>
-              </a:rPr>
-            </a:br>
-            <a:r>
-              <a:rPr lang="ru-RU" sz="1800" dirty="0" smtClean="0">
-                <a:latin typeface="Arial" pitchFamily="34" charset="0"/>
-                <a:cs typeface="Arial" pitchFamily="34" charset="0"/>
-              </a:rPr>
-              <a:t>Математический </a:t>
-            </a:r>
-            <a:br>
-              <a:rPr lang="ru-RU" sz="1800" dirty="0" smtClean="0">
-                <a:latin typeface="Arial" pitchFamily="34" charset="0"/>
-                <a:cs typeface="Arial" pitchFamily="34" charset="0"/>
-              </a:rPr>
-            </a:br>
-            <a:r>
-              <a:rPr lang="ru-RU" sz="1800" dirty="0" smtClean="0">
-                <a:latin typeface="Arial" pitchFamily="34" charset="0"/>
-                <a:cs typeface="Arial" pitchFamily="34" charset="0"/>
-              </a:rPr>
-              <a:t>Школа естественных наук</a:t>
-            </a:r>
-            <a:r>
-              <a:rPr lang="ru-RU" sz="1800" dirty="0">
-                <a:latin typeface="Arial" pitchFamily="34" charset="0"/>
-                <a:cs typeface="Arial" pitchFamily="34" charset="0"/>
-              </a:rPr>
-              <a:t/>
             </a:r>
             <a:br>
               <a:rPr lang="ru-RU" sz="1800" dirty="0">
@@ -6518,29 +6500,51 @@
               </a:rPr>
             </a:br>
             <a:r>
-              <a:rPr lang="ru-RU" sz="1800" dirty="0" smtClean="0">
+              <a:rPr lang="ru-RU" sz="1800" dirty="0">
+                <a:latin typeface="Arial" pitchFamily="34" charset="0"/>
+                <a:cs typeface="Arial" pitchFamily="34" charset="0"/>
+              </a:rPr>
+              <a:t>Математический </a:t>
+            </a:r>
+            <a:br>
+              <a:rPr lang="ru-RU" sz="1800" dirty="0">
+                <a:latin typeface="Arial" pitchFamily="34" charset="0"/>
+                <a:cs typeface="Arial" pitchFamily="34" charset="0"/>
+              </a:rPr>
+            </a:br>
+            <a:r>
+              <a:rPr lang="ru-RU" sz="1800" dirty="0">
+                <a:latin typeface="Arial" pitchFamily="34" charset="0"/>
+                <a:cs typeface="Arial" pitchFamily="34" charset="0"/>
+              </a:rPr>
+              <a:t>Школа естественных наук</a:t>
+            </a:r>
+            <a:br>
+              <a:rPr lang="ru-RU" sz="1800" dirty="0">
+                <a:latin typeface="Arial" pitchFamily="34" charset="0"/>
+                <a:cs typeface="Arial" pitchFamily="34" charset="0"/>
+              </a:rPr>
+            </a:br>
+            <a:r>
+              <a:rPr lang="ru-RU" sz="1800" dirty="0">
                 <a:latin typeface="Arial" pitchFamily="34" charset="0"/>
                 <a:cs typeface="Arial" pitchFamily="34" charset="0"/>
               </a:rPr>
               <a:t>Институт прикладной математики и прикладной информатики </a:t>
             </a:r>
             <a:br>
-              <a:rPr lang="ru-RU" sz="1800" dirty="0" smtClean="0">
+              <a:rPr lang="ru-RU" sz="1800" dirty="0">
                 <a:latin typeface="Arial" pitchFamily="34" charset="0"/>
                 <a:cs typeface="Arial" pitchFamily="34" charset="0"/>
               </a:rPr>
             </a:br>
             <a:r>
-              <a:rPr lang="ru-RU" sz="1800" dirty="0" smtClean="0">
+              <a:rPr lang="ru-RU" sz="1800" dirty="0">
                 <a:latin typeface="Arial" pitchFamily="34" charset="0"/>
                 <a:cs typeface="Arial" pitchFamily="34" charset="0"/>
               </a:rPr>
               <a:t>Кафедра математики</a:t>
             </a:r>
-            <a:endParaRPr lang="ru-RU" sz="1800" dirty="0">
-              <a:latin typeface="Arial" pitchFamily="34" charset="0"/>
-              <a:cs typeface="Arial" pitchFamily="34" charset="0"/>
-            </a:endParaRPr>
           </a:p>
         </p:txBody>
       </p:sp>
@@ -6567,7 +6571,7 @@
           <a:lstStyle/>
           <a:p>
             <a:r>
-              <a:rPr lang="en-US" altLang="zh-TW" sz="6600" dirty="0" smtClean="0"/>
+              <a:rPr lang="en-US" altLang="zh-TW" sz="6600" dirty="0"/>
               <a:t>iPoint.io</a:t>
             </a:r>
             <a:endParaRPr lang="ru-RU" sz="6000" dirty="0">
@@ -6601,7 +6605,7 @@
           <a:p>
             <a:pPr algn="r"/>
             <a:r>
-              <a:rPr lang="ru-RU" dirty="0" smtClean="0">
+              <a:rPr lang="ru-RU" dirty="0">
                 <a:latin typeface="Arial" pitchFamily="34" charset="0"/>
                 <a:cs typeface="Arial" pitchFamily="34" charset="0"/>
               </a:rPr>
@@ -6611,7 +6615,7 @@
           <a:p>
             <a:pPr algn="r"/>
             <a:r>
-              <a:rPr lang="ru-RU" dirty="0" smtClean="0">
+              <a:rPr lang="ru-RU" dirty="0">
                 <a:latin typeface="Arial" pitchFamily="34" charset="0"/>
                 <a:cs typeface="Arial" pitchFamily="34" charset="0"/>
               </a:rPr>
@@ -6621,7 +6625,7 @@
           <a:p>
             <a:pPr algn="r"/>
             <a:r>
-              <a:rPr lang="ru-RU" dirty="0" smtClean="0">
+              <a:rPr lang="ru-RU" dirty="0">
                 <a:latin typeface="Arial" pitchFamily="34" charset="0"/>
                 <a:cs typeface="Arial" pitchFamily="34" charset="0"/>
               </a:rPr>
@@ -6631,28 +6635,28 @@
           <a:p>
             <a:pPr algn="r"/>
             <a:r>
-              <a:rPr lang="ru-RU" dirty="0" err="1" smtClean="0">
+              <a:rPr lang="ru-RU" dirty="0" err="1">
                 <a:latin typeface="Arial" pitchFamily="34" charset="0"/>
                 <a:cs typeface="Arial" pitchFamily="34" charset="0"/>
               </a:rPr>
               <a:t>Лямаева</a:t>
             </a:r>
             <a:r>
-              <a:rPr lang="ru-RU" dirty="0" smtClean="0">
+              <a:rPr lang="ru-RU" dirty="0">
                 <a:latin typeface="Arial" pitchFamily="34" charset="0"/>
                 <a:cs typeface="Arial" pitchFamily="34" charset="0"/>
               </a:rPr>
               <a:t> </a:t>
             </a:r>
             <a:r>
-              <a:rPr lang="ru-RU" dirty="0" err="1" smtClean="0">
+              <a:rPr lang="ru-RU" dirty="0" err="1">
                 <a:latin typeface="Arial" pitchFamily="34" charset="0"/>
                 <a:cs typeface="Arial" pitchFamily="34" charset="0"/>
               </a:rPr>
               <a:t>Миахаила</a:t>
             </a:r>
             <a:r>
-              <a:rPr lang="ru-RU" dirty="0" smtClean="0">
+              <a:rPr lang="ru-RU" dirty="0">
                 <a:latin typeface="Arial" pitchFamily="34" charset="0"/>
                 <a:cs typeface="Arial" pitchFamily="34" charset="0"/>
               </a:rPr>
@@ -6662,41 +6666,41 @@
           <a:p>
             <a:pPr algn="r"/>
             <a:r>
-              <a:rPr lang="ru-RU" dirty="0" err="1" smtClean="0">
+              <a:rPr lang="ru-RU" dirty="0" err="1">
                 <a:latin typeface="Arial" pitchFamily="34" charset="0"/>
                 <a:cs typeface="Arial" pitchFamily="34" charset="0"/>
               </a:rPr>
               <a:t>Юсифзаде</a:t>
             </a:r>
             <a:r>
-              <a:rPr lang="ru-RU" dirty="0" smtClean="0">
+              <a:rPr lang="ru-RU" dirty="0">
                 <a:latin typeface="Arial" pitchFamily="34" charset="0"/>
                 <a:cs typeface="Arial" pitchFamily="34" charset="0"/>
               </a:rPr>
               <a:t> Али </a:t>
             </a:r>
             <a:r>
-              <a:rPr lang="ru-RU" dirty="0" err="1" smtClean="0">
+              <a:rPr lang="ru-RU" dirty="0" err="1">
                 <a:latin typeface="Arial" pitchFamily="34" charset="0"/>
                 <a:cs typeface="Arial" pitchFamily="34" charset="0"/>
               </a:rPr>
               <a:t>Мансыр</a:t>
             </a:r>
             <a:r>
-              <a:rPr lang="ru-RU" dirty="0" smtClean="0">
+              <a:rPr lang="ru-RU" dirty="0">
                 <a:latin typeface="Arial" pitchFamily="34" charset="0"/>
                 <a:cs typeface="Arial" pitchFamily="34" charset="0"/>
               </a:rPr>
               <a:t> </a:t>
             </a:r>
             <a:r>
-              <a:rPr lang="ru-RU" dirty="0" err="1" smtClean="0">
+              <a:rPr lang="ru-RU" dirty="0" err="1">
                 <a:latin typeface="Arial" pitchFamily="34" charset="0"/>
                 <a:cs typeface="Arial" pitchFamily="34" charset="0"/>
               </a:rPr>
               <a:t>оглы</a:t>
             </a:r>
-            <a:endParaRPr lang="ru-RU" dirty="0" smtClean="0">
+            <a:endParaRPr lang="ru-RU" dirty="0">
               <a:latin typeface="Arial" pitchFamily="34" charset="0"/>
               <a:cs typeface="Arial" pitchFamily="34" charset="0"/>
             </a:endParaRPr>
@@ -6704,7 +6708,7 @@
           <a:p>
             <a:pPr algn="r"/>
             <a:r>
-              <a:rPr lang="ru-RU" dirty="0" smtClean="0">
+              <a:rPr lang="ru-RU" dirty="0">
                 <a:latin typeface="Arial" pitchFamily="34" charset="0"/>
                 <a:cs typeface="Arial" pitchFamily="34" charset="0"/>
               </a:rPr>
@@ -6714,23 +6718,19 @@
           <a:p>
             <a:pPr algn="r"/>
             <a:r>
-              <a:rPr lang="ru-RU" dirty="0" err="1" smtClean="0">
+              <a:rPr lang="ru-RU" dirty="0" err="1">
                 <a:latin typeface="Arial" pitchFamily="34" charset="0"/>
                 <a:cs typeface="Arial" pitchFamily="34" charset="0"/>
               </a:rPr>
               <a:t>Кленин</a:t>
             </a:r>
             <a:r>
-              <a:rPr lang="ru-RU" dirty="0" smtClean="0">
+              <a:rPr lang="ru-RU" dirty="0">
                 <a:latin typeface="Arial" pitchFamily="34" charset="0"/>
                 <a:cs typeface="Arial" pitchFamily="34" charset="0"/>
               </a:rPr>
               <a:t> Александр Сергеевич</a:t>
             </a:r>
-            <a:endParaRPr lang="ru-RU" dirty="0">
-              <a:latin typeface="Arial" pitchFamily="34" charset="0"/>
-              <a:cs typeface="Arial" pitchFamily="34" charset="0"/>
-            </a:endParaRPr>
           </a:p>
         </p:txBody>
       </p:sp>
@@ -6758,16 +6758,12 @@
           <a:p>
             <a:pPr algn="ctr"/>
             <a:r>
-              <a:rPr lang="ru-RU" dirty="0" smtClean="0">
+              <a:rPr lang="ru-RU" dirty="0">
                 <a:latin typeface="Arial" pitchFamily="34" charset="0"/>
                 <a:cs typeface="Arial" pitchFamily="34" charset="0"/>
               </a:rPr>
               <a:t>г. Владивосток, 2018 г.</a:t>
             </a:r>
-            <a:endParaRPr lang="ru-RU" dirty="0">
-              <a:latin typeface="Arial" pitchFamily="34" charset="0"/>
-              <a:cs typeface="Arial" pitchFamily="34" charset="0"/>
-            </a:endParaRPr>
           </a:p>
         </p:txBody>
       </p:sp>
@@ -6781,13 +6777,6 @@
   <p:clrMapOvr>
     <a:masterClrMapping/>
   </p:clrMapOvr>
-  <p:timing>
-    <p:tnLst>
-      <p:par>
-        <p:cTn id="1" dur="indefinite" restart="never" nodeType="tmRoot"/>
-      </p:par>
-    </p:tnLst>
-  </p:timing>
 </p:sld>
 </file>
 
@@ -6824,10 +6813,9 @@
           <a:lstStyle/>
           <a:p>
             <a:r>
-              <a:rPr lang="ru-RU" dirty="0" smtClean="0"/>
+              <a:rPr lang="ru-RU" dirty="0"/>
               <a:t>Роли в команде </a:t>
             </a:r>
-            <a:endParaRPr lang="ru-RU" dirty="0"/>
           </a:p>
         </p:txBody>
       </p:sp>
@@ -6853,11 +6841,11 @@
               <a:buChar char="Ø"/>
             </a:pPr>
             <a:r>
-              <a:rPr lang="ru-RU" sz="2800" dirty="0" err="1" smtClean="0"/>
+              <a:rPr lang="ru-RU" sz="2800" dirty="0" err="1"/>
               <a:t>Лямаев</a:t>
             </a:r>
             <a:r>
-              <a:rPr lang="ru-RU" sz="2800" dirty="0" smtClean="0"/>
+              <a:rPr lang="ru-RU" sz="2800" dirty="0"/>
               <a:t> Михаил Сергеевич – создатель игрового движка , программист</a:t>
             </a:r>
           </a:p>
@@ -6865,7 +6853,7 @@
             <a:pPr marL="0" indent="0">
               <a:buNone/>
             </a:pPr>
-            <a:endParaRPr lang="ru-RU" sz="2800" dirty="0" smtClean="0"/>
+            <a:endParaRPr lang="ru-RU" sz="2800" dirty="0"/>
           </a:p>
           <a:p>
             <a:pPr>
@@ -6873,38 +6861,37 @@
               <a:buChar char="Ø"/>
             </a:pPr>
             <a:r>
-              <a:rPr lang="ru-RU" sz="2800" dirty="0" err="1" smtClean="0"/>
+              <a:rPr lang="ru-RU" sz="2800" dirty="0" err="1"/>
               <a:t>Юсифзаде</a:t>
             </a:r>
             <a:r>
-              <a:rPr lang="ru-RU" sz="2800" dirty="0" smtClean="0"/>
+              <a:rPr lang="ru-RU" sz="2800" dirty="0"/>
               <a:t> Али </a:t>
             </a:r>
             <a:r>
-              <a:rPr lang="ru-RU" sz="2800" dirty="0" err="1" smtClean="0"/>
+              <a:rPr lang="ru-RU" sz="2800" dirty="0" err="1"/>
               <a:t>Мансыр</a:t>
             </a:r>
             <a:r>
-              <a:rPr lang="ru-RU" sz="2800" dirty="0" smtClean="0"/>
+              <a:rPr lang="ru-RU" sz="2800" dirty="0"/>
               <a:t> </a:t>
             </a:r>
             <a:r>
-              <a:rPr lang="ru-RU" sz="2800" dirty="0" err="1" smtClean="0"/>
+              <a:rPr lang="ru-RU" sz="2800" dirty="0" err="1"/>
               <a:t>оглы</a:t>
             </a:r>
             <a:r>
-              <a:rPr lang="ru-RU" sz="2800" dirty="0" smtClean="0"/>
+              <a:rPr lang="ru-RU" sz="2800" dirty="0"/>
               <a:t> – </a:t>
             </a:r>
             <a:r>
-              <a:rPr lang="ru-RU" sz="2800" dirty="0" err="1" smtClean="0"/>
+              <a:rPr lang="ru-RU" sz="2800" dirty="0" err="1"/>
               <a:t>геймдизайнер</a:t>
             </a:r>
             <a:r>
-              <a:rPr lang="ru-RU" sz="2800" dirty="0" smtClean="0"/>
+              <a:rPr lang="ru-RU" sz="2800" dirty="0"/>
               <a:t> , создатель игрового меню  </a:t>
             </a:r>
-            <a:endParaRPr lang="ru-RU" sz="2800" dirty="0"/>
           </a:p>
         </p:txBody>
       </p:sp>
@@ -6933,7 +6920,7 @@
               <a:t>10</a:t>
             </a:fld>
             <a:r>
-              <a:rPr lang="en-US" dirty="0" smtClean="0"/>
+              <a:rPr lang="en-US" dirty="0"/>
               <a:t>/10</a:t>
             </a:r>
             <a:endParaRPr lang="ru-RU" dirty="0"/>
@@ -6950,13 +6937,6 @@
   <p:clrMapOvr>
     <a:masterClrMapping/>
   </p:clrMapOvr>
-  <p:timing>
-    <p:tnLst>
-      <p:par>
-        <p:cTn id="1" dur="indefinite" restart="never" nodeType="tmRoot"/>
-      </p:par>
-    </p:tnLst>
-  </p:timing>
 </p:sld>
 </file>
 
@@ -7009,31 +6989,22 @@
               <a:buNone/>
             </a:pPr>
             <a:r>
-              <a:rPr lang="en-US" sz="8800" dirty="0" smtClean="0">
+              <a:rPr lang="ru-RU" sz="8800" dirty="0">
                 <a:solidFill>
                   <a:schemeClr val="bg1"/>
                 </a:solidFill>
                 <a:hlinkClick r:id="rId3"/>
               </a:rPr>
-              <a:t>G</a:t>
-            </a:r>
-            <a:r>
-              <a:rPr lang="ru-RU" sz="8800" dirty="0" smtClean="0">
+              <a:t>Поиграем</a:t>
+            </a:r>
+            <a:r>
+              <a:rPr lang="en-US" sz="8800" dirty="0">
                 <a:solidFill>
                   <a:schemeClr val="bg1"/>
                 </a:solidFill>
                 <a:hlinkClick r:id="rId3"/>
               </a:rPr>
-              <a:t>О ИГРАТЬ</a:t>
-            </a:r>
-            <a:r>
-              <a:rPr lang="en-US" sz="8800" dirty="0" smtClean="0">
-                <a:solidFill>
-                  <a:schemeClr val="bg1"/>
-                </a:solidFill>
-                <a:hlinkClick r:id="rId3"/>
-              </a:rPr>
-              <a:t>!</a:t>
+              <a:t>?</a:t>
             </a:r>
             <a:endParaRPr lang="ru-RU" sz="8800" dirty="0">
               <a:solidFill>
@@ -7068,7 +7039,7 @@
               <a:t>11</a:t>
             </a:fld>
             <a:r>
-              <a:rPr lang="en-US" dirty="0" smtClean="0"/>
+              <a:rPr lang="en-US" dirty="0"/>
               <a:t>/10</a:t>
             </a:r>
             <a:endParaRPr lang="ru-RU" dirty="0"/>
@@ -7085,13 +7056,6 @@
   <p:clrMapOvr>
     <a:masterClrMapping/>
   </p:clrMapOvr>
-  <p:timing>
-    <p:tnLst>
-      <p:par>
-        <p:cTn id="1" dur="indefinite" restart="never" nodeType="tmRoot"/>
-      </p:par>
-    </p:tnLst>
-  </p:timing>
 </p:sld>
 </file>
 
@@ -7124,107 +7088,19 @@
         </p:nvSpPr>
         <p:spPr/>
         <p:txBody>
-          <a:bodyPr>
-            <a:normAutofit/>
-          </a:bodyPr>
-          <a:lstStyle/>
-          <a:p>
-            <a:r>
-              <a:rPr lang="ru-RU" dirty="0" smtClean="0">
-                <a:latin typeface="Arial" pitchFamily="34" charset="0"/>
-                <a:cs typeface="Arial" pitchFamily="34" charset="0"/>
-              </a:rPr>
-              <a:t>Игровой жанр</a:t>
-            </a:r>
-            <a:endParaRPr lang="ru-RU" dirty="0">
-              <a:latin typeface="Arial" pitchFamily="34" charset="0"/>
-              <a:cs typeface="Arial" pitchFamily="34" charset="0"/>
-            </a:endParaRPr>
-          </a:p>
-        </p:txBody>
-      </p:sp>
-      <p:sp>
-        <p:nvSpPr>
-          <p:cNvPr id="3" name="Объект 2"/>
-          <p:cNvSpPr>
-            <a:spLocks noGrp="1"/>
-          </p:cNvSpPr>
-          <p:nvPr>
-            <p:ph idx="1"/>
-          </p:nvPr>
-        </p:nvSpPr>
-        <p:spPr/>
-        <p:txBody>
-          <a:bodyPr anchor="t">
-            <a:normAutofit/>
-          </a:bodyPr>
-          <a:lstStyle/>
-          <a:p>
-            <a:pPr>
-              <a:buFont typeface="Wingdings" pitchFamily="2" charset="2"/>
-              <a:buChar char="Ø"/>
-            </a:pPr>
-            <a:r>
-              <a:rPr lang="en-US" sz="2800" dirty="0" smtClean="0">
-                <a:latin typeface="Arial" pitchFamily="34" charset="0"/>
-                <a:cs typeface="Arial" pitchFamily="34" charset="0"/>
-              </a:rPr>
-              <a:t>IO - </a:t>
-            </a:r>
-            <a:r>
-              <a:rPr lang="ru-RU" sz="2800" dirty="0" smtClean="0">
-                <a:latin typeface="Arial" pitchFamily="34" charset="0"/>
-                <a:cs typeface="Arial" pitchFamily="34" charset="0"/>
-              </a:rPr>
-              <a:t>казуального </a:t>
-            </a:r>
-            <a:r>
-              <a:rPr lang="ru-RU" sz="2800" dirty="0" err="1">
-                <a:latin typeface="Arial" pitchFamily="34" charset="0"/>
-                <a:cs typeface="Arial" pitchFamily="34" charset="0"/>
-              </a:rPr>
-              <a:t>геймплея</a:t>
-            </a:r>
-            <a:r>
-              <a:rPr lang="ru-RU" sz="2800" dirty="0">
-                <a:latin typeface="Arial" pitchFamily="34" charset="0"/>
-                <a:cs typeface="Arial" pitchFamily="34" charset="0"/>
-              </a:rPr>
-              <a:t>, просто расширенный на огромное количество игроков</a:t>
-            </a:r>
-            <a:br>
-              <a:rPr lang="ru-RU" sz="2800" dirty="0">
-                <a:latin typeface="Arial" pitchFamily="34" charset="0"/>
-                <a:cs typeface="Arial" pitchFamily="34" charset="0"/>
-              </a:rPr>
-            </a:br>
-            <a:endParaRPr lang="en-US" sz="2800" dirty="0" smtClean="0">
-              <a:latin typeface="Arial" pitchFamily="34" charset="0"/>
-              <a:cs typeface="Arial" pitchFamily="34" charset="0"/>
-            </a:endParaRPr>
-          </a:p>
-          <a:p>
-            <a:pPr>
-              <a:buFont typeface="Wingdings" pitchFamily="2" charset="2"/>
-              <a:buChar char="Ø"/>
-            </a:pPr>
-            <a:r>
-              <a:rPr lang="ru-RU" sz="2800" dirty="0" smtClean="0">
-                <a:latin typeface="Arial" pitchFamily="34" charset="0"/>
-                <a:cs typeface="Arial" pitchFamily="34" charset="0"/>
-              </a:rPr>
-              <a:t>Аркада – отсутствие сюжета, их уровни коротки </a:t>
-            </a:r>
-            <a:endParaRPr lang="ru-RU" sz="2800" dirty="0">
-              <a:latin typeface="Arial" pitchFamily="34" charset="0"/>
-              <a:cs typeface="Arial" pitchFamily="34" charset="0"/>
-            </a:endParaRPr>
-          </a:p>
-        </p:txBody>
-      </p:sp>
-      <p:sp>
-        <p:nvSpPr>
-          <p:cNvPr id="5" name="Номер слайда 4"/>
+          <a:bodyPr/>
+          <a:lstStyle/>
+          <a:p>
+            <a:r>
+              <a:rPr lang="ru-RU" dirty="0"/>
+              <a:t>Стартовый экран</a:t>
+            </a:r>
+          </a:p>
+        </p:txBody>
+      </p:sp>
+      <p:sp>
+        <p:nvSpPr>
+          <p:cNvPr id="6" name="Номер слайда 4"/>
           <p:cNvSpPr>
             <a:spLocks noGrp="1"/>
           </p:cNvSpPr>
@@ -7242,598 +7118,8 @@
           <a:bodyPr/>
           <a:lstStyle/>
           <a:p>
-            <a:fld id="{E5EB9E86-ACFD-4C4E-B1EE-231635812284}" type="slidenum">
-              <a:rPr lang="ru-RU" smtClean="0"/>
-              <a:t>2</a:t>
-            </a:fld>
-            <a:r>
-              <a:rPr lang="en-US" dirty="0" smtClean="0"/>
-              <a:t>/10</a:t>
-            </a:r>
-            <a:endParaRPr lang="ru-RU" dirty="0"/>
-          </a:p>
-        </p:txBody>
-      </p:sp>
-    </p:spTree>
-    <p:extLst>
-      <p:ext uri="{BB962C8B-B14F-4D97-AF65-F5344CB8AC3E}">
-        <p14:creationId xmlns:p14="http://schemas.microsoft.com/office/powerpoint/2010/main" val="3951078763"/>
-      </p:ext>
-    </p:extLst>
-  </p:cSld>
-  <p:clrMapOvr>
-    <a:masterClrMapping/>
-  </p:clrMapOvr>
-  <p:timing>
-    <p:tnLst>
-      <p:par>
-        <p:cTn id="1" dur="indefinite" restart="never" nodeType="tmRoot"/>
-      </p:par>
-    </p:tnLst>
-  </p:timing>
-</p:sld>
-</file>
-
-<file path=ppt/slides/slide3.xml><?xml version="1.0" encoding="utf-8"?>
-<p:sld xmlns:a="http://schemas.openxmlformats.org/drawingml/2006/main" xmlns:r="http://schemas.openxmlformats.org/officeDocument/2006/relationships" xmlns:p="http://schemas.openxmlformats.org/presentationml/2006/main">
-  <p:cSld>
-    <p:spTree>
-      <p:nvGrpSpPr>
-        <p:cNvPr id="1" name=""/>
-        <p:cNvGrpSpPr/>
-        <p:nvPr/>
-      </p:nvGrpSpPr>
-      <p:grpSpPr>
-        <a:xfrm>
-          <a:off x="0" y="0"/>
-          <a:ext cx="0" cy="0"/>
-          <a:chOff x="0" y="0"/>
-          <a:chExt cx="0" cy="0"/>
-        </a:xfrm>
-      </p:grpSpPr>
-      <p:sp>
-        <p:nvSpPr>
-          <p:cNvPr id="2" name="Заголовок 1"/>
-          <p:cNvSpPr>
-            <a:spLocks noGrp="1"/>
-          </p:cNvSpPr>
-          <p:nvPr>
-            <p:ph type="title"/>
-          </p:nvPr>
-        </p:nvSpPr>
-        <p:spPr/>
-        <p:txBody>
-          <a:bodyPr/>
-          <a:lstStyle/>
-          <a:p>
-            <a:r>
-              <a:rPr lang="ru-RU" dirty="0" smtClean="0"/>
-              <a:t>Постановка задач</a:t>
-            </a:r>
-            <a:endParaRPr lang="ru-RU" dirty="0"/>
-          </a:p>
-        </p:txBody>
-      </p:sp>
-      <p:sp>
-        <p:nvSpPr>
-          <p:cNvPr id="3" name="Объект 2"/>
-          <p:cNvSpPr>
-            <a:spLocks noGrp="1"/>
-          </p:cNvSpPr>
-          <p:nvPr>
-            <p:ph idx="1"/>
-          </p:nvPr>
-        </p:nvSpPr>
-        <p:spPr/>
-        <p:txBody>
-          <a:bodyPr anchor="ctr">
-            <a:normAutofit/>
-          </a:bodyPr>
-          <a:lstStyle/>
-          <a:p>
-            <a:pPr>
-              <a:buFont typeface="Wingdings" pitchFamily="2" charset="2"/>
-              <a:buChar char="Ø"/>
-            </a:pPr>
-            <a:r>
-              <a:rPr lang="ru-RU" sz="3200" dirty="0" smtClean="0"/>
-              <a:t>Управление с помощью курсора мыши</a:t>
-            </a:r>
-          </a:p>
-          <a:p>
-            <a:pPr>
-              <a:buFont typeface="Wingdings" pitchFamily="2" charset="2"/>
-              <a:buChar char="Ø"/>
-            </a:pPr>
-            <a:r>
-              <a:rPr lang="ru-RU" sz="3200" dirty="0" smtClean="0"/>
-              <a:t>Сенсорное управление </a:t>
-            </a:r>
-          </a:p>
-          <a:p>
-            <a:pPr>
-              <a:buFont typeface="Wingdings" pitchFamily="2" charset="2"/>
-              <a:buChar char="Ø"/>
-            </a:pPr>
-            <a:r>
-              <a:rPr lang="ru-RU" sz="3200" dirty="0" smtClean="0"/>
-              <a:t>Плавное ускорение и торможение </a:t>
-            </a:r>
-          </a:p>
-          <a:p>
-            <a:pPr>
-              <a:buFont typeface="Wingdings" pitchFamily="2" charset="2"/>
-              <a:buChar char="Ø"/>
-            </a:pPr>
-            <a:r>
-              <a:rPr lang="ru-RU" sz="3200" dirty="0" smtClean="0"/>
-              <a:t>Ускорение с потерей массы</a:t>
-            </a:r>
-          </a:p>
-          <a:p>
-            <a:pPr>
-              <a:buFont typeface="Wingdings" pitchFamily="2" charset="2"/>
-              <a:buChar char="Ø"/>
-            </a:pPr>
-            <a:endParaRPr lang="ru-RU" sz="3200" dirty="0"/>
-          </a:p>
-        </p:txBody>
-      </p:sp>
-      <p:sp>
-        <p:nvSpPr>
-          <p:cNvPr id="7" name="Номер слайда 4"/>
-          <p:cNvSpPr>
-            <a:spLocks noGrp="1"/>
-          </p:cNvSpPr>
-          <p:nvPr>
-            <p:ph type="sldNum" sz="quarter" idx="11"/>
-          </p:nvPr>
-        </p:nvSpPr>
-        <p:spPr>
-          <a:xfrm>
-            <a:off x="8676456" y="6629400"/>
-            <a:ext cx="467544" cy="228600"/>
-          </a:xfrm>
-        </p:spPr>
-        <p:txBody>
-          <a:bodyPr/>
-          <a:lstStyle/>
-          <a:p>
-            <a:r>
-              <a:rPr lang="en-US" dirty="0" smtClean="0"/>
-              <a:t>3/10</a:t>
-            </a:r>
-            <a:endParaRPr lang="ru-RU" dirty="0"/>
-          </a:p>
-        </p:txBody>
-      </p:sp>
-    </p:spTree>
-    <p:extLst>
-      <p:ext uri="{BB962C8B-B14F-4D97-AF65-F5344CB8AC3E}">
-        <p14:creationId xmlns:p14="http://schemas.microsoft.com/office/powerpoint/2010/main" val="3941380020"/>
-      </p:ext>
-    </p:extLst>
-  </p:cSld>
-  <p:clrMapOvr>
-    <a:masterClrMapping/>
-  </p:clrMapOvr>
-  <p:timing>
-    <p:tnLst>
-      <p:par>
-        <p:cTn id="1" dur="indefinite" restart="never" nodeType="tmRoot"/>
-      </p:par>
-    </p:tnLst>
-  </p:timing>
-</p:sld>
-</file>
-
-<file path=ppt/slides/slide4.xml><?xml version="1.0" encoding="utf-8"?>
-<p:sld xmlns:a="http://schemas.openxmlformats.org/drawingml/2006/main" xmlns:r="http://schemas.openxmlformats.org/officeDocument/2006/relationships" xmlns:p="http://schemas.openxmlformats.org/presentationml/2006/main">
-  <p:cSld>
-    <p:spTree>
-      <p:nvGrpSpPr>
-        <p:cNvPr id="1" name=""/>
-        <p:cNvGrpSpPr/>
-        <p:nvPr/>
-      </p:nvGrpSpPr>
-      <p:grpSpPr>
-        <a:xfrm>
-          <a:off x="0" y="0"/>
-          <a:ext cx="0" cy="0"/>
-          <a:chOff x="0" y="0"/>
-          <a:chExt cx="0" cy="0"/>
-        </a:xfrm>
-      </p:grpSpPr>
-      <p:sp>
-        <p:nvSpPr>
-          <p:cNvPr id="2" name="Заголовок 1"/>
-          <p:cNvSpPr>
-            <a:spLocks noGrp="1"/>
-          </p:cNvSpPr>
-          <p:nvPr>
-            <p:ph type="title"/>
-          </p:nvPr>
-        </p:nvSpPr>
-        <p:spPr/>
-        <p:txBody>
-          <a:bodyPr/>
-          <a:lstStyle/>
-          <a:p>
-            <a:r>
-              <a:rPr lang="ru-RU" dirty="0" smtClean="0"/>
-              <a:t>Обзор существующих решений </a:t>
-            </a:r>
-            <a:endParaRPr lang="ru-RU" dirty="0"/>
-          </a:p>
-        </p:txBody>
-      </p:sp>
-      <p:sp>
-        <p:nvSpPr>
-          <p:cNvPr id="3" name="Объект 2"/>
-          <p:cNvSpPr>
-            <a:spLocks noGrp="1"/>
-          </p:cNvSpPr>
-          <p:nvPr>
-            <p:ph idx="1"/>
-          </p:nvPr>
-        </p:nvSpPr>
-        <p:spPr/>
-        <p:txBody>
-          <a:bodyPr anchor="t">
-            <a:normAutofit/>
-          </a:bodyPr>
-          <a:lstStyle/>
-          <a:p>
-            <a:pPr>
-              <a:buFont typeface="Wingdings" pitchFamily="2" charset="2"/>
-              <a:buChar char="Ø"/>
-            </a:pPr>
-            <a:r>
-              <a:rPr lang="en-US" sz="2800" dirty="0" smtClean="0"/>
-              <a:t>Agar.io</a:t>
-            </a:r>
-          </a:p>
-          <a:p>
-            <a:pPr>
-              <a:buFont typeface="Wingdings" pitchFamily="2" charset="2"/>
-              <a:buChar char="Ø"/>
-            </a:pPr>
-            <a:r>
-              <a:rPr lang="en-US" sz="2800" dirty="0" smtClean="0"/>
-              <a:t>Petri </a:t>
-            </a:r>
-            <a:r>
-              <a:rPr lang="en-US" sz="2800" dirty="0"/>
-              <a:t>Dish</a:t>
-            </a:r>
-          </a:p>
-          <a:p>
-            <a:pPr>
-              <a:buFont typeface="Wingdings" pitchFamily="2" charset="2"/>
-              <a:buChar char="Ø"/>
-            </a:pPr>
-            <a:r>
-              <a:rPr lang="en-US" sz="2800" dirty="0" smtClean="0"/>
-              <a:t>Spore</a:t>
-            </a:r>
-          </a:p>
-          <a:p>
-            <a:pPr>
-              <a:buFont typeface="Wingdings" pitchFamily="2" charset="2"/>
-              <a:buChar char="Ø"/>
-            </a:pPr>
-            <a:r>
-              <a:rPr lang="en-US" sz="2800" dirty="0"/>
-              <a:t>Alis.io</a:t>
-            </a:r>
-            <a:endParaRPr lang="ru-RU" sz="2800" dirty="0"/>
-          </a:p>
-        </p:txBody>
-      </p:sp>
-      <p:sp>
-        <p:nvSpPr>
-          <p:cNvPr id="6" name="Номер слайда 4"/>
-          <p:cNvSpPr>
-            <a:spLocks noGrp="1"/>
-          </p:cNvSpPr>
-          <p:nvPr>
-            <p:ph type="sldNum" sz="quarter" idx="11"/>
-          </p:nvPr>
-        </p:nvSpPr>
-        <p:spPr>
-          <a:xfrm>
-            <a:off x="8676456" y="6610350"/>
-            <a:ext cx="447224" cy="228600"/>
-          </a:xfrm>
-        </p:spPr>
-        <p:txBody>
-          <a:bodyPr/>
-          <a:lstStyle/>
-          <a:p>
-            <a:r>
-              <a:rPr lang="en-US" dirty="0" smtClean="0"/>
-              <a:t>4/10</a:t>
-            </a:r>
-            <a:endParaRPr lang="ru-RU" dirty="0"/>
-          </a:p>
-        </p:txBody>
-      </p:sp>
-    </p:spTree>
-    <p:extLst>
-      <p:ext uri="{BB962C8B-B14F-4D97-AF65-F5344CB8AC3E}">
-        <p14:creationId xmlns:p14="http://schemas.microsoft.com/office/powerpoint/2010/main" val="1065162421"/>
-      </p:ext>
-    </p:extLst>
-  </p:cSld>
-  <p:clrMapOvr>
-    <a:masterClrMapping/>
-  </p:clrMapOvr>
-  <p:timing>
-    <p:tnLst>
-      <p:par>
-        <p:cTn id="1" dur="indefinite" restart="never" nodeType="tmRoot"/>
-      </p:par>
-    </p:tnLst>
-  </p:timing>
-</p:sld>
-</file>
-
-<file path=ppt/slides/slide5.xml><?xml version="1.0" encoding="utf-8"?>
-<p:sld xmlns:a="http://schemas.openxmlformats.org/drawingml/2006/main" xmlns:r="http://schemas.openxmlformats.org/officeDocument/2006/relationships" xmlns:p="http://schemas.openxmlformats.org/presentationml/2006/main">
-  <p:cSld>
-    <p:spTree>
-      <p:nvGrpSpPr>
-        <p:cNvPr id="1" name=""/>
-        <p:cNvGrpSpPr/>
-        <p:nvPr/>
-      </p:nvGrpSpPr>
-      <p:grpSpPr>
-        <a:xfrm>
-          <a:off x="0" y="0"/>
-          <a:ext cx="0" cy="0"/>
-          <a:chOff x="0" y="0"/>
-          <a:chExt cx="0" cy="0"/>
-        </a:xfrm>
-      </p:grpSpPr>
-      <p:sp>
-        <p:nvSpPr>
-          <p:cNvPr id="2" name="Заголовок 1"/>
-          <p:cNvSpPr>
-            <a:spLocks noGrp="1"/>
-          </p:cNvSpPr>
-          <p:nvPr>
-            <p:ph type="title"/>
-          </p:nvPr>
-        </p:nvSpPr>
-        <p:spPr/>
-        <p:txBody>
-          <a:bodyPr>
-            <a:normAutofit/>
-          </a:bodyPr>
-          <a:lstStyle/>
-          <a:p>
-            <a:r>
-              <a:rPr lang="ru-RU" dirty="0" smtClean="0">
-                <a:latin typeface="Arial" pitchFamily="34" charset="0"/>
-                <a:cs typeface="Arial" pitchFamily="34" charset="0"/>
-              </a:rPr>
-              <a:t>Игровой</a:t>
-            </a:r>
-            <a:r>
-              <a:rPr lang="ru-RU" sz="4000" dirty="0" smtClean="0">
-                <a:latin typeface="Arial" pitchFamily="34" charset="0"/>
-                <a:cs typeface="Arial" pitchFamily="34" charset="0"/>
-              </a:rPr>
-              <a:t> функционал</a:t>
-            </a:r>
-            <a:endParaRPr lang="ru-RU" sz="4000" dirty="0">
-              <a:latin typeface="Arial" pitchFamily="34" charset="0"/>
-              <a:cs typeface="Arial" pitchFamily="34" charset="0"/>
-            </a:endParaRPr>
-          </a:p>
-        </p:txBody>
-      </p:sp>
-      <p:sp>
-        <p:nvSpPr>
-          <p:cNvPr id="3" name="Объект 2"/>
-          <p:cNvSpPr>
-            <a:spLocks noGrp="1"/>
-          </p:cNvSpPr>
-          <p:nvPr>
-            <p:ph idx="1"/>
-          </p:nvPr>
-        </p:nvSpPr>
-        <p:spPr>
-          <a:xfrm>
-            <a:off x="457200" y="1981200"/>
-            <a:ext cx="8229600" cy="4256112"/>
-          </a:xfrm>
-        </p:spPr>
-        <p:txBody>
-          <a:bodyPr>
-            <a:normAutofit/>
-          </a:bodyPr>
-          <a:lstStyle/>
-          <a:p>
-            <a:pPr marL="457200" lvl="1" indent="0">
-              <a:buNone/>
-            </a:pPr>
-            <a:r>
-              <a:rPr lang="ru-RU" sz="2400" b="1" dirty="0" smtClean="0"/>
-              <a:t>Нестандартные функции:</a:t>
-            </a:r>
-          </a:p>
-          <a:p>
-            <a:pPr marL="457200" lvl="1" indent="0">
-              <a:buNone/>
-            </a:pPr>
-            <a:endParaRPr lang="ru-RU" sz="2400" b="1" dirty="0" smtClean="0"/>
-          </a:p>
-          <a:p>
-            <a:pPr lvl="1">
-              <a:buFont typeface="Wingdings" pitchFamily="2" charset="2"/>
-              <a:buChar char="Ø"/>
-            </a:pPr>
-            <a:r>
-              <a:rPr lang="ru-RU" sz="2400" dirty="0" smtClean="0"/>
-              <a:t>Перемещение с помощью сенсора</a:t>
-            </a:r>
-          </a:p>
-          <a:p>
-            <a:pPr lvl="1">
-              <a:buFont typeface="Wingdings" pitchFamily="2" charset="2"/>
-              <a:buChar char="Ø"/>
-            </a:pPr>
-            <a:r>
-              <a:rPr lang="ru-RU" sz="2400" dirty="0" smtClean="0"/>
-              <a:t>Ускорение с потерей веса</a:t>
-            </a:r>
-          </a:p>
-          <a:p>
-            <a:pPr lvl="1">
-              <a:buFont typeface="Wingdings" pitchFamily="2" charset="2"/>
-              <a:buChar char="Ø"/>
-            </a:pPr>
-            <a:endParaRPr lang="ru-RU" sz="2400" dirty="0"/>
-          </a:p>
-          <a:p>
-            <a:pPr marL="457200" lvl="1" indent="0">
-              <a:buNone/>
-            </a:pPr>
-            <a:r>
-              <a:rPr lang="ru-RU" sz="2400" b="1" dirty="0" smtClean="0"/>
-              <a:t>Стандартные функции:</a:t>
-            </a:r>
-          </a:p>
-          <a:p>
-            <a:pPr marL="457200" lvl="1" indent="0">
-              <a:buNone/>
-            </a:pPr>
-            <a:endParaRPr lang="ru-RU" sz="2400" b="1" dirty="0" smtClean="0"/>
-          </a:p>
-          <a:p>
-            <a:pPr lvl="1">
-              <a:buFont typeface="Wingdings" pitchFamily="2" charset="2"/>
-              <a:buChar char="Ø"/>
-            </a:pPr>
-            <a:r>
-              <a:rPr lang="ru-RU" sz="2400" dirty="0" smtClean="0"/>
-              <a:t>Перемещение с помощью курсора и клавиатуры</a:t>
-            </a:r>
-            <a:endParaRPr lang="ru-RU" sz="2400" dirty="0"/>
-          </a:p>
-        </p:txBody>
-      </p:sp>
-      <p:sp>
-        <p:nvSpPr>
-          <p:cNvPr id="6" name="Номер слайда 4"/>
-          <p:cNvSpPr>
-            <a:spLocks noGrp="1"/>
-          </p:cNvSpPr>
-          <p:nvPr>
-            <p:ph type="sldNum" sz="quarter" idx="11"/>
-          </p:nvPr>
-        </p:nvSpPr>
-        <p:spPr>
-          <a:xfrm>
-            <a:off x="8676456" y="6629400"/>
-            <a:ext cx="467544" cy="228600"/>
-          </a:xfrm>
-        </p:spPr>
-        <p:txBody>
-          <a:bodyPr/>
-          <a:lstStyle/>
-          <a:p>
-            <a:r>
-              <a:rPr lang="en-US" dirty="0" smtClean="0"/>
-              <a:t>5/10</a:t>
-            </a:r>
-            <a:endParaRPr lang="ru-RU" dirty="0"/>
-          </a:p>
-        </p:txBody>
-      </p:sp>
-    </p:spTree>
-    <p:extLst>
-      <p:ext uri="{BB962C8B-B14F-4D97-AF65-F5344CB8AC3E}">
-        <p14:creationId xmlns:p14="http://schemas.microsoft.com/office/powerpoint/2010/main" val="3087323708"/>
-      </p:ext>
-    </p:extLst>
-  </p:cSld>
-  <p:clrMapOvr>
-    <a:masterClrMapping/>
-  </p:clrMapOvr>
-  <p:timing>
-    <p:tnLst>
-      <p:par>
-        <p:cTn id="1" dur="indefinite" restart="never" nodeType="tmRoot"/>
-      </p:par>
-    </p:tnLst>
-  </p:timing>
-</p:sld>
-</file>
-
-<file path=ppt/slides/slide6.xml><?xml version="1.0" encoding="utf-8"?>
-<p:sld xmlns:a="http://schemas.openxmlformats.org/drawingml/2006/main" xmlns:r="http://schemas.openxmlformats.org/officeDocument/2006/relationships" xmlns:p="http://schemas.openxmlformats.org/presentationml/2006/main">
-  <p:cSld>
-    <p:spTree>
-      <p:nvGrpSpPr>
-        <p:cNvPr id="1" name=""/>
-        <p:cNvGrpSpPr/>
-        <p:nvPr/>
-      </p:nvGrpSpPr>
-      <p:grpSpPr>
-        <a:xfrm>
-          <a:off x="0" y="0"/>
-          <a:ext cx="0" cy="0"/>
-          <a:chOff x="0" y="0"/>
-          <a:chExt cx="0" cy="0"/>
-        </a:xfrm>
-      </p:grpSpPr>
-      <p:sp>
-        <p:nvSpPr>
-          <p:cNvPr id="2" name="Заголовок 1"/>
-          <p:cNvSpPr>
-            <a:spLocks noGrp="1"/>
-          </p:cNvSpPr>
-          <p:nvPr>
-            <p:ph type="title"/>
-          </p:nvPr>
-        </p:nvSpPr>
-        <p:spPr/>
-        <p:txBody>
-          <a:bodyPr/>
-          <a:lstStyle/>
-          <a:p>
-            <a:r>
-              <a:rPr lang="ru-RU" dirty="0" smtClean="0"/>
-              <a:t>Стартовый экран</a:t>
-            </a:r>
-            <a:endParaRPr lang="ru-RU" dirty="0"/>
-          </a:p>
-        </p:txBody>
-      </p:sp>
-      <p:sp>
-        <p:nvSpPr>
-          <p:cNvPr id="6" name="Номер слайда 4"/>
-          <p:cNvSpPr>
-            <a:spLocks noGrp="1"/>
-          </p:cNvSpPr>
-          <p:nvPr>
-            <p:ph type="sldNum" sz="quarter" idx="11"/>
-          </p:nvPr>
-        </p:nvSpPr>
-        <p:spPr>
-          <a:xfrm>
-            <a:off x="8676456" y="6629400"/>
-            <a:ext cx="467544" cy="228600"/>
-          </a:xfrm>
-        </p:spPr>
-        <p:txBody>
-          <a:bodyPr/>
-          <a:lstStyle/>
-          <a:p>
-            <a:r>
-              <a:rPr lang="en-US" dirty="0" smtClean="0"/>
+            <a:r>
+              <a:rPr lang="en-US" dirty="0"/>
               <a:t>6/10</a:t>
             </a:r>
             <a:endParaRPr lang="ru-RU" dirty="0"/>
@@ -7891,13 +7177,595 @@
   <p:clrMapOvr>
     <a:masterClrMapping/>
   </p:clrMapOvr>
-  <p:timing>
-    <p:tnLst>
-      <p:par>
-        <p:cTn id="1" dur="indefinite" restart="never" nodeType="tmRoot"/>
-      </p:par>
-    </p:tnLst>
-  </p:timing>
+</p:sld>
+</file>
+
+<file path=ppt/slides/slide3.xml><?xml version="1.0" encoding="utf-8"?>
+<p:sld xmlns:a="http://schemas.openxmlformats.org/drawingml/2006/main" xmlns:r="http://schemas.openxmlformats.org/officeDocument/2006/relationships" xmlns:p="http://schemas.openxmlformats.org/presentationml/2006/main">
+  <p:cSld>
+    <p:spTree>
+      <p:nvGrpSpPr>
+        <p:cNvPr id="1" name=""/>
+        <p:cNvGrpSpPr/>
+        <p:nvPr/>
+      </p:nvGrpSpPr>
+      <p:grpSpPr>
+        <a:xfrm>
+          <a:off x="0" y="0"/>
+          <a:ext cx="0" cy="0"/>
+          <a:chOff x="0" y="0"/>
+          <a:chExt cx="0" cy="0"/>
+        </a:xfrm>
+      </p:grpSpPr>
+      <p:sp>
+        <p:nvSpPr>
+          <p:cNvPr id="2" name="Заголовок 1"/>
+          <p:cNvSpPr>
+            <a:spLocks noGrp="1"/>
+          </p:cNvSpPr>
+          <p:nvPr>
+            <p:ph type="title"/>
+          </p:nvPr>
+        </p:nvSpPr>
+        <p:spPr>
+          <a:xfrm>
+            <a:off x="423123" y="628142"/>
+            <a:ext cx="8229600" cy="914400"/>
+          </a:xfrm>
+        </p:spPr>
+        <p:txBody>
+          <a:bodyPr/>
+          <a:lstStyle/>
+          <a:p>
+            <a:r>
+              <a:rPr lang="ru-RU" dirty="0"/>
+              <a:t>Процесс игры</a:t>
+            </a:r>
+          </a:p>
+        </p:txBody>
+      </p:sp>
+      <p:sp>
+        <p:nvSpPr>
+          <p:cNvPr id="3" name="Объект 2"/>
+          <p:cNvSpPr>
+            <a:spLocks noGrp="1"/>
+          </p:cNvSpPr>
+          <p:nvPr>
+            <p:ph idx="1"/>
+          </p:nvPr>
+        </p:nvSpPr>
+        <p:spPr/>
+        <p:txBody>
+          <a:bodyPr/>
+          <a:lstStyle/>
+          <a:p>
+            <a:endParaRPr lang="ru-RU"/>
+          </a:p>
+        </p:txBody>
+      </p:sp>
+      <p:sp>
+        <p:nvSpPr>
+          <p:cNvPr id="4" name="Номер слайда 3"/>
+          <p:cNvSpPr>
+            <a:spLocks noGrp="1"/>
+          </p:cNvSpPr>
+          <p:nvPr>
+            <p:ph type="sldNum" sz="quarter" idx="11"/>
+          </p:nvPr>
+        </p:nvSpPr>
+        <p:spPr/>
+        <p:txBody>
+          <a:bodyPr/>
+          <a:lstStyle/>
+          <a:p>
+            <a:fld id="{E5EB9E86-ACFD-4C4E-B1EE-231635812284}" type="slidenum">
+              <a:rPr lang="ru-RU" smtClean="0"/>
+              <a:t>3</a:t>
+            </a:fld>
+            <a:endParaRPr lang="ru-RU"/>
+          </a:p>
+        </p:txBody>
+      </p:sp>
+      <p:pic>
+        <p:nvPicPr>
+          <p:cNvPr id="5" name="Рисунок 4">
+            <a:extLst>
+              <a:ext uri="{FF2B5EF4-FFF2-40B4-BE49-F238E27FC236}">
+                <a16:creationId xmlns:a16="http://schemas.microsoft.com/office/drawing/2014/main" id="{63C4691B-AA57-4C89-9D2A-BE624E1733B5}"/>
+              </a:ext>
+            </a:extLst>
+          </p:cNvPr>
+          <p:cNvPicPr>
+            <a:picLocks noChangeAspect="1"/>
+          </p:cNvPicPr>
+          <p:nvPr/>
+        </p:nvPicPr>
+        <p:blipFill>
+          <a:blip r:embed="rId2"/>
+          <a:stretch>
+            <a:fillRect/>
+          </a:stretch>
+        </p:blipFill>
+        <p:spPr>
+          <a:xfrm>
+            <a:off x="115600" y="1700808"/>
+            <a:ext cx="8912800" cy="4266075"/>
+          </a:xfrm>
+          <a:prstGeom prst="rect">
+            <a:avLst/>
+          </a:prstGeom>
+        </p:spPr>
+      </p:pic>
+    </p:spTree>
+    <p:extLst>
+      <p:ext uri="{BB962C8B-B14F-4D97-AF65-F5344CB8AC3E}">
+        <p14:creationId xmlns:p14="http://schemas.microsoft.com/office/powerpoint/2010/main" val="1996078508"/>
+      </p:ext>
+    </p:extLst>
+  </p:cSld>
+  <p:clrMapOvr>
+    <a:masterClrMapping/>
+  </p:clrMapOvr>
+</p:sld>
+</file>
+
+<file path=ppt/slides/slide4.xml><?xml version="1.0" encoding="utf-8"?>
+<p:sld xmlns:a="http://schemas.openxmlformats.org/drawingml/2006/main" xmlns:r="http://schemas.openxmlformats.org/officeDocument/2006/relationships" xmlns:p="http://schemas.openxmlformats.org/presentationml/2006/main">
+  <p:cSld>
+    <p:spTree>
+      <p:nvGrpSpPr>
+        <p:cNvPr id="1" name=""/>
+        <p:cNvGrpSpPr/>
+        <p:nvPr/>
+      </p:nvGrpSpPr>
+      <p:grpSpPr>
+        <a:xfrm>
+          <a:off x="0" y="0"/>
+          <a:ext cx="0" cy="0"/>
+          <a:chOff x="0" y="0"/>
+          <a:chExt cx="0" cy="0"/>
+        </a:xfrm>
+      </p:grpSpPr>
+      <p:sp>
+        <p:nvSpPr>
+          <p:cNvPr id="2" name="Заголовок 1">
+            <a:extLst>
+              <a:ext uri="{FF2B5EF4-FFF2-40B4-BE49-F238E27FC236}">
+                <a16:creationId xmlns:a16="http://schemas.microsoft.com/office/drawing/2014/main" id="{20553773-A45F-4346-89C3-47F5699DC377}"/>
+              </a:ext>
+            </a:extLst>
+          </p:cNvPr>
+          <p:cNvSpPr>
+            <a:spLocks noGrp="1"/>
+          </p:cNvSpPr>
+          <p:nvPr>
+            <p:ph type="title"/>
+          </p:nvPr>
+        </p:nvSpPr>
+        <p:spPr>
+          <a:xfrm>
+            <a:off x="323528" y="715414"/>
+            <a:ext cx="8229600" cy="914400"/>
+          </a:xfrm>
+        </p:spPr>
+        <p:txBody>
+          <a:bodyPr/>
+          <a:lstStyle/>
+          <a:p>
+            <a:r>
+              <a:rPr lang="ru-RU" dirty="0"/>
+              <a:t>Конец игры</a:t>
+            </a:r>
+          </a:p>
+        </p:txBody>
+      </p:sp>
+      <p:pic>
+        <p:nvPicPr>
+          <p:cNvPr id="5" name="Объект 4">
+            <a:extLst>
+              <a:ext uri="{FF2B5EF4-FFF2-40B4-BE49-F238E27FC236}">
+                <a16:creationId xmlns:a16="http://schemas.microsoft.com/office/drawing/2014/main" id="{EF2033E1-C0CA-439F-A86A-DDED824B5DB8}"/>
+              </a:ext>
+            </a:extLst>
+          </p:cNvPr>
+          <p:cNvPicPr>
+            <a:picLocks noGrp="1" noChangeAspect="1"/>
+          </p:cNvPicPr>
+          <p:nvPr>
+            <p:ph idx="1"/>
+          </p:nvPr>
+        </p:nvPicPr>
+        <p:blipFill>
+          <a:blip r:embed="rId2"/>
+          <a:stretch>
+            <a:fillRect/>
+          </a:stretch>
+        </p:blipFill>
+        <p:spPr>
+          <a:xfrm>
+            <a:off x="90095" y="1648340"/>
+            <a:ext cx="8963810" cy="4248472"/>
+          </a:xfrm>
+          <a:prstGeom prst="rect">
+            <a:avLst/>
+          </a:prstGeom>
+        </p:spPr>
+      </p:pic>
+      <p:sp>
+        <p:nvSpPr>
+          <p:cNvPr id="4" name="Номер слайда 3">
+            <a:extLst>
+              <a:ext uri="{FF2B5EF4-FFF2-40B4-BE49-F238E27FC236}">
+                <a16:creationId xmlns:a16="http://schemas.microsoft.com/office/drawing/2014/main" id="{E16C7003-5400-4226-A8FA-AECC4A51AD79}"/>
+              </a:ext>
+            </a:extLst>
+          </p:cNvPr>
+          <p:cNvSpPr>
+            <a:spLocks noGrp="1"/>
+          </p:cNvSpPr>
+          <p:nvPr>
+            <p:ph type="sldNum" sz="quarter" idx="11"/>
+          </p:nvPr>
+        </p:nvSpPr>
+        <p:spPr/>
+        <p:txBody>
+          <a:bodyPr/>
+          <a:lstStyle/>
+          <a:p>
+            <a:fld id="{E5EB9E86-ACFD-4C4E-B1EE-231635812284}" type="slidenum">
+              <a:rPr lang="ru-RU" smtClean="0"/>
+              <a:t>4</a:t>
+            </a:fld>
+            <a:endParaRPr lang="ru-RU"/>
+          </a:p>
+        </p:txBody>
+      </p:sp>
+    </p:spTree>
+    <p:extLst>
+      <p:ext uri="{BB962C8B-B14F-4D97-AF65-F5344CB8AC3E}">
+        <p14:creationId xmlns:p14="http://schemas.microsoft.com/office/powerpoint/2010/main" val="1129882618"/>
+      </p:ext>
+    </p:extLst>
+  </p:cSld>
+  <p:clrMapOvr>
+    <a:masterClrMapping/>
+  </p:clrMapOvr>
+</p:sld>
+</file>
+
+<file path=ppt/slides/slide5.xml><?xml version="1.0" encoding="utf-8"?>
+<p:sld xmlns:a="http://schemas.openxmlformats.org/drawingml/2006/main" xmlns:r="http://schemas.openxmlformats.org/officeDocument/2006/relationships" xmlns:p="http://schemas.openxmlformats.org/presentationml/2006/main">
+  <p:cSld>
+    <p:spTree>
+      <p:nvGrpSpPr>
+        <p:cNvPr id="1" name=""/>
+        <p:cNvGrpSpPr/>
+        <p:nvPr/>
+      </p:nvGrpSpPr>
+      <p:grpSpPr>
+        <a:xfrm>
+          <a:off x="0" y="0"/>
+          <a:ext cx="0" cy="0"/>
+          <a:chOff x="0" y="0"/>
+          <a:chExt cx="0" cy="0"/>
+        </a:xfrm>
+      </p:grpSpPr>
+      <p:sp>
+        <p:nvSpPr>
+          <p:cNvPr id="2" name="Заголовок 1"/>
+          <p:cNvSpPr>
+            <a:spLocks noGrp="1"/>
+          </p:cNvSpPr>
+          <p:nvPr>
+            <p:ph type="title"/>
+          </p:nvPr>
+        </p:nvSpPr>
+        <p:spPr/>
+        <p:txBody>
+          <a:bodyPr>
+            <a:normAutofit/>
+          </a:bodyPr>
+          <a:lstStyle/>
+          <a:p>
+            <a:r>
+              <a:rPr lang="ru-RU" dirty="0">
+                <a:latin typeface="Arial" pitchFamily="34" charset="0"/>
+                <a:cs typeface="Arial" pitchFamily="34" charset="0"/>
+              </a:rPr>
+              <a:t>Игровой жанр</a:t>
+            </a:r>
+          </a:p>
+        </p:txBody>
+      </p:sp>
+      <p:sp>
+        <p:nvSpPr>
+          <p:cNvPr id="3" name="Объект 2"/>
+          <p:cNvSpPr>
+            <a:spLocks noGrp="1"/>
+          </p:cNvSpPr>
+          <p:nvPr>
+            <p:ph idx="1"/>
+          </p:nvPr>
+        </p:nvSpPr>
+        <p:spPr/>
+        <p:txBody>
+          <a:bodyPr anchor="t">
+            <a:normAutofit/>
+          </a:bodyPr>
+          <a:lstStyle/>
+          <a:p>
+            <a:pPr>
+              <a:buFont typeface="Wingdings" pitchFamily="2" charset="2"/>
+              <a:buChar char="Ø"/>
+            </a:pPr>
+            <a:r>
+              <a:rPr lang="en-US" sz="2800" dirty="0">
+                <a:latin typeface="Arial" pitchFamily="34" charset="0"/>
+                <a:cs typeface="Arial" pitchFamily="34" charset="0"/>
+              </a:rPr>
+              <a:t>IO - </a:t>
+            </a:r>
+            <a:r>
+              <a:rPr lang="ru-RU" sz="2800" dirty="0">
+                <a:latin typeface="Arial" pitchFamily="34" charset="0"/>
+                <a:cs typeface="Arial" pitchFamily="34" charset="0"/>
+              </a:rPr>
+              <a:t>казуальный геймплей, массовость игроков</a:t>
+            </a:r>
+            <a:br>
+              <a:rPr lang="ru-RU" sz="2800" dirty="0">
+                <a:latin typeface="Arial" pitchFamily="34" charset="0"/>
+                <a:cs typeface="Arial" pitchFamily="34" charset="0"/>
+              </a:rPr>
+            </a:br>
+            <a:endParaRPr lang="en-US" sz="2800" dirty="0">
+              <a:latin typeface="Arial" pitchFamily="34" charset="0"/>
+              <a:cs typeface="Arial" pitchFamily="34" charset="0"/>
+            </a:endParaRPr>
+          </a:p>
+          <a:p>
+            <a:pPr>
+              <a:buFont typeface="Wingdings" pitchFamily="2" charset="2"/>
+              <a:buChar char="Ø"/>
+            </a:pPr>
+            <a:r>
+              <a:rPr lang="ru-RU" sz="2800" dirty="0">
+                <a:latin typeface="Arial" pitchFamily="34" charset="0"/>
+                <a:cs typeface="Arial" pitchFamily="34" charset="0"/>
+              </a:rPr>
+              <a:t>Аркада – отсутствие сюжета, их уровни коротки </a:t>
+            </a:r>
+          </a:p>
+        </p:txBody>
+      </p:sp>
+      <p:sp>
+        <p:nvSpPr>
+          <p:cNvPr id="5" name="Номер слайда 4"/>
+          <p:cNvSpPr>
+            <a:spLocks noGrp="1"/>
+          </p:cNvSpPr>
+          <p:nvPr>
+            <p:ph type="sldNum" sz="quarter" idx="11"/>
+          </p:nvPr>
+        </p:nvSpPr>
+        <p:spPr>
+          <a:xfrm>
+            <a:off x="8676456" y="6629400"/>
+            <a:ext cx="467544" cy="228600"/>
+          </a:xfrm>
+        </p:spPr>
+        <p:txBody>
+          <a:bodyPr/>
+          <a:lstStyle/>
+          <a:p>
+            <a:fld id="{E5EB9E86-ACFD-4C4E-B1EE-231635812284}" type="slidenum">
+              <a:rPr lang="ru-RU" smtClean="0"/>
+              <a:t>5</a:t>
+            </a:fld>
+            <a:r>
+              <a:rPr lang="en-US" dirty="0"/>
+              <a:t>/10</a:t>
+            </a:r>
+            <a:endParaRPr lang="ru-RU" dirty="0"/>
+          </a:p>
+        </p:txBody>
+      </p:sp>
+    </p:spTree>
+    <p:extLst>
+      <p:ext uri="{BB962C8B-B14F-4D97-AF65-F5344CB8AC3E}">
+        <p14:creationId xmlns:p14="http://schemas.microsoft.com/office/powerpoint/2010/main" val="3951078763"/>
+      </p:ext>
+    </p:extLst>
+  </p:cSld>
+  <p:clrMapOvr>
+    <a:masterClrMapping/>
+  </p:clrMapOvr>
+</p:sld>
+</file>
+
+<file path=ppt/slides/slide6.xml><?xml version="1.0" encoding="utf-8"?>
+<p:sld xmlns:a="http://schemas.openxmlformats.org/drawingml/2006/main" xmlns:r="http://schemas.openxmlformats.org/officeDocument/2006/relationships" xmlns:p="http://schemas.openxmlformats.org/presentationml/2006/main">
+  <p:cSld>
+    <p:spTree>
+      <p:nvGrpSpPr>
+        <p:cNvPr id="1" name=""/>
+        <p:cNvGrpSpPr/>
+        <p:nvPr/>
+      </p:nvGrpSpPr>
+      <p:grpSpPr>
+        <a:xfrm>
+          <a:off x="0" y="0"/>
+          <a:ext cx="0" cy="0"/>
+          <a:chOff x="0" y="0"/>
+          <a:chExt cx="0" cy="0"/>
+        </a:xfrm>
+      </p:grpSpPr>
+      <p:sp>
+        <p:nvSpPr>
+          <p:cNvPr id="2" name="Заголовок 1"/>
+          <p:cNvSpPr>
+            <a:spLocks noGrp="1"/>
+          </p:cNvSpPr>
+          <p:nvPr>
+            <p:ph type="title"/>
+          </p:nvPr>
+        </p:nvSpPr>
+        <p:spPr/>
+        <p:txBody>
+          <a:bodyPr/>
+          <a:lstStyle/>
+          <a:p>
+            <a:r>
+              <a:rPr lang="ru-RU" dirty="0"/>
+              <a:t>Обзор существующих решений </a:t>
+            </a:r>
+          </a:p>
+        </p:txBody>
+      </p:sp>
+      <p:sp>
+        <p:nvSpPr>
+          <p:cNvPr id="3" name="Объект 2"/>
+          <p:cNvSpPr>
+            <a:spLocks noGrp="1"/>
+          </p:cNvSpPr>
+          <p:nvPr>
+            <p:ph idx="1"/>
+          </p:nvPr>
+        </p:nvSpPr>
+        <p:spPr/>
+        <p:txBody>
+          <a:bodyPr anchor="t">
+            <a:normAutofit/>
+          </a:bodyPr>
+          <a:lstStyle/>
+          <a:p>
+            <a:pPr>
+              <a:buFont typeface="Wingdings" pitchFamily="2" charset="2"/>
+              <a:buChar char="Ø"/>
+            </a:pPr>
+            <a:r>
+              <a:rPr lang="en-US" sz="2800" dirty="0"/>
+              <a:t>Agar.io</a:t>
+            </a:r>
+          </a:p>
+          <a:p>
+            <a:pPr>
+              <a:buFont typeface="Wingdings" pitchFamily="2" charset="2"/>
+              <a:buChar char="Ø"/>
+            </a:pPr>
+            <a:r>
+              <a:rPr lang="en-US" sz="2800" dirty="0"/>
+              <a:t>Petri Dish</a:t>
+            </a:r>
+          </a:p>
+          <a:p>
+            <a:pPr>
+              <a:buFont typeface="Wingdings" pitchFamily="2" charset="2"/>
+              <a:buChar char="Ø"/>
+            </a:pPr>
+            <a:r>
+              <a:rPr lang="en-US" sz="2800" dirty="0"/>
+              <a:t>Spore</a:t>
+            </a:r>
+          </a:p>
+          <a:p>
+            <a:pPr>
+              <a:buFont typeface="Wingdings" pitchFamily="2" charset="2"/>
+              <a:buChar char="Ø"/>
+            </a:pPr>
+            <a:r>
+              <a:rPr lang="en-US" sz="2800" dirty="0"/>
+              <a:t>Alis.io</a:t>
+            </a:r>
+            <a:endParaRPr lang="ru-RU" sz="2800" dirty="0"/>
+          </a:p>
+        </p:txBody>
+      </p:sp>
+      <p:sp>
+        <p:nvSpPr>
+          <p:cNvPr id="6" name="Номер слайда 4"/>
+          <p:cNvSpPr>
+            <a:spLocks noGrp="1"/>
+          </p:cNvSpPr>
+          <p:nvPr>
+            <p:ph type="sldNum" sz="quarter" idx="11"/>
+          </p:nvPr>
+        </p:nvSpPr>
+        <p:spPr>
+          <a:xfrm>
+            <a:off x="8676456" y="6610350"/>
+            <a:ext cx="447224" cy="228600"/>
+          </a:xfrm>
+        </p:spPr>
+        <p:txBody>
+          <a:bodyPr/>
+          <a:lstStyle/>
+          <a:p>
+            <a:r>
+              <a:rPr lang="en-US" dirty="0"/>
+              <a:t>4/10</a:t>
+            </a:r>
+            <a:endParaRPr lang="ru-RU" dirty="0"/>
+          </a:p>
+        </p:txBody>
+      </p:sp>
+      <p:pic>
+        <p:nvPicPr>
+          <p:cNvPr id="1026" name="Picture 2" descr="http://www.thumbnailtemplates.com/images/thumbs/thumb-080-agar-io-2.jpg">
+            <a:extLst>
+              <a:ext uri="{FF2B5EF4-FFF2-40B4-BE49-F238E27FC236}">
+                <a16:creationId xmlns:a16="http://schemas.microsoft.com/office/drawing/2014/main" id="{49CF5A42-5727-432C-B80C-1AE9DE305D08}"/>
+              </a:ext>
+            </a:extLst>
+          </p:cNvPr>
+          <p:cNvPicPr>
+            <a:picLocks noChangeAspect="1" noChangeArrowheads="1"/>
+          </p:cNvPicPr>
+          <p:nvPr/>
+        </p:nvPicPr>
+        <p:blipFill>
+          <a:blip r:embed="rId2">
+            <a:extLst>
+              <a:ext uri="{28A0092B-C50C-407E-A947-70E740481C1C}">
+                <a14:useLocalDpi xmlns:a14="http://schemas.microsoft.com/office/drawing/2010/main" val="0"/>
+              </a:ext>
+            </a:extLst>
+          </a:blip>
+          <a:srcRect/>
+          <a:stretch>
+            <a:fillRect/>
+          </a:stretch>
+        </p:blipFill>
+        <p:spPr bwMode="auto">
+          <a:xfrm>
+            <a:off x="3563888" y="2390201"/>
+            <a:ext cx="5468100" cy="3075806"/>
+          </a:xfrm>
+          <a:prstGeom prst="rect">
+            <a:avLst/>
+          </a:prstGeom>
+          <a:noFill/>
+          <a:extLst>
+            <a:ext uri="{909E8E84-426E-40DD-AFC4-6F175D3DCCD1}">
+              <a14:hiddenFill xmlns:a14="http://schemas.microsoft.com/office/drawing/2010/main">
+                <a:solidFill>
+                  <a:srgbClr val="FFFFFF"/>
+                </a:solidFill>
+              </a14:hiddenFill>
+            </a:ext>
+          </a:extLst>
+        </p:spPr>
+      </p:pic>
+    </p:spTree>
+    <p:extLst>
+      <p:ext uri="{BB962C8B-B14F-4D97-AF65-F5344CB8AC3E}">
+        <p14:creationId xmlns:p14="http://schemas.microsoft.com/office/powerpoint/2010/main" val="1065162421"/>
+      </p:ext>
+    </p:extLst>
+  </p:cSld>
+  <p:clrMapOvr>
+    <a:masterClrMapping/>
+  </p:clrMapOvr>
 </p:sld>
 </file>
 
@@ -7930,59 +7798,168 @@
         </p:nvSpPr>
         <p:spPr/>
         <p:txBody>
+          <a:bodyPr>
+            <a:normAutofit/>
+          </a:bodyPr>
+          <a:lstStyle/>
+          <a:p>
+            <a:r>
+              <a:rPr lang="ru-RU" dirty="0">
+                <a:latin typeface="Arial" pitchFamily="34" charset="0"/>
+                <a:cs typeface="Arial" pitchFamily="34" charset="0"/>
+              </a:rPr>
+              <a:t>Игровой</a:t>
+            </a:r>
+            <a:r>
+              <a:rPr lang="ru-RU" sz="4000" dirty="0">
+                <a:latin typeface="Arial" pitchFamily="34" charset="0"/>
+                <a:cs typeface="Arial" pitchFamily="34" charset="0"/>
+              </a:rPr>
+              <a:t> функционал</a:t>
+            </a:r>
+          </a:p>
+        </p:txBody>
+      </p:sp>
+      <p:sp>
+        <p:nvSpPr>
+          <p:cNvPr id="3" name="Объект 2"/>
+          <p:cNvSpPr>
+            <a:spLocks noGrp="1"/>
+          </p:cNvSpPr>
+          <p:nvPr>
+            <p:ph idx="1"/>
+          </p:nvPr>
+        </p:nvSpPr>
+        <p:spPr>
+          <a:xfrm>
+            <a:off x="457200" y="1981200"/>
+            <a:ext cx="8229600" cy="4256112"/>
+          </a:xfrm>
+        </p:spPr>
+        <p:txBody>
+          <a:bodyPr>
+            <a:normAutofit fontScale="92500" lnSpcReduction="20000"/>
+          </a:bodyPr>
+          <a:lstStyle/>
+          <a:p>
+            <a:pPr marL="457200" lvl="1" indent="0">
+              <a:buNone/>
+            </a:pPr>
+            <a:r>
+              <a:rPr lang="ru-RU" sz="2400" b="1" dirty="0"/>
+              <a:t>Нестандартные функции:</a:t>
+            </a:r>
+          </a:p>
+          <a:p>
+            <a:pPr marL="457200" lvl="1" indent="0">
+              <a:buNone/>
+            </a:pPr>
+            <a:endParaRPr lang="ru-RU" sz="2400" b="1" dirty="0"/>
+          </a:p>
+          <a:p>
+            <a:pPr lvl="1">
+              <a:buFont typeface="Wingdings" pitchFamily="2" charset="2"/>
+              <a:buChar char="Ø"/>
+            </a:pPr>
+            <a:r>
+              <a:rPr lang="ru-RU" sz="2400" dirty="0"/>
+              <a:t>Перемещение с помощью сенсора</a:t>
+            </a:r>
+          </a:p>
+          <a:p>
+            <a:pPr lvl="1">
+              <a:buFont typeface="Wingdings" pitchFamily="2" charset="2"/>
+              <a:buChar char="Ø"/>
+            </a:pPr>
+            <a:r>
+              <a:rPr lang="ru-RU" sz="2400" dirty="0"/>
+              <a:t>Ускорение с потерей веса</a:t>
+            </a:r>
+            <a:endParaRPr lang="en-US" sz="2400" dirty="0"/>
+          </a:p>
+          <a:p>
+            <a:pPr lvl="1">
+              <a:buFont typeface="Wingdings" pitchFamily="2" charset="2"/>
+              <a:buChar char="Ø"/>
+            </a:pPr>
+            <a:r>
+              <a:rPr lang="ru-RU" sz="2400" dirty="0"/>
+              <a:t>Плавное ускорение и торможение </a:t>
+            </a:r>
+          </a:p>
+          <a:p>
+            <a:pPr lvl="1">
+              <a:buFont typeface="Wingdings" pitchFamily="2" charset="2"/>
+              <a:buChar char="Ø"/>
+            </a:pPr>
+            <a:endParaRPr lang="ru-RU" sz="2400" dirty="0"/>
+          </a:p>
+          <a:p>
+            <a:pPr lvl="1">
+              <a:buFont typeface="Wingdings" pitchFamily="2" charset="2"/>
+              <a:buChar char="Ø"/>
+            </a:pPr>
+            <a:endParaRPr lang="ru-RU" sz="2400" dirty="0"/>
+          </a:p>
+          <a:p>
+            <a:pPr marL="457200" lvl="1" indent="0">
+              <a:buNone/>
+            </a:pPr>
+            <a:r>
+              <a:rPr lang="ru-RU" sz="2400" b="1" dirty="0"/>
+              <a:t>Стандартные функции:</a:t>
+            </a:r>
+          </a:p>
+          <a:p>
+            <a:pPr marL="457200" lvl="1" indent="0">
+              <a:buNone/>
+            </a:pPr>
+            <a:endParaRPr lang="ru-RU" sz="2400" b="1" dirty="0"/>
+          </a:p>
+          <a:p>
+            <a:pPr lvl="1">
+              <a:buFont typeface="Wingdings" pitchFamily="2" charset="2"/>
+              <a:buChar char="Ø"/>
+            </a:pPr>
+            <a:r>
+              <a:rPr lang="ru-RU" sz="2400" dirty="0"/>
+              <a:t>Перемещение с помощью курсора и клавиатуры</a:t>
+            </a:r>
+          </a:p>
+        </p:txBody>
+      </p:sp>
+      <p:sp>
+        <p:nvSpPr>
+          <p:cNvPr id="6" name="Номер слайда 4"/>
+          <p:cNvSpPr>
+            <a:spLocks noGrp="1"/>
+          </p:cNvSpPr>
+          <p:nvPr>
+            <p:ph type="sldNum" sz="quarter" idx="11"/>
+          </p:nvPr>
+        </p:nvSpPr>
+        <p:spPr>
+          <a:xfrm>
+            <a:off x="8676456" y="6629400"/>
+            <a:ext cx="467544" cy="228600"/>
+          </a:xfrm>
+        </p:spPr>
+        <p:txBody>
           <a:bodyPr/>
           <a:lstStyle/>
           <a:p>
-            <a:endParaRPr lang="ru-RU"/>
-          </a:p>
-        </p:txBody>
-      </p:sp>
-      <p:sp>
-        <p:nvSpPr>
-          <p:cNvPr id="3" name="Объект 2"/>
-          <p:cNvSpPr>
-            <a:spLocks noGrp="1"/>
-          </p:cNvSpPr>
-          <p:nvPr>
-            <p:ph idx="1"/>
-          </p:nvPr>
-        </p:nvSpPr>
-        <p:spPr/>
-        <p:txBody>
-          <a:bodyPr/>
-          <a:lstStyle/>
-          <a:p>
-            <a:endParaRPr lang="ru-RU"/>
-          </a:p>
-        </p:txBody>
-      </p:sp>
-      <p:sp>
-        <p:nvSpPr>
-          <p:cNvPr id="4" name="Номер слайда 3"/>
-          <p:cNvSpPr>
-            <a:spLocks noGrp="1"/>
-          </p:cNvSpPr>
-          <p:nvPr>
-            <p:ph type="sldNum" sz="quarter" idx="11"/>
-          </p:nvPr>
-        </p:nvSpPr>
-        <p:spPr/>
-        <p:txBody>
-          <a:bodyPr/>
-          <a:lstStyle/>
-          <a:p>
-            <a:fld id="{E5EB9E86-ACFD-4C4E-B1EE-231635812284}" type="slidenum">
-              <a:rPr lang="ru-RU" smtClean="0"/>
-              <a:t>7</a:t>
-            </a:fld>
-            <a:endParaRPr lang="ru-RU"/>
+            <a:r>
+              <a:rPr lang="en-US" dirty="0"/>
+              <a:t>5/10</a:t>
+            </a:r>
+            <a:endParaRPr lang="ru-RU" dirty="0"/>
           </a:p>
         </p:txBody>
       </p:sp>
     </p:spTree>
     <p:extLst>
       <p:ext uri="{BB962C8B-B14F-4D97-AF65-F5344CB8AC3E}">
-        <p14:creationId xmlns:p14="http://schemas.microsoft.com/office/powerpoint/2010/main" val="1996078508"/>
+        <p14:creationId xmlns:p14="http://schemas.microsoft.com/office/powerpoint/2010/main" val="3087323708"/>
       </p:ext>
     </p:extLst>
   </p:cSld>
@@ -8025,29 +8002,9 @@
           <a:lstStyle/>
           <a:p>
             <a:r>
-              <a:rPr lang="ru-RU" dirty="0" smtClean="0"/>
+              <a:rPr lang="ru-RU" dirty="0"/>
               <a:t>Диаграмма классов </a:t>
             </a:r>
-            <a:endParaRPr lang="ru-RU" dirty="0"/>
-          </a:p>
-        </p:txBody>
-      </p:sp>
-      <p:sp>
-        <p:nvSpPr>
-          <p:cNvPr id="3" name="Объект 2"/>
-          <p:cNvSpPr>
-            <a:spLocks noGrp="1"/>
-          </p:cNvSpPr>
-          <p:nvPr>
-            <p:ph idx="1"/>
-          </p:nvPr>
-        </p:nvSpPr>
-        <p:spPr/>
-        <p:txBody>
-          <a:bodyPr/>
-          <a:lstStyle/>
-          <a:p>
-            <a:endParaRPr lang="ru-RU"/>
           </a:p>
         </p:txBody>
       </p:sp>
@@ -8076,13 +8033,1163 @@
               <a:t>8</a:t>
             </a:fld>
             <a:r>
-              <a:rPr lang="en-US" dirty="0" smtClean="0"/>
+              <a:rPr lang="en-US" dirty="0"/>
               <a:t>/10</a:t>
             </a:r>
             <a:endParaRPr lang="ru-RU" dirty="0"/>
           </a:p>
         </p:txBody>
       </p:sp>
+      <p:sp>
+        <p:nvSpPr>
+          <p:cNvPr id="4" name="Прямоугольник 3">
+            <a:extLst>
+              <a:ext uri="{FF2B5EF4-FFF2-40B4-BE49-F238E27FC236}">
+                <a16:creationId xmlns:a16="http://schemas.microsoft.com/office/drawing/2014/main" id="{4A3F87AF-9E2B-4467-AC58-3CD156ADCB07}"/>
+              </a:ext>
+            </a:extLst>
+          </p:cNvPr>
+          <p:cNvSpPr/>
+          <p:nvPr/>
+        </p:nvSpPr>
+        <p:spPr>
+          <a:xfrm>
+            <a:off x="671464" y="2471765"/>
+            <a:ext cx="1996751" cy="576064"/>
+          </a:xfrm>
+          <a:prstGeom prst="rect">
+            <a:avLst/>
+          </a:prstGeom>
+        </p:spPr>
+        <p:style>
+          <a:lnRef idx="2">
+            <a:schemeClr val="accent6"/>
+          </a:lnRef>
+          <a:fillRef idx="1">
+            <a:schemeClr val="lt1"/>
+          </a:fillRef>
+          <a:effectRef idx="0">
+            <a:schemeClr val="accent6"/>
+          </a:effectRef>
+          <a:fontRef idx="minor">
+            <a:schemeClr val="dk1"/>
+          </a:fontRef>
+        </p:style>
+        <p:txBody>
+          <a:bodyPr rtlCol="0" anchor="ctr"/>
+          <a:lstStyle/>
+          <a:p>
+            <a:pPr algn="ctr"/>
+            <a:r>
+              <a:rPr lang="en-US" dirty="0"/>
+              <a:t>GUI</a:t>
+            </a:r>
+            <a:endParaRPr lang="ru-RU" dirty="0"/>
+          </a:p>
+        </p:txBody>
+      </p:sp>
+      <p:sp>
+        <p:nvSpPr>
+          <p:cNvPr id="7" name="Прямоугольник 6">
+            <a:extLst>
+              <a:ext uri="{FF2B5EF4-FFF2-40B4-BE49-F238E27FC236}">
+                <a16:creationId xmlns:a16="http://schemas.microsoft.com/office/drawing/2014/main" id="{83A5DD11-6A82-427F-9469-135283E56CBC}"/>
+              </a:ext>
+            </a:extLst>
+          </p:cNvPr>
+          <p:cNvSpPr/>
+          <p:nvPr/>
+        </p:nvSpPr>
+        <p:spPr>
+          <a:xfrm>
+            <a:off x="4481093" y="2257903"/>
+            <a:ext cx="2630085" cy="929545"/>
+          </a:xfrm>
+          <a:prstGeom prst="rect">
+            <a:avLst/>
+          </a:prstGeom>
+        </p:spPr>
+        <p:style>
+          <a:lnRef idx="2">
+            <a:schemeClr val="accent6"/>
+          </a:lnRef>
+          <a:fillRef idx="1">
+            <a:schemeClr val="lt1"/>
+          </a:fillRef>
+          <a:effectRef idx="0">
+            <a:schemeClr val="accent6"/>
+          </a:effectRef>
+          <a:fontRef idx="minor">
+            <a:schemeClr val="dk1"/>
+          </a:fontRef>
+        </p:style>
+        <p:txBody>
+          <a:bodyPr rtlCol="0" anchor="ctr"/>
+          <a:lstStyle/>
+          <a:p>
+            <a:pPr algn="ctr"/>
+            <a:r>
+              <a:rPr lang="en-US" dirty="0"/>
+              <a:t>Game Engine</a:t>
+            </a:r>
+          </a:p>
+          <a:p>
+            <a:pPr algn="ctr"/>
+            <a:endParaRPr lang="en-US" dirty="0"/>
+          </a:p>
+          <a:p>
+            <a:pPr algn="ctr"/>
+            <a:endParaRPr lang="ru-RU" dirty="0"/>
+          </a:p>
+        </p:txBody>
+      </p:sp>
+      <p:sp>
+        <p:nvSpPr>
+          <p:cNvPr id="8" name="Прямоугольник 7">
+            <a:extLst>
+              <a:ext uri="{FF2B5EF4-FFF2-40B4-BE49-F238E27FC236}">
+                <a16:creationId xmlns:a16="http://schemas.microsoft.com/office/drawing/2014/main" id="{F8131232-B47D-416D-9E18-B5FABA08B0E5}"/>
+              </a:ext>
+            </a:extLst>
+          </p:cNvPr>
+          <p:cNvSpPr/>
+          <p:nvPr/>
+        </p:nvSpPr>
+        <p:spPr>
+          <a:xfrm>
+            <a:off x="5654352" y="3311861"/>
+            <a:ext cx="1368152" cy="480762"/>
+          </a:xfrm>
+          <a:prstGeom prst="rect">
+            <a:avLst/>
+          </a:prstGeom>
+        </p:spPr>
+        <p:style>
+          <a:lnRef idx="2">
+            <a:schemeClr val="accent6"/>
+          </a:lnRef>
+          <a:fillRef idx="1">
+            <a:schemeClr val="lt1"/>
+          </a:fillRef>
+          <a:effectRef idx="0">
+            <a:schemeClr val="accent6"/>
+          </a:effectRef>
+          <a:fontRef idx="minor">
+            <a:schemeClr val="dk1"/>
+          </a:fontRef>
+        </p:style>
+        <p:txBody>
+          <a:bodyPr rtlCol="0" anchor="ctr"/>
+          <a:lstStyle/>
+          <a:p>
+            <a:pPr algn="ctr"/>
+            <a:r>
+              <a:rPr lang="en-US" dirty="0"/>
+              <a:t>Scene</a:t>
+            </a:r>
+            <a:endParaRPr lang="ru-RU" dirty="0"/>
+          </a:p>
+        </p:txBody>
+      </p:sp>
+      <p:sp>
+        <p:nvSpPr>
+          <p:cNvPr id="9" name="Прямоугольник 8">
+            <a:extLst>
+              <a:ext uri="{FF2B5EF4-FFF2-40B4-BE49-F238E27FC236}">
+                <a16:creationId xmlns:a16="http://schemas.microsoft.com/office/drawing/2014/main" id="{FF80C945-5405-408F-8A80-D8DD34BAF87C}"/>
+              </a:ext>
+            </a:extLst>
+          </p:cNvPr>
+          <p:cNvSpPr/>
+          <p:nvPr/>
+        </p:nvSpPr>
+        <p:spPr>
+          <a:xfrm>
+            <a:off x="5382750" y="4009815"/>
+            <a:ext cx="1911356" cy="514769"/>
+          </a:xfrm>
+          <a:prstGeom prst="rect">
+            <a:avLst/>
+          </a:prstGeom>
+        </p:spPr>
+        <p:style>
+          <a:lnRef idx="2">
+            <a:schemeClr val="accent6"/>
+          </a:lnRef>
+          <a:fillRef idx="1">
+            <a:schemeClr val="lt1"/>
+          </a:fillRef>
+          <a:effectRef idx="0">
+            <a:schemeClr val="accent6"/>
+          </a:effectRef>
+          <a:fontRef idx="minor">
+            <a:schemeClr val="dk1"/>
+          </a:fontRef>
+        </p:style>
+        <p:txBody>
+          <a:bodyPr rtlCol="0" anchor="ctr"/>
+          <a:lstStyle/>
+          <a:p>
+            <a:pPr algn="ctr"/>
+            <a:r>
+              <a:rPr lang="en-US" dirty="0" err="1"/>
+              <a:t>GameObject</a:t>
+            </a:r>
+            <a:endParaRPr lang="ru-RU" dirty="0"/>
+          </a:p>
+        </p:txBody>
+      </p:sp>
+      <p:sp>
+        <p:nvSpPr>
+          <p:cNvPr id="10" name="Прямоугольник 9">
+            <a:extLst>
+              <a:ext uri="{FF2B5EF4-FFF2-40B4-BE49-F238E27FC236}">
+                <a16:creationId xmlns:a16="http://schemas.microsoft.com/office/drawing/2014/main" id="{EAE6ACD1-0A5B-4E5B-9BCD-1246C4E756F5}"/>
+              </a:ext>
+            </a:extLst>
+          </p:cNvPr>
+          <p:cNvSpPr/>
+          <p:nvPr/>
+        </p:nvSpPr>
+        <p:spPr>
+          <a:xfrm>
+            <a:off x="6321998" y="4741776"/>
+            <a:ext cx="1369435" cy="473563"/>
+          </a:xfrm>
+          <a:prstGeom prst="rect">
+            <a:avLst/>
+          </a:prstGeom>
+        </p:spPr>
+        <p:style>
+          <a:lnRef idx="2">
+            <a:schemeClr val="accent6"/>
+          </a:lnRef>
+          <a:fillRef idx="1">
+            <a:schemeClr val="lt1"/>
+          </a:fillRef>
+          <a:effectRef idx="0">
+            <a:schemeClr val="accent6"/>
+          </a:effectRef>
+          <a:fontRef idx="minor">
+            <a:schemeClr val="dk1"/>
+          </a:fontRef>
+        </p:style>
+        <p:txBody>
+          <a:bodyPr rtlCol="0" anchor="ctr"/>
+          <a:lstStyle/>
+          <a:p>
+            <a:pPr algn="ctr"/>
+            <a:r>
+              <a:rPr lang="en-US" dirty="0"/>
+              <a:t>Eater</a:t>
+            </a:r>
+            <a:endParaRPr lang="ru-RU" dirty="0"/>
+          </a:p>
+        </p:txBody>
+      </p:sp>
+      <p:sp>
+        <p:nvSpPr>
+          <p:cNvPr id="11" name="Прямоугольник 10">
+            <a:extLst>
+              <a:ext uri="{FF2B5EF4-FFF2-40B4-BE49-F238E27FC236}">
+                <a16:creationId xmlns:a16="http://schemas.microsoft.com/office/drawing/2014/main" id="{7FD4D095-7C5B-46DF-AFD4-C1E805982DE3}"/>
+              </a:ext>
+            </a:extLst>
+          </p:cNvPr>
+          <p:cNvSpPr/>
+          <p:nvPr/>
+        </p:nvSpPr>
+        <p:spPr>
+          <a:xfrm>
+            <a:off x="7220139" y="5352630"/>
+            <a:ext cx="1718253" cy="514770"/>
+          </a:xfrm>
+          <a:prstGeom prst="rect">
+            <a:avLst/>
+          </a:prstGeom>
+        </p:spPr>
+        <p:style>
+          <a:lnRef idx="2">
+            <a:schemeClr val="accent6"/>
+          </a:lnRef>
+          <a:fillRef idx="1">
+            <a:schemeClr val="lt1"/>
+          </a:fillRef>
+          <a:effectRef idx="0">
+            <a:schemeClr val="accent6"/>
+          </a:effectRef>
+          <a:fontRef idx="minor">
+            <a:schemeClr val="dk1"/>
+          </a:fontRef>
+        </p:style>
+        <p:txBody>
+          <a:bodyPr rtlCol="0" anchor="ctr"/>
+          <a:lstStyle/>
+          <a:p>
+            <a:pPr algn="ctr"/>
+            <a:r>
+              <a:rPr lang="en-US" dirty="0"/>
+              <a:t>Player</a:t>
+            </a:r>
+            <a:endParaRPr lang="ru-RU" dirty="0"/>
+          </a:p>
+        </p:txBody>
+      </p:sp>
+      <p:sp>
+        <p:nvSpPr>
+          <p:cNvPr id="12" name="Прямоугольник 11">
+            <a:extLst>
+              <a:ext uri="{FF2B5EF4-FFF2-40B4-BE49-F238E27FC236}">
+                <a16:creationId xmlns:a16="http://schemas.microsoft.com/office/drawing/2014/main" id="{B02154B9-7C1E-4C0F-A564-66D4E49C5C5A}"/>
+              </a:ext>
+            </a:extLst>
+          </p:cNvPr>
+          <p:cNvSpPr/>
+          <p:nvPr/>
+        </p:nvSpPr>
+        <p:spPr>
+          <a:xfrm>
+            <a:off x="5246896" y="5352630"/>
+            <a:ext cx="1629360" cy="514769"/>
+          </a:xfrm>
+          <a:prstGeom prst="rect">
+            <a:avLst/>
+          </a:prstGeom>
+        </p:spPr>
+        <p:style>
+          <a:lnRef idx="2">
+            <a:schemeClr val="accent6"/>
+          </a:lnRef>
+          <a:fillRef idx="1">
+            <a:schemeClr val="lt1"/>
+          </a:fillRef>
+          <a:effectRef idx="0">
+            <a:schemeClr val="accent6"/>
+          </a:effectRef>
+          <a:fontRef idx="minor">
+            <a:schemeClr val="dk1"/>
+          </a:fontRef>
+        </p:style>
+        <p:txBody>
+          <a:bodyPr rtlCol="0" anchor="ctr"/>
+          <a:lstStyle/>
+          <a:p>
+            <a:pPr algn="ctr"/>
+            <a:r>
+              <a:rPr lang="en-US" dirty="0"/>
+              <a:t>Bot</a:t>
+            </a:r>
+            <a:endParaRPr lang="ru-RU" dirty="0"/>
+          </a:p>
+        </p:txBody>
+      </p:sp>
+      <p:sp>
+        <p:nvSpPr>
+          <p:cNvPr id="13" name="Прямоугольник 12">
+            <a:extLst>
+              <a:ext uri="{FF2B5EF4-FFF2-40B4-BE49-F238E27FC236}">
+                <a16:creationId xmlns:a16="http://schemas.microsoft.com/office/drawing/2014/main" id="{00C58361-8974-4E42-AA27-554CA282D89A}"/>
+              </a:ext>
+            </a:extLst>
+          </p:cNvPr>
+          <p:cNvSpPr/>
+          <p:nvPr/>
+        </p:nvSpPr>
+        <p:spPr>
+          <a:xfrm>
+            <a:off x="2226034" y="3814025"/>
+            <a:ext cx="1448409" cy="473563"/>
+          </a:xfrm>
+          <a:prstGeom prst="rect">
+            <a:avLst/>
+          </a:prstGeom>
+        </p:spPr>
+        <p:style>
+          <a:lnRef idx="2">
+            <a:schemeClr val="accent6"/>
+          </a:lnRef>
+          <a:fillRef idx="1">
+            <a:schemeClr val="lt1"/>
+          </a:fillRef>
+          <a:effectRef idx="0">
+            <a:schemeClr val="accent6"/>
+          </a:effectRef>
+          <a:fontRef idx="minor">
+            <a:schemeClr val="dk1"/>
+          </a:fontRef>
+        </p:style>
+        <p:txBody>
+          <a:bodyPr rtlCol="0" anchor="ctr"/>
+          <a:lstStyle/>
+          <a:p>
+            <a:pPr algn="ctr"/>
+            <a:r>
+              <a:rPr lang="en-US" dirty="0" err="1"/>
+              <a:t>MainMenu</a:t>
+            </a:r>
+            <a:endParaRPr lang="ru-RU" dirty="0"/>
+          </a:p>
+        </p:txBody>
+      </p:sp>
+      <p:sp>
+        <p:nvSpPr>
+          <p:cNvPr id="14" name="Прямоугольник 13">
+            <a:extLst>
+              <a:ext uri="{FF2B5EF4-FFF2-40B4-BE49-F238E27FC236}">
+                <a16:creationId xmlns:a16="http://schemas.microsoft.com/office/drawing/2014/main" id="{39C31A59-D6D6-4FCA-A1D1-5FF1D6C52918}"/>
+              </a:ext>
+            </a:extLst>
+          </p:cNvPr>
+          <p:cNvSpPr/>
+          <p:nvPr/>
+        </p:nvSpPr>
+        <p:spPr>
+          <a:xfrm>
+            <a:off x="4105" y="3902561"/>
+            <a:ext cx="1962032" cy="350505"/>
+          </a:xfrm>
+          <a:prstGeom prst="rect">
+            <a:avLst/>
+          </a:prstGeom>
+        </p:spPr>
+        <p:style>
+          <a:lnRef idx="2">
+            <a:schemeClr val="accent6"/>
+          </a:lnRef>
+          <a:fillRef idx="1">
+            <a:schemeClr val="lt1"/>
+          </a:fillRef>
+          <a:effectRef idx="0">
+            <a:schemeClr val="accent6"/>
+          </a:effectRef>
+          <a:fontRef idx="minor">
+            <a:schemeClr val="dk1"/>
+          </a:fontRef>
+        </p:style>
+        <p:txBody>
+          <a:bodyPr rtlCol="0" anchor="ctr"/>
+          <a:lstStyle/>
+          <a:p>
+            <a:pPr algn="ctr"/>
+            <a:r>
+              <a:rPr lang="en-US" dirty="0" err="1"/>
+              <a:t>GameOverMenu</a:t>
+            </a:r>
+            <a:endParaRPr lang="ru-RU" dirty="0"/>
+          </a:p>
+        </p:txBody>
+      </p:sp>
+      <p:sp>
+        <p:nvSpPr>
+          <p:cNvPr id="15" name="Прямоугольник 14">
+            <a:extLst>
+              <a:ext uri="{FF2B5EF4-FFF2-40B4-BE49-F238E27FC236}">
+                <a16:creationId xmlns:a16="http://schemas.microsoft.com/office/drawing/2014/main" id="{92283031-2F26-4217-973E-A8B434F40B3C}"/>
+              </a:ext>
+            </a:extLst>
+          </p:cNvPr>
+          <p:cNvSpPr/>
+          <p:nvPr/>
+        </p:nvSpPr>
+        <p:spPr>
+          <a:xfrm>
+            <a:off x="1099523" y="1811795"/>
+            <a:ext cx="1140635" cy="321163"/>
+          </a:xfrm>
+          <a:prstGeom prst="rect">
+            <a:avLst/>
+          </a:prstGeom>
+        </p:spPr>
+        <p:style>
+          <a:lnRef idx="2">
+            <a:schemeClr val="accent6"/>
+          </a:lnRef>
+          <a:fillRef idx="1">
+            <a:schemeClr val="lt1"/>
+          </a:fillRef>
+          <a:effectRef idx="0">
+            <a:schemeClr val="accent6"/>
+          </a:effectRef>
+          <a:fontRef idx="minor">
+            <a:schemeClr val="dk1"/>
+          </a:fontRef>
+        </p:style>
+        <p:txBody>
+          <a:bodyPr rtlCol="0" anchor="ctr"/>
+          <a:lstStyle/>
+          <a:p>
+            <a:pPr algn="ctr"/>
+            <a:r>
+              <a:rPr lang="en-US" dirty="0"/>
+              <a:t>HTML</a:t>
+            </a:r>
+            <a:endParaRPr lang="ru-RU" dirty="0"/>
+          </a:p>
+        </p:txBody>
+      </p:sp>
+      <p:sp>
+        <p:nvSpPr>
+          <p:cNvPr id="16" name="Прямоугольник 15">
+            <a:extLst>
+              <a:ext uri="{FF2B5EF4-FFF2-40B4-BE49-F238E27FC236}">
+                <a16:creationId xmlns:a16="http://schemas.microsoft.com/office/drawing/2014/main" id="{AC822E80-790A-4183-8AB6-D154E52FD033}"/>
+              </a:ext>
+            </a:extLst>
+          </p:cNvPr>
+          <p:cNvSpPr/>
+          <p:nvPr/>
+        </p:nvSpPr>
+        <p:spPr>
+          <a:xfrm>
+            <a:off x="5077946" y="1686527"/>
+            <a:ext cx="1276267" cy="312779"/>
+          </a:xfrm>
+          <a:prstGeom prst="rect">
+            <a:avLst/>
+          </a:prstGeom>
+        </p:spPr>
+        <p:style>
+          <a:lnRef idx="2">
+            <a:schemeClr val="accent6"/>
+          </a:lnRef>
+          <a:fillRef idx="1">
+            <a:schemeClr val="lt1"/>
+          </a:fillRef>
+          <a:effectRef idx="0">
+            <a:schemeClr val="accent6"/>
+          </a:effectRef>
+          <a:fontRef idx="minor">
+            <a:schemeClr val="dk1"/>
+          </a:fontRef>
+        </p:style>
+        <p:txBody>
+          <a:bodyPr rtlCol="0" anchor="ctr"/>
+          <a:lstStyle/>
+          <a:p>
+            <a:pPr algn="ctr"/>
+            <a:r>
+              <a:rPr lang="en-US" dirty="0"/>
+              <a:t>CANVAS</a:t>
+            </a:r>
+            <a:endParaRPr lang="ru-RU" dirty="0"/>
+          </a:p>
+        </p:txBody>
+      </p:sp>
+      <p:sp>
+        <p:nvSpPr>
+          <p:cNvPr id="17" name="Прямоугольник 16">
+            <a:extLst>
+              <a:ext uri="{FF2B5EF4-FFF2-40B4-BE49-F238E27FC236}">
+                <a16:creationId xmlns:a16="http://schemas.microsoft.com/office/drawing/2014/main" id="{E1132497-60AC-424B-B151-8722044B13AE}"/>
+              </a:ext>
+            </a:extLst>
+          </p:cNvPr>
+          <p:cNvSpPr/>
+          <p:nvPr/>
+        </p:nvSpPr>
+        <p:spPr>
+          <a:xfrm>
+            <a:off x="5756009" y="2775097"/>
+            <a:ext cx="1160375" cy="261122"/>
+          </a:xfrm>
+          <a:prstGeom prst="rect">
+            <a:avLst/>
+          </a:prstGeom>
+        </p:spPr>
+        <p:style>
+          <a:lnRef idx="2">
+            <a:schemeClr val="accent6"/>
+          </a:lnRef>
+          <a:fillRef idx="1">
+            <a:schemeClr val="lt1"/>
+          </a:fillRef>
+          <a:effectRef idx="0">
+            <a:schemeClr val="accent6"/>
+          </a:effectRef>
+          <a:fontRef idx="minor">
+            <a:schemeClr val="dk1"/>
+          </a:fontRef>
+        </p:style>
+        <p:txBody>
+          <a:bodyPr rtlCol="0" anchor="ctr"/>
+          <a:lstStyle/>
+          <a:p>
+            <a:pPr algn="ctr"/>
+            <a:r>
+              <a:rPr lang="en-US" sz="1600" dirty="0" err="1"/>
+              <a:t>CurScene</a:t>
+            </a:r>
+            <a:endParaRPr lang="ru-RU" sz="1600" dirty="0"/>
+          </a:p>
+        </p:txBody>
+      </p:sp>
+      <p:sp>
+        <p:nvSpPr>
+          <p:cNvPr id="18" name="Прямоугольник 17">
+            <a:extLst>
+              <a:ext uri="{FF2B5EF4-FFF2-40B4-BE49-F238E27FC236}">
+                <a16:creationId xmlns:a16="http://schemas.microsoft.com/office/drawing/2014/main" id="{93246489-5B80-4D68-9D67-023ED6CC359E}"/>
+              </a:ext>
+            </a:extLst>
+          </p:cNvPr>
+          <p:cNvSpPr/>
+          <p:nvPr/>
+        </p:nvSpPr>
+        <p:spPr>
+          <a:xfrm>
+            <a:off x="4596493" y="2775097"/>
+            <a:ext cx="1044117" cy="261122"/>
+          </a:xfrm>
+          <a:prstGeom prst="rect">
+            <a:avLst/>
+          </a:prstGeom>
+        </p:spPr>
+        <p:style>
+          <a:lnRef idx="2">
+            <a:schemeClr val="accent6"/>
+          </a:lnRef>
+          <a:fillRef idx="1">
+            <a:schemeClr val="lt1"/>
+          </a:fillRef>
+          <a:effectRef idx="0">
+            <a:schemeClr val="accent6"/>
+          </a:effectRef>
+          <a:fontRef idx="minor">
+            <a:schemeClr val="dk1"/>
+          </a:fontRef>
+        </p:style>
+        <p:txBody>
+          <a:bodyPr rtlCol="0" anchor="ctr"/>
+          <a:lstStyle/>
+          <a:p>
+            <a:pPr algn="ctr"/>
+            <a:r>
+              <a:rPr lang="en-US" sz="1400" dirty="0" err="1"/>
+              <a:t>GameLoop</a:t>
+            </a:r>
+            <a:endParaRPr lang="ru-RU" dirty="0"/>
+          </a:p>
+        </p:txBody>
+      </p:sp>
+      <p:sp>
+        <p:nvSpPr>
+          <p:cNvPr id="19" name="Прямоугольник 18">
+            <a:extLst>
+              <a:ext uri="{FF2B5EF4-FFF2-40B4-BE49-F238E27FC236}">
+                <a16:creationId xmlns:a16="http://schemas.microsoft.com/office/drawing/2014/main" id="{E8EEEB12-7BC0-49AE-9913-4D3684352369}"/>
+              </a:ext>
+            </a:extLst>
+          </p:cNvPr>
+          <p:cNvSpPr/>
+          <p:nvPr/>
+        </p:nvSpPr>
+        <p:spPr>
+          <a:xfrm>
+            <a:off x="4284917" y="4754186"/>
+            <a:ext cx="1369435" cy="473563"/>
+          </a:xfrm>
+          <a:prstGeom prst="rect">
+            <a:avLst/>
+          </a:prstGeom>
+        </p:spPr>
+        <p:style>
+          <a:lnRef idx="2">
+            <a:schemeClr val="accent6"/>
+          </a:lnRef>
+          <a:fillRef idx="1">
+            <a:schemeClr val="lt1"/>
+          </a:fillRef>
+          <a:effectRef idx="0">
+            <a:schemeClr val="accent6"/>
+          </a:effectRef>
+          <a:fontRef idx="minor">
+            <a:schemeClr val="dk1"/>
+          </a:fontRef>
+        </p:style>
+        <p:txBody>
+          <a:bodyPr rtlCol="0" anchor="ctr"/>
+          <a:lstStyle/>
+          <a:p>
+            <a:pPr algn="ctr"/>
+            <a:r>
+              <a:rPr lang="en-US" dirty="0"/>
+              <a:t>Food</a:t>
+            </a:r>
+            <a:endParaRPr lang="ru-RU" dirty="0"/>
+          </a:p>
+        </p:txBody>
+      </p:sp>
+      <p:sp>
+        <p:nvSpPr>
+          <p:cNvPr id="20" name="Прямоугольник 19">
+            <a:extLst>
+              <a:ext uri="{FF2B5EF4-FFF2-40B4-BE49-F238E27FC236}">
+                <a16:creationId xmlns:a16="http://schemas.microsoft.com/office/drawing/2014/main" id="{E2707A2A-4279-49AB-8027-479E6C2364F3}"/>
+              </a:ext>
+            </a:extLst>
+          </p:cNvPr>
+          <p:cNvSpPr/>
+          <p:nvPr/>
+        </p:nvSpPr>
+        <p:spPr>
+          <a:xfrm>
+            <a:off x="985121" y="3149854"/>
+            <a:ext cx="1369435" cy="473563"/>
+          </a:xfrm>
+          <a:prstGeom prst="rect">
+            <a:avLst/>
+          </a:prstGeom>
+        </p:spPr>
+        <p:style>
+          <a:lnRef idx="2">
+            <a:schemeClr val="accent6"/>
+          </a:lnRef>
+          <a:fillRef idx="1">
+            <a:schemeClr val="lt1"/>
+          </a:fillRef>
+          <a:effectRef idx="0">
+            <a:schemeClr val="accent6"/>
+          </a:effectRef>
+          <a:fontRef idx="minor">
+            <a:schemeClr val="dk1"/>
+          </a:fontRef>
+        </p:style>
+        <p:txBody>
+          <a:bodyPr rtlCol="0" anchor="ctr"/>
+          <a:lstStyle/>
+          <a:p>
+            <a:pPr algn="ctr"/>
+            <a:r>
+              <a:rPr lang="en-US" dirty="0"/>
+              <a:t>Menu</a:t>
+            </a:r>
+            <a:endParaRPr lang="ru-RU" dirty="0"/>
+          </a:p>
+        </p:txBody>
+      </p:sp>
+      <p:cxnSp>
+        <p:nvCxnSpPr>
+          <p:cNvPr id="21" name="Прямая со стрелкой 20">
+            <a:extLst>
+              <a:ext uri="{FF2B5EF4-FFF2-40B4-BE49-F238E27FC236}">
+                <a16:creationId xmlns:a16="http://schemas.microsoft.com/office/drawing/2014/main" id="{AEC043BA-9131-44B9-879B-4285C8BD598C}"/>
+              </a:ext>
+            </a:extLst>
+          </p:cNvPr>
+          <p:cNvCxnSpPr>
+            <a:stCxn id="15" idx="2"/>
+            <a:endCxn id="4" idx="0"/>
+          </p:cNvCxnSpPr>
+          <p:nvPr/>
+        </p:nvCxnSpPr>
+        <p:spPr>
+          <a:xfrm flipH="1">
+            <a:off x="1669839" y="2132958"/>
+            <a:ext cx="0" cy="338807"/>
+          </a:xfrm>
+          <a:prstGeom prst="straightConnector1">
+            <a:avLst/>
+          </a:prstGeom>
+          <a:ln w="57150">
+            <a:tailEnd type="triangle"/>
+          </a:ln>
+        </p:spPr>
+        <p:style>
+          <a:lnRef idx="2">
+            <a:schemeClr val="accent1"/>
+          </a:lnRef>
+          <a:fillRef idx="0">
+            <a:schemeClr val="accent1"/>
+          </a:fillRef>
+          <a:effectRef idx="1">
+            <a:schemeClr val="accent1"/>
+          </a:effectRef>
+          <a:fontRef idx="minor">
+            <a:schemeClr val="tx1"/>
+          </a:fontRef>
+        </p:style>
+      </p:cxnSp>
+      <p:cxnSp>
+        <p:nvCxnSpPr>
+          <p:cNvPr id="24" name="Прямая со стрелкой 23">
+            <a:extLst>
+              <a:ext uri="{FF2B5EF4-FFF2-40B4-BE49-F238E27FC236}">
+                <a16:creationId xmlns:a16="http://schemas.microsoft.com/office/drawing/2014/main" id="{ACD1AE3F-8CD9-474C-92F6-1C3C5931DB6E}"/>
+              </a:ext>
+            </a:extLst>
+          </p:cNvPr>
+          <p:cNvCxnSpPr>
+            <a:cxnSpLocks/>
+            <a:stCxn id="4" idx="2"/>
+            <a:endCxn id="20" idx="0"/>
+          </p:cNvCxnSpPr>
+          <p:nvPr/>
+        </p:nvCxnSpPr>
+        <p:spPr>
+          <a:xfrm flipH="1">
+            <a:off x="1669839" y="3047829"/>
+            <a:ext cx="1" cy="102025"/>
+          </a:xfrm>
+          <a:prstGeom prst="straightConnector1">
+            <a:avLst/>
+          </a:prstGeom>
+          <a:ln>
+            <a:tailEnd type="triangle"/>
+          </a:ln>
+        </p:spPr>
+        <p:style>
+          <a:lnRef idx="1">
+            <a:schemeClr val="accent1"/>
+          </a:lnRef>
+          <a:fillRef idx="0">
+            <a:schemeClr val="accent1"/>
+          </a:fillRef>
+          <a:effectRef idx="0">
+            <a:schemeClr val="accent1"/>
+          </a:effectRef>
+          <a:fontRef idx="minor">
+            <a:schemeClr val="tx1"/>
+          </a:fontRef>
+        </p:style>
+      </p:cxnSp>
+      <p:cxnSp>
+        <p:nvCxnSpPr>
+          <p:cNvPr id="27" name="Прямая со стрелкой 26">
+            <a:extLst>
+              <a:ext uri="{FF2B5EF4-FFF2-40B4-BE49-F238E27FC236}">
+                <a16:creationId xmlns:a16="http://schemas.microsoft.com/office/drawing/2014/main" id="{83E71721-F8A5-461E-82D3-72A15FE6D42F}"/>
+              </a:ext>
+            </a:extLst>
+          </p:cNvPr>
+          <p:cNvCxnSpPr>
+            <a:stCxn id="20" idx="2"/>
+            <a:endCxn id="14" idx="0"/>
+          </p:cNvCxnSpPr>
+          <p:nvPr/>
+        </p:nvCxnSpPr>
+        <p:spPr>
+          <a:xfrm flipH="1">
+            <a:off x="985121" y="3623417"/>
+            <a:ext cx="684718" cy="279144"/>
+          </a:xfrm>
+          <a:prstGeom prst="straightConnector1">
+            <a:avLst/>
+          </a:prstGeom>
+          <a:ln>
+            <a:tailEnd type="triangle"/>
+          </a:ln>
+        </p:spPr>
+        <p:style>
+          <a:lnRef idx="1">
+            <a:schemeClr val="accent1"/>
+          </a:lnRef>
+          <a:fillRef idx="0">
+            <a:schemeClr val="accent1"/>
+          </a:fillRef>
+          <a:effectRef idx="0">
+            <a:schemeClr val="accent1"/>
+          </a:effectRef>
+          <a:fontRef idx="minor">
+            <a:schemeClr val="tx1"/>
+          </a:fontRef>
+        </p:style>
+      </p:cxnSp>
+      <p:cxnSp>
+        <p:nvCxnSpPr>
+          <p:cNvPr id="29" name="Прямая со стрелкой 28">
+            <a:extLst>
+              <a:ext uri="{FF2B5EF4-FFF2-40B4-BE49-F238E27FC236}">
+                <a16:creationId xmlns:a16="http://schemas.microsoft.com/office/drawing/2014/main" id="{B69374C0-25C3-4216-8B5E-3044EA5BD42B}"/>
+              </a:ext>
+            </a:extLst>
+          </p:cNvPr>
+          <p:cNvCxnSpPr>
+            <a:stCxn id="20" idx="2"/>
+            <a:endCxn id="13" idx="0"/>
+          </p:cNvCxnSpPr>
+          <p:nvPr/>
+        </p:nvCxnSpPr>
+        <p:spPr>
+          <a:xfrm>
+            <a:off x="1669839" y="3623417"/>
+            <a:ext cx="1280400" cy="190608"/>
+          </a:xfrm>
+          <a:prstGeom prst="straightConnector1">
+            <a:avLst/>
+          </a:prstGeom>
+          <a:ln>
+            <a:tailEnd type="triangle"/>
+          </a:ln>
+        </p:spPr>
+        <p:style>
+          <a:lnRef idx="1">
+            <a:schemeClr val="accent1"/>
+          </a:lnRef>
+          <a:fillRef idx="0">
+            <a:schemeClr val="accent1"/>
+          </a:fillRef>
+          <a:effectRef idx="0">
+            <a:schemeClr val="accent1"/>
+          </a:effectRef>
+          <a:fontRef idx="minor">
+            <a:schemeClr val="tx1"/>
+          </a:fontRef>
+        </p:style>
+      </p:cxnSp>
+      <p:cxnSp>
+        <p:nvCxnSpPr>
+          <p:cNvPr id="31" name="Прямая со стрелкой 30">
+            <a:extLst>
+              <a:ext uri="{FF2B5EF4-FFF2-40B4-BE49-F238E27FC236}">
+                <a16:creationId xmlns:a16="http://schemas.microsoft.com/office/drawing/2014/main" id="{7B1D677C-87D1-436E-AA83-BEBC91A54127}"/>
+              </a:ext>
+            </a:extLst>
+          </p:cNvPr>
+          <p:cNvCxnSpPr>
+            <a:cxnSpLocks/>
+            <a:stCxn id="17" idx="2"/>
+            <a:endCxn id="8" idx="0"/>
+          </p:cNvCxnSpPr>
+          <p:nvPr/>
+        </p:nvCxnSpPr>
+        <p:spPr>
+          <a:xfrm>
+            <a:off x="6336197" y="3036219"/>
+            <a:ext cx="2231" cy="275642"/>
+          </a:xfrm>
+          <a:prstGeom prst="straightConnector1">
+            <a:avLst/>
+          </a:prstGeom>
+          <a:ln>
+            <a:tailEnd type="triangle"/>
+          </a:ln>
+        </p:spPr>
+        <p:style>
+          <a:lnRef idx="1">
+            <a:schemeClr val="accent1"/>
+          </a:lnRef>
+          <a:fillRef idx="0">
+            <a:schemeClr val="accent1"/>
+          </a:fillRef>
+          <a:effectRef idx="0">
+            <a:schemeClr val="accent1"/>
+          </a:effectRef>
+          <a:fontRef idx="minor">
+            <a:schemeClr val="tx1"/>
+          </a:fontRef>
+        </p:style>
+      </p:cxnSp>
+      <p:cxnSp>
+        <p:nvCxnSpPr>
+          <p:cNvPr id="33" name="Прямая со стрелкой 32">
+            <a:extLst>
+              <a:ext uri="{FF2B5EF4-FFF2-40B4-BE49-F238E27FC236}">
+                <a16:creationId xmlns:a16="http://schemas.microsoft.com/office/drawing/2014/main" id="{D5512A64-964B-4E66-99A6-0682FD8F32A1}"/>
+              </a:ext>
+            </a:extLst>
+          </p:cNvPr>
+          <p:cNvCxnSpPr>
+            <a:cxnSpLocks/>
+            <a:stCxn id="8" idx="2"/>
+            <a:endCxn id="9" idx="0"/>
+          </p:cNvCxnSpPr>
+          <p:nvPr/>
+        </p:nvCxnSpPr>
+        <p:spPr>
+          <a:xfrm>
+            <a:off x="6338428" y="3792623"/>
+            <a:ext cx="0" cy="217192"/>
+          </a:xfrm>
+          <a:prstGeom prst="straightConnector1">
+            <a:avLst/>
+          </a:prstGeom>
+          <a:ln>
+            <a:tailEnd type="triangle"/>
+          </a:ln>
+        </p:spPr>
+        <p:style>
+          <a:lnRef idx="1">
+            <a:schemeClr val="accent1"/>
+          </a:lnRef>
+          <a:fillRef idx="0">
+            <a:schemeClr val="accent1"/>
+          </a:fillRef>
+          <a:effectRef idx="0">
+            <a:schemeClr val="accent1"/>
+          </a:effectRef>
+          <a:fontRef idx="minor">
+            <a:schemeClr val="tx1"/>
+          </a:fontRef>
+        </p:style>
+      </p:cxnSp>
+      <p:cxnSp>
+        <p:nvCxnSpPr>
+          <p:cNvPr id="40" name="Прямая со стрелкой 39">
+            <a:extLst>
+              <a:ext uri="{FF2B5EF4-FFF2-40B4-BE49-F238E27FC236}">
+                <a16:creationId xmlns:a16="http://schemas.microsoft.com/office/drawing/2014/main" id="{BA66B176-1330-4AA0-B229-5B59E16BB3F0}"/>
+              </a:ext>
+            </a:extLst>
+          </p:cNvPr>
+          <p:cNvCxnSpPr>
+            <a:stCxn id="9" idx="2"/>
+            <a:endCxn id="19" idx="0"/>
+          </p:cNvCxnSpPr>
+          <p:nvPr/>
+        </p:nvCxnSpPr>
+        <p:spPr>
+          <a:xfrm flipH="1">
+            <a:off x="4969635" y="4524584"/>
+            <a:ext cx="1368793" cy="229602"/>
+          </a:xfrm>
+          <a:prstGeom prst="straightConnector1">
+            <a:avLst/>
+          </a:prstGeom>
+          <a:ln>
+            <a:tailEnd type="triangle"/>
+          </a:ln>
+        </p:spPr>
+        <p:style>
+          <a:lnRef idx="1">
+            <a:schemeClr val="accent1"/>
+          </a:lnRef>
+          <a:fillRef idx="0">
+            <a:schemeClr val="accent1"/>
+          </a:fillRef>
+          <a:effectRef idx="0">
+            <a:schemeClr val="accent1"/>
+          </a:effectRef>
+          <a:fontRef idx="minor">
+            <a:schemeClr val="tx1"/>
+          </a:fontRef>
+        </p:style>
+      </p:cxnSp>
+      <p:cxnSp>
+        <p:nvCxnSpPr>
+          <p:cNvPr id="42" name="Прямая со стрелкой 41">
+            <a:extLst>
+              <a:ext uri="{FF2B5EF4-FFF2-40B4-BE49-F238E27FC236}">
+                <a16:creationId xmlns:a16="http://schemas.microsoft.com/office/drawing/2014/main" id="{9C84EBE0-87DD-41BD-978C-22D2DA752765}"/>
+              </a:ext>
+            </a:extLst>
+          </p:cNvPr>
+          <p:cNvCxnSpPr>
+            <a:stCxn id="9" idx="2"/>
+            <a:endCxn id="10" idx="0"/>
+          </p:cNvCxnSpPr>
+          <p:nvPr/>
+        </p:nvCxnSpPr>
+        <p:spPr>
+          <a:xfrm>
+            <a:off x="6338428" y="4524584"/>
+            <a:ext cx="668288" cy="217192"/>
+          </a:xfrm>
+          <a:prstGeom prst="straightConnector1">
+            <a:avLst/>
+          </a:prstGeom>
+          <a:ln>
+            <a:tailEnd type="triangle"/>
+          </a:ln>
+        </p:spPr>
+        <p:style>
+          <a:lnRef idx="1">
+            <a:schemeClr val="accent1"/>
+          </a:lnRef>
+          <a:fillRef idx="0">
+            <a:schemeClr val="accent1"/>
+          </a:fillRef>
+          <a:effectRef idx="0">
+            <a:schemeClr val="accent1"/>
+          </a:effectRef>
+          <a:fontRef idx="minor">
+            <a:schemeClr val="tx1"/>
+          </a:fontRef>
+        </p:style>
+      </p:cxnSp>
+      <p:cxnSp>
+        <p:nvCxnSpPr>
+          <p:cNvPr id="44" name="Прямая со стрелкой 43">
+            <a:extLst>
+              <a:ext uri="{FF2B5EF4-FFF2-40B4-BE49-F238E27FC236}">
+                <a16:creationId xmlns:a16="http://schemas.microsoft.com/office/drawing/2014/main" id="{A06B4F47-7FD8-41FE-BBB9-B636C2F1B102}"/>
+              </a:ext>
+            </a:extLst>
+          </p:cNvPr>
+          <p:cNvCxnSpPr>
+            <a:stCxn id="10" idx="2"/>
+            <a:endCxn id="12" idx="0"/>
+          </p:cNvCxnSpPr>
+          <p:nvPr/>
+        </p:nvCxnSpPr>
+        <p:spPr>
+          <a:xfrm flipH="1">
+            <a:off x="6061576" y="5215339"/>
+            <a:ext cx="945140" cy="137291"/>
+          </a:xfrm>
+          <a:prstGeom prst="straightConnector1">
+            <a:avLst/>
+          </a:prstGeom>
+          <a:ln>
+            <a:tailEnd type="triangle"/>
+          </a:ln>
+        </p:spPr>
+        <p:style>
+          <a:lnRef idx="1">
+            <a:schemeClr val="accent1"/>
+          </a:lnRef>
+          <a:fillRef idx="0">
+            <a:schemeClr val="accent1"/>
+          </a:fillRef>
+          <a:effectRef idx="0">
+            <a:schemeClr val="accent1"/>
+          </a:effectRef>
+          <a:fontRef idx="minor">
+            <a:schemeClr val="tx1"/>
+          </a:fontRef>
+        </p:style>
+      </p:cxnSp>
+      <p:cxnSp>
+        <p:nvCxnSpPr>
+          <p:cNvPr id="46" name="Прямая со стрелкой 45">
+            <a:extLst>
+              <a:ext uri="{FF2B5EF4-FFF2-40B4-BE49-F238E27FC236}">
+                <a16:creationId xmlns:a16="http://schemas.microsoft.com/office/drawing/2014/main" id="{E1C48966-5676-40C9-9B91-81B719D1B51C}"/>
+              </a:ext>
+            </a:extLst>
+          </p:cNvPr>
+          <p:cNvCxnSpPr>
+            <a:stCxn id="10" idx="2"/>
+            <a:endCxn id="11" idx="0"/>
+          </p:cNvCxnSpPr>
+          <p:nvPr/>
+        </p:nvCxnSpPr>
+        <p:spPr>
+          <a:xfrm>
+            <a:off x="7006716" y="5215339"/>
+            <a:ext cx="1072550" cy="137291"/>
+          </a:xfrm>
+          <a:prstGeom prst="straightConnector1">
+            <a:avLst/>
+          </a:prstGeom>
+          <a:ln>
+            <a:tailEnd type="triangle"/>
+          </a:ln>
+        </p:spPr>
+        <p:style>
+          <a:lnRef idx="1">
+            <a:schemeClr val="accent1"/>
+          </a:lnRef>
+          <a:fillRef idx="0">
+            <a:schemeClr val="accent1"/>
+          </a:fillRef>
+          <a:effectRef idx="0">
+            <a:schemeClr val="accent1"/>
+          </a:effectRef>
+          <a:fontRef idx="minor">
+            <a:schemeClr val="tx1"/>
+          </a:fontRef>
+        </p:style>
+      </p:cxnSp>
     </p:spTree>
     <p:extLst>
       <p:ext uri="{BB962C8B-B14F-4D97-AF65-F5344CB8AC3E}">
@@ -8093,13 +9200,6 @@
   <p:clrMapOvr>
     <a:masterClrMapping/>
   </p:clrMapOvr>
-  <p:timing>
-    <p:tnLst>
-      <p:par>
-        <p:cTn id="1" dur="indefinite" restart="never" nodeType="tmRoot"/>
-      </p:par>
-    </p:tnLst>
-  </p:timing>
 </p:sld>
 </file>
 
@@ -8136,10 +9236,9 @@
           <a:lstStyle/>
           <a:p>
             <a:r>
-              <a:rPr lang="ru-RU" dirty="0" smtClean="0"/>
+              <a:rPr lang="ru-RU" dirty="0"/>
               <a:t>Статистика </a:t>
             </a:r>
-            <a:endParaRPr lang="ru-RU" dirty="0"/>
           </a:p>
         </p:txBody>
       </p:sp>
@@ -8155,10 +9254,35 @@
         </p:nvSpPr>
         <p:spPr/>
         <p:txBody>
-          <a:bodyPr/>
-          <a:lstStyle/>
-          <a:p>
-            <a:endParaRPr lang="ru-RU"/>
+          <a:bodyPr>
+            <a:normAutofit/>
+          </a:bodyPr>
+          <a:lstStyle/>
+          <a:p>
+            <a:r>
+              <a:rPr lang="en-US" sz="2800" dirty="0"/>
+              <a:t>56 </a:t>
+            </a:r>
+            <a:r>
+              <a:rPr lang="ru-RU" sz="2800" dirty="0" err="1"/>
+              <a:t>коммитов</a:t>
+            </a:r>
+            <a:r>
+              <a:rPr lang="ru-RU" sz="2800" dirty="0"/>
+              <a:t> </a:t>
+            </a:r>
+          </a:p>
+          <a:p>
+            <a:r>
+              <a:rPr lang="ru-RU" sz="2800" dirty="0"/>
+              <a:t>50ч усердной работы</a:t>
+            </a:r>
+          </a:p>
+          <a:p>
+            <a:r>
+              <a:rPr lang="ru-RU" sz="2800" dirty="0"/>
+              <a:t>1100 строк кода</a:t>
+            </a:r>
           </a:p>
         </p:txBody>
       </p:sp>
@@ -8187,7 +9311,7 @@
               <a:t>9</a:t>
             </a:fld>
             <a:r>
-              <a:rPr lang="en-US" dirty="0" smtClean="0"/>
+              <a:rPr lang="en-US" dirty="0"/>
               <a:t>/10</a:t>
             </a:r>
             <a:endParaRPr lang="ru-RU" dirty="0"/>
@@ -8204,13 +9328,6 @@
   <p:clrMapOvr>
     <a:masterClrMapping/>
   </p:clrMapOvr>
-  <p:timing>
-    <p:tnLst>
-      <p:par>
-        <p:cTn id="1" dur="indefinite" restart="never" nodeType="tmRoot"/>
-      </p:par>
-    </p:tnLst>
-  </p:timing>
 </p:sld>
 </file>
 
